--- a/Slides.pptx
+++ b/Slides.pptx
@@ -10,23 +10,25 @@
     <p:sldId id="276" r:id="rId4"/>
     <p:sldId id="266" r:id="rId5"/>
     <p:sldId id="267" r:id="rId6"/>
-    <p:sldId id="270" r:id="rId7"/>
-    <p:sldId id="268" r:id="rId8"/>
-    <p:sldId id="269" r:id="rId9"/>
-    <p:sldId id="257" r:id="rId10"/>
-    <p:sldId id="258" r:id="rId11"/>
-    <p:sldId id="280" r:id="rId12"/>
-    <p:sldId id="259" r:id="rId13"/>
-    <p:sldId id="260" r:id="rId14"/>
-    <p:sldId id="261" r:id="rId15"/>
-    <p:sldId id="262" r:id="rId16"/>
-    <p:sldId id="263" r:id="rId17"/>
-    <p:sldId id="264" r:id="rId18"/>
-    <p:sldId id="271" r:id="rId19"/>
-    <p:sldId id="272" r:id="rId20"/>
-    <p:sldId id="274" r:id="rId21"/>
-    <p:sldId id="273" r:id="rId22"/>
-    <p:sldId id="265" r:id="rId23"/>
+    <p:sldId id="281" r:id="rId7"/>
+    <p:sldId id="283" r:id="rId8"/>
+    <p:sldId id="270" r:id="rId9"/>
+    <p:sldId id="268" r:id="rId10"/>
+    <p:sldId id="269" r:id="rId11"/>
+    <p:sldId id="257" r:id="rId12"/>
+    <p:sldId id="258" r:id="rId13"/>
+    <p:sldId id="280" r:id="rId14"/>
+    <p:sldId id="259" r:id="rId15"/>
+    <p:sldId id="260" r:id="rId16"/>
+    <p:sldId id="261" r:id="rId17"/>
+    <p:sldId id="262" r:id="rId18"/>
+    <p:sldId id="263" r:id="rId19"/>
+    <p:sldId id="264" r:id="rId20"/>
+    <p:sldId id="271" r:id="rId21"/>
+    <p:sldId id="272" r:id="rId22"/>
+    <p:sldId id="274" r:id="rId23"/>
+    <p:sldId id="273" r:id="rId24"/>
+    <p:sldId id="265" r:id="rId25"/>
   </p:sldIdLst>
   <p:sldSz cx="12192000" cy="6858000"/>
   <p:notesSz cx="6858000" cy="9144000"/>
@@ -280,7 +282,7 @@
           <a:p>
             <a:fld id="{B1487B86-B0FC-394A-BF8A-82D80719CAC0}" type="datetimeFigureOut">
               <a:rPr lang="en-US" smtClean="0"/>
-              <a:t>11/11/2023</a:t>
+              <a:t>11/12/2023</a:t>
             </a:fld>
             <a:endParaRPr lang="en-US"/>
           </a:p>
@@ -478,7 +480,7 @@
           <a:p>
             <a:fld id="{B1487B86-B0FC-394A-BF8A-82D80719CAC0}" type="datetimeFigureOut">
               <a:rPr lang="en-US" smtClean="0"/>
-              <a:t>11/11/2023</a:t>
+              <a:t>11/12/2023</a:t>
             </a:fld>
             <a:endParaRPr lang="en-US"/>
           </a:p>
@@ -686,7 +688,7 @@
           <a:p>
             <a:fld id="{B1487B86-B0FC-394A-BF8A-82D80719CAC0}" type="datetimeFigureOut">
               <a:rPr lang="en-US" smtClean="0"/>
-              <a:t>11/11/2023</a:t>
+              <a:t>11/12/2023</a:t>
             </a:fld>
             <a:endParaRPr lang="en-US"/>
           </a:p>
@@ -884,7 +886,7 @@
           <a:p>
             <a:fld id="{B1487B86-B0FC-394A-BF8A-82D80719CAC0}" type="datetimeFigureOut">
               <a:rPr lang="en-US" smtClean="0"/>
-              <a:t>11/11/2023</a:t>
+              <a:t>11/12/2023</a:t>
             </a:fld>
             <a:endParaRPr lang="en-US"/>
           </a:p>
@@ -1159,7 +1161,7 @@
           <a:p>
             <a:fld id="{B1487B86-B0FC-394A-BF8A-82D80719CAC0}" type="datetimeFigureOut">
               <a:rPr lang="en-US" smtClean="0"/>
-              <a:t>11/11/2023</a:t>
+              <a:t>11/12/2023</a:t>
             </a:fld>
             <a:endParaRPr lang="en-US"/>
           </a:p>
@@ -1424,7 +1426,7 @@
           <a:p>
             <a:fld id="{B1487B86-B0FC-394A-BF8A-82D80719CAC0}" type="datetimeFigureOut">
               <a:rPr lang="en-US" smtClean="0"/>
-              <a:t>11/11/2023</a:t>
+              <a:t>11/12/2023</a:t>
             </a:fld>
             <a:endParaRPr lang="en-US"/>
           </a:p>
@@ -1836,7 +1838,7 @@
           <a:p>
             <a:fld id="{B1487B86-B0FC-394A-BF8A-82D80719CAC0}" type="datetimeFigureOut">
               <a:rPr lang="en-US" smtClean="0"/>
-              <a:t>11/11/2023</a:t>
+              <a:t>11/12/2023</a:t>
             </a:fld>
             <a:endParaRPr lang="en-US"/>
           </a:p>
@@ -1977,7 +1979,7 @@
           <a:p>
             <a:fld id="{B1487B86-B0FC-394A-BF8A-82D80719CAC0}" type="datetimeFigureOut">
               <a:rPr lang="en-US" smtClean="0"/>
-              <a:t>11/11/2023</a:t>
+              <a:t>11/12/2023</a:t>
             </a:fld>
             <a:endParaRPr lang="en-US"/>
           </a:p>
@@ -2090,7 +2092,7 @@
           <a:p>
             <a:fld id="{B1487B86-B0FC-394A-BF8A-82D80719CAC0}" type="datetimeFigureOut">
               <a:rPr lang="en-US" smtClean="0"/>
-              <a:t>11/11/2023</a:t>
+              <a:t>11/12/2023</a:t>
             </a:fld>
             <a:endParaRPr lang="en-US"/>
           </a:p>
@@ -2401,7 +2403,7 @@
           <a:p>
             <a:fld id="{B1487B86-B0FC-394A-BF8A-82D80719CAC0}" type="datetimeFigureOut">
               <a:rPr lang="en-US" smtClean="0"/>
-              <a:t>11/11/2023</a:t>
+              <a:t>11/12/2023</a:t>
             </a:fld>
             <a:endParaRPr lang="en-US"/>
           </a:p>
@@ -2689,7 +2691,7 @@
           <a:p>
             <a:fld id="{B1487B86-B0FC-394A-BF8A-82D80719CAC0}" type="datetimeFigureOut">
               <a:rPr lang="en-US" smtClean="0"/>
-              <a:t>11/11/2023</a:t>
+              <a:t>11/12/2023</a:t>
             </a:fld>
             <a:endParaRPr lang="en-US"/>
           </a:p>
@@ -2930,7 +2932,7 @@
           <a:p>
             <a:fld id="{B1487B86-B0FC-394A-BF8A-82D80719CAC0}" type="datetimeFigureOut">
               <a:rPr lang="en-US" smtClean="0"/>
-              <a:t>11/11/2023</a:t>
+              <a:t>11/12/2023</a:t>
             </a:fld>
             <a:endParaRPr lang="en-US"/>
           </a:p>
@@ -3335,9 +3337,20 @@
   <p:cSld>
     <p:bg>
       <p:bgPr>
-        <a:solidFill>
-          <a:srgbClr val="002060"/>
-        </a:solidFill>
+        <a:blipFill dpi="0" rotWithShape="1">
+          <a:blip r:embed="rId2">
+            <a:lum/>
+            <a:extLst>
+              <a:ext uri="{837473B0-CC2E-450A-ABE3-18F120FF3D39}">
+                <a1611:picAttrSrcUrl xmlns:a1611="http://schemas.microsoft.com/office/drawing/2016/11/main" r:id="rId3"/>
+              </a:ext>
+            </a:extLst>
+          </a:blip>
+          <a:srcRect/>
+          <a:stretch>
+            <a:fillRect t="-9000" b="-9000"/>
+          </a:stretch>
+        </a:blipFill>
         <a:effectLst/>
       </p:bgPr>
     </p:bg>
@@ -3432,30 +3445,325 @@
           </a:p>
         </p:txBody>
       </p:sp>
-      <p:sp>
-        <p:nvSpPr>
-          <p:cNvPr id="3" name="Subtitle 2">
-            <a:extLst>
-              <a:ext uri="{FF2B5EF4-FFF2-40B4-BE49-F238E27FC236}">
-                <a16:creationId xmlns:a16="http://schemas.microsoft.com/office/drawing/2014/main" id="{72230D86-1199-2DA8-4C6C-1617451306DF}"/>
-              </a:ext>
-            </a:extLst>
-          </p:cNvPr>
-          <p:cNvSpPr>
-            <a:spLocks noGrp="1"/>
-          </p:cNvSpPr>
-          <p:nvPr>
-            <p:ph type="subTitle" idx="1"/>
-          </p:nvPr>
-        </p:nvSpPr>
-        <p:spPr>
-          <a:xfrm>
-            <a:off x="1428830" y="3796584"/>
-            <a:ext cx="9144000" cy="1655762"/>
-          </a:xfrm>
-        </p:spPr>
-        <p:txBody>
-          <a:bodyPr/>
+      <p:pic>
+        <p:nvPicPr>
+          <p:cNvPr id="17" name="Picture 16" descr="A white logo with dots and lines&#10;&#10;Description automatically generated">
+            <a:extLst>
+              <a:ext uri="{FF2B5EF4-FFF2-40B4-BE49-F238E27FC236}">
+                <a16:creationId xmlns:a16="http://schemas.microsoft.com/office/drawing/2014/main" id="{F388A74A-AE84-A263-225B-0BC0BAC06437}"/>
+              </a:ext>
+            </a:extLst>
+          </p:cNvPr>
+          <p:cNvPicPr>
+            <a:picLocks noChangeAspect="1"/>
+          </p:cNvPicPr>
+          <p:nvPr/>
+        </p:nvPicPr>
+        <p:blipFill>
+          <a:blip r:embed="rId4">
+            <a:extLst>
+              <a:ext uri="{28A0092B-C50C-407E-A947-70E740481C1C}">
+                <a14:useLocalDpi xmlns:a14="http://schemas.microsoft.com/office/drawing/2010/main" val="0"/>
+              </a:ext>
+            </a:extLst>
+          </a:blip>
+          <a:stretch>
+            <a:fillRect/>
+          </a:stretch>
+        </p:blipFill>
+        <p:spPr>
+          <a:xfrm>
+            <a:off x="4540285" y="3805552"/>
+            <a:ext cx="993282" cy="945873"/>
+          </a:xfrm>
+          <a:prstGeom prst="rect">
+            <a:avLst/>
+          </a:prstGeom>
+        </p:spPr>
+      </p:pic>
+      <p:sp>
+        <p:nvSpPr>
+          <p:cNvPr id="21" name="Oval 20">
+            <a:extLst>
+              <a:ext uri="{FF2B5EF4-FFF2-40B4-BE49-F238E27FC236}">
+                <a16:creationId xmlns:a16="http://schemas.microsoft.com/office/drawing/2014/main" id="{FBCF63A0-BAF2-102B-A864-A9CADEA8090A}"/>
+              </a:ext>
+            </a:extLst>
+          </p:cNvPr>
+          <p:cNvSpPr/>
+          <p:nvPr/>
+        </p:nvSpPr>
+        <p:spPr>
+          <a:xfrm>
+            <a:off x="4341285" y="3176692"/>
+            <a:ext cx="104815" cy="104815"/>
+          </a:xfrm>
+          <a:prstGeom prst="ellipse">
+            <a:avLst/>
+          </a:prstGeom>
+          <a:solidFill>
+            <a:srgbClr val="FFC000"/>
+          </a:solidFill>
+        </p:spPr>
+        <p:style>
+          <a:lnRef idx="2">
+            <a:schemeClr val="accent1">
+              <a:shade val="15000"/>
+            </a:schemeClr>
+          </a:lnRef>
+          <a:fillRef idx="1">
+            <a:schemeClr val="accent1"/>
+          </a:fillRef>
+          <a:effectRef idx="0">
+            <a:schemeClr val="accent1"/>
+          </a:effectRef>
+          <a:fontRef idx="minor">
+            <a:schemeClr val="lt1"/>
+          </a:fontRef>
+        </p:style>
+        <p:txBody>
+          <a:bodyPr rtlCol="0" anchor="ctr"/>
+          <a:lstStyle/>
+          <a:p>
+            <a:pPr algn="ctr"/>
+            <a:endParaRPr lang="en-GB"/>
+          </a:p>
+        </p:txBody>
+      </p:sp>
+      <p:sp>
+        <p:nvSpPr>
+          <p:cNvPr id="22" name="Oval 21">
+            <a:extLst>
+              <a:ext uri="{FF2B5EF4-FFF2-40B4-BE49-F238E27FC236}">
+                <a16:creationId xmlns:a16="http://schemas.microsoft.com/office/drawing/2014/main" id="{89DB9DFA-102B-3B88-D266-43F02A9D5645}"/>
+              </a:ext>
+            </a:extLst>
+          </p:cNvPr>
+          <p:cNvSpPr/>
+          <p:nvPr/>
+        </p:nvSpPr>
+        <p:spPr>
+          <a:xfrm>
+            <a:off x="5367445" y="3176691"/>
+            <a:ext cx="104815" cy="104815"/>
+          </a:xfrm>
+          <a:prstGeom prst="ellipse">
+            <a:avLst/>
+          </a:prstGeom>
+          <a:solidFill>
+            <a:srgbClr val="FFC000"/>
+          </a:solidFill>
+        </p:spPr>
+        <p:style>
+          <a:lnRef idx="2">
+            <a:schemeClr val="accent1">
+              <a:shade val="15000"/>
+            </a:schemeClr>
+          </a:lnRef>
+          <a:fillRef idx="1">
+            <a:schemeClr val="accent1"/>
+          </a:fillRef>
+          <a:effectRef idx="0">
+            <a:schemeClr val="accent1"/>
+          </a:effectRef>
+          <a:fontRef idx="minor">
+            <a:schemeClr val="lt1"/>
+          </a:fontRef>
+        </p:style>
+        <p:txBody>
+          <a:bodyPr rtlCol="0" anchor="ctr"/>
+          <a:lstStyle/>
+          <a:p>
+            <a:pPr algn="ctr"/>
+            <a:endParaRPr lang="en-GB"/>
+          </a:p>
+        </p:txBody>
+      </p:sp>
+      <p:sp>
+        <p:nvSpPr>
+          <p:cNvPr id="23" name="Oval 22">
+            <a:extLst>
+              <a:ext uri="{FF2B5EF4-FFF2-40B4-BE49-F238E27FC236}">
+                <a16:creationId xmlns:a16="http://schemas.microsoft.com/office/drawing/2014/main" id="{F58733E3-BF1C-10FC-5A90-80A823C81C50}"/>
+              </a:ext>
+            </a:extLst>
+          </p:cNvPr>
+          <p:cNvSpPr/>
+          <p:nvPr/>
+        </p:nvSpPr>
+        <p:spPr>
+          <a:xfrm>
+            <a:off x="6772912" y="3176690"/>
+            <a:ext cx="104815" cy="104815"/>
+          </a:xfrm>
+          <a:prstGeom prst="ellipse">
+            <a:avLst/>
+          </a:prstGeom>
+          <a:solidFill>
+            <a:srgbClr val="FFC000"/>
+          </a:solidFill>
+        </p:spPr>
+        <p:style>
+          <a:lnRef idx="2">
+            <a:schemeClr val="accent1">
+              <a:shade val="15000"/>
+            </a:schemeClr>
+          </a:lnRef>
+          <a:fillRef idx="1">
+            <a:schemeClr val="accent1"/>
+          </a:fillRef>
+          <a:effectRef idx="0">
+            <a:schemeClr val="accent1"/>
+          </a:effectRef>
+          <a:fontRef idx="minor">
+            <a:schemeClr val="lt1"/>
+          </a:fontRef>
+        </p:style>
+        <p:txBody>
+          <a:bodyPr rtlCol="0" anchor="ctr"/>
+          <a:lstStyle/>
+          <a:p>
+            <a:pPr algn="ctr"/>
+            <a:endParaRPr lang="en-GB"/>
+          </a:p>
+        </p:txBody>
+      </p:sp>
+      <p:pic>
+        <p:nvPicPr>
+          <p:cNvPr id="19" name="Picture 18" descr="A white snake on a green background&#10;&#10;Description automatically generated">
+            <a:extLst>
+              <a:ext uri="{FF2B5EF4-FFF2-40B4-BE49-F238E27FC236}">
+                <a16:creationId xmlns:a16="http://schemas.microsoft.com/office/drawing/2014/main" id="{71695FD4-490A-DBDA-6A9B-9CF71D400A71}"/>
+              </a:ext>
+            </a:extLst>
+          </p:cNvPr>
+          <p:cNvPicPr>
+            <a:picLocks noChangeAspect="1"/>
+          </p:cNvPicPr>
+          <p:nvPr/>
+        </p:nvPicPr>
+        <p:blipFill>
+          <a:blip r:embed="rId5"/>
+          <a:stretch>
+            <a:fillRect/>
+          </a:stretch>
+        </p:blipFill>
+        <p:spPr>
+          <a:xfrm>
+            <a:off x="7446649" y="1267752"/>
+            <a:ext cx="528121" cy="528121"/>
+          </a:xfrm>
+          <a:prstGeom prst="rect">
+            <a:avLst/>
+          </a:prstGeom>
+        </p:spPr>
+      </p:pic>
+      <p:sp>
+        <p:nvSpPr>
+          <p:cNvPr id="20" name="TextBox 19">
+            <a:extLst>
+              <a:ext uri="{FF2B5EF4-FFF2-40B4-BE49-F238E27FC236}">
+                <a16:creationId xmlns:a16="http://schemas.microsoft.com/office/drawing/2014/main" id="{D5383AF9-0F4E-E965-0EE9-7D994A5A138C}"/>
+              </a:ext>
+            </a:extLst>
+          </p:cNvPr>
+          <p:cNvSpPr txBox="1"/>
+          <p:nvPr/>
+        </p:nvSpPr>
+        <p:spPr>
+          <a:xfrm>
+            <a:off x="5364423" y="4343534"/>
+            <a:ext cx="2082226" cy="369332"/>
+          </a:xfrm>
+          <a:prstGeom prst="rect">
+            <a:avLst/>
+          </a:prstGeom>
+          <a:noFill/>
+        </p:spPr>
+        <p:txBody>
+          <a:bodyPr wrap="square">
+            <a:spAutoFit/>
+          </a:bodyPr>
+          <a:lstStyle/>
+          <a:p>
+            <a:r>
+              <a:rPr lang="en-GB" b="1" dirty="0">
+                <a:solidFill>
+                  <a:schemeClr val="bg1"/>
+                </a:solidFill>
+                <a:latin typeface="Candara Light" panose="020E0502030303020204" pitchFamily="34" charset="0"/>
+              </a:rPr>
+              <a:t>omen in AI Ireland</a:t>
+            </a:r>
+          </a:p>
+        </p:txBody>
+      </p:sp>
+      <p:sp>
+        <p:nvSpPr>
+          <p:cNvPr id="24" name="TextBox 23">
+            <a:extLst>
+              <a:ext uri="{FF2B5EF4-FFF2-40B4-BE49-F238E27FC236}">
+                <a16:creationId xmlns:a16="http://schemas.microsoft.com/office/drawing/2014/main" id="{6BF03E65-5536-588B-F998-F3B663A143B6}"/>
+              </a:ext>
+            </a:extLst>
+          </p:cNvPr>
+          <p:cNvSpPr txBox="1"/>
+          <p:nvPr/>
+        </p:nvSpPr>
+        <p:spPr>
+          <a:xfrm>
+            <a:off x="4341285" y="4945387"/>
+            <a:ext cx="4034164" cy="369332"/>
+          </a:xfrm>
+          <a:prstGeom prst="rect">
+            <a:avLst/>
+          </a:prstGeom>
+          <a:noFill/>
+        </p:spPr>
+        <p:txBody>
+          <a:bodyPr wrap="square">
+            <a:spAutoFit/>
+          </a:bodyPr>
+          <a:lstStyle/>
+          <a:p>
+            <a:r>
+              <a:rPr lang="en-GB" b="1" dirty="0">
+                <a:solidFill>
+                  <a:schemeClr val="bg1"/>
+                </a:solidFill>
+                <a:latin typeface="Candara Light" panose="020E0502030303020204" pitchFamily="34" charset="0"/>
+              </a:rPr>
+              <a:t>Nabanita Roy  &amp;  Liliya Akhtyamova</a:t>
+            </a:r>
+          </a:p>
+        </p:txBody>
+      </p:sp>
+      <p:sp>
+        <p:nvSpPr>
+          <p:cNvPr id="26" name="TextBox 25">
+            <a:extLst>
+              <a:ext uri="{FF2B5EF4-FFF2-40B4-BE49-F238E27FC236}">
+                <a16:creationId xmlns:a16="http://schemas.microsoft.com/office/drawing/2014/main" id="{208C8759-8097-3981-72A2-886AE0B508EA}"/>
+              </a:ext>
+            </a:extLst>
+          </p:cNvPr>
+          <p:cNvSpPr txBox="1"/>
+          <p:nvPr/>
+        </p:nvSpPr>
+        <p:spPr>
+          <a:xfrm>
+            <a:off x="7974770" y="1204106"/>
+            <a:ext cx="2053714" cy="646331"/>
+          </a:xfrm>
+          <a:prstGeom prst="rect">
+            <a:avLst/>
+          </a:prstGeom>
+          <a:noFill/>
+        </p:spPr>
+        <p:txBody>
+          <a:bodyPr wrap="square">
+            <a:spAutoFit/>
+          </a:bodyPr>
           <a:lstStyle/>
           <a:p>
             <a:r>
@@ -3468,948 +3776,19 @@
               <a:t>PyCon Ireland 2023</a:t>
             </a:r>
           </a:p>
-        </p:txBody>
-      </p:sp>
-      <p:grpSp>
-        <p:nvGrpSpPr>
-          <p:cNvPr id="6" name="Group 5">
-            <a:extLst>
-              <a:ext uri="{FF2B5EF4-FFF2-40B4-BE49-F238E27FC236}">
-                <a16:creationId xmlns:a16="http://schemas.microsoft.com/office/drawing/2014/main" id="{B88285D8-1891-C8CF-178E-8BD583183F32}"/>
-              </a:ext>
-            </a:extLst>
-          </p:cNvPr>
-          <p:cNvGrpSpPr/>
-          <p:nvPr/>
-        </p:nvGrpSpPr>
-        <p:grpSpPr>
-          <a:xfrm>
-            <a:off x="124692" y="5846618"/>
-            <a:ext cx="989100" cy="890010"/>
-            <a:chOff x="484910" y="4189196"/>
-            <a:chExt cx="2299854" cy="2069450"/>
-          </a:xfrm>
-        </p:grpSpPr>
-        <p:sp>
-          <p:nvSpPr>
-            <p:cNvPr id="4" name="Rectangle 3">
-              <a:extLst>
-                <a:ext uri="{FF2B5EF4-FFF2-40B4-BE49-F238E27FC236}">
-                  <a16:creationId xmlns:a16="http://schemas.microsoft.com/office/drawing/2014/main" id="{3AFCE664-59DC-5988-FB62-895376EA5ACB}"/>
-                </a:ext>
-              </a:extLst>
-            </p:cNvPr>
-            <p:cNvSpPr/>
-            <p:nvPr/>
-          </p:nvSpPr>
-          <p:spPr>
-            <a:xfrm>
-              <a:off x="484910" y="5212628"/>
-              <a:ext cx="1149927" cy="1046018"/>
-            </a:xfrm>
-            <a:prstGeom prst="rect">
-              <a:avLst/>
-            </a:prstGeom>
-            <a:solidFill>
-              <a:srgbClr val="FFC100"/>
-            </a:solidFill>
-          </p:spPr>
-          <p:style>
-            <a:lnRef idx="2">
-              <a:schemeClr val="accent1">
-                <a:shade val="15000"/>
-              </a:schemeClr>
-            </a:lnRef>
-            <a:fillRef idx="1">
-              <a:schemeClr val="accent1"/>
-            </a:fillRef>
-            <a:effectRef idx="0">
-              <a:schemeClr val="accent1"/>
-            </a:effectRef>
-            <a:fontRef idx="minor">
-              <a:schemeClr val="lt1"/>
-            </a:fontRef>
-          </p:style>
-          <p:txBody>
-            <a:bodyPr rtlCol="0" anchor="ctr"/>
-            <a:lstStyle/>
-            <a:p>
-              <a:pPr algn="ctr"/>
-              <a:endParaRPr lang="en-GB"/>
-            </a:p>
-          </p:txBody>
-        </p:sp>
-        <p:sp>
-          <p:nvSpPr>
-            <p:cNvPr id="5" name="Rectangle 4">
-              <a:extLst>
-                <a:ext uri="{FF2B5EF4-FFF2-40B4-BE49-F238E27FC236}">
-                  <a16:creationId xmlns:a16="http://schemas.microsoft.com/office/drawing/2014/main" id="{8717D730-8215-C32F-ACDC-C05AAE585B53}"/>
-                </a:ext>
-              </a:extLst>
-            </p:cNvPr>
-            <p:cNvSpPr/>
-            <p:nvPr/>
-          </p:nvSpPr>
-          <p:spPr>
-            <a:xfrm>
-              <a:off x="1634837" y="4189196"/>
-              <a:ext cx="1149927" cy="1046018"/>
-            </a:xfrm>
-            <a:prstGeom prst="rect">
-              <a:avLst/>
-            </a:prstGeom>
-            <a:solidFill>
-              <a:srgbClr val="FFC100"/>
-            </a:solidFill>
-          </p:spPr>
-          <p:style>
-            <a:lnRef idx="2">
-              <a:schemeClr val="accent1">
-                <a:shade val="15000"/>
-              </a:schemeClr>
-            </a:lnRef>
-            <a:fillRef idx="1">
-              <a:schemeClr val="accent1"/>
-            </a:fillRef>
-            <a:effectRef idx="0">
-              <a:schemeClr val="accent1"/>
-            </a:effectRef>
-            <a:fontRef idx="minor">
-              <a:schemeClr val="lt1"/>
-            </a:fontRef>
-          </p:style>
-          <p:txBody>
-            <a:bodyPr rtlCol="0" anchor="ctr"/>
-            <a:lstStyle/>
-            <a:p>
-              <a:pPr algn="ctr"/>
-              <a:endParaRPr lang="en-GB"/>
-            </a:p>
-          </p:txBody>
-        </p:sp>
-      </p:grpSp>
-      <p:grpSp>
-        <p:nvGrpSpPr>
-          <p:cNvPr id="7" name="Group 6">
-            <a:extLst>
-              <a:ext uri="{FF2B5EF4-FFF2-40B4-BE49-F238E27FC236}">
-                <a16:creationId xmlns:a16="http://schemas.microsoft.com/office/drawing/2014/main" id="{EFA556BB-BA73-0C46-D071-01AF36453077}"/>
-              </a:ext>
-            </a:extLst>
-          </p:cNvPr>
-          <p:cNvGrpSpPr/>
-          <p:nvPr/>
-        </p:nvGrpSpPr>
-        <p:grpSpPr>
-          <a:xfrm>
-            <a:off x="1113792" y="4961465"/>
-            <a:ext cx="989100" cy="890010"/>
-            <a:chOff x="484910" y="4189196"/>
-            <a:chExt cx="2299854" cy="2069450"/>
-          </a:xfrm>
-        </p:grpSpPr>
-        <p:sp>
-          <p:nvSpPr>
-            <p:cNvPr id="8" name="Rectangle 7">
-              <a:extLst>
-                <a:ext uri="{FF2B5EF4-FFF2-40B4-BE49-F238E27FC236}">
-                  <a16:creationId xmlns:a16="http://schemas.microsoft.com/office/drawing/2014/main" id="{E515FB17-E7A3-44C4-A10A-D59879A0280A}"/>
-                </a:ext>
-              </a:extLst>
-            </p:cNvPr>
-            <p:cNvSpPr/>
-            <p:nvPr/>
-          </p:nvSpPr>
-          <p:spPr>
-            <a:xfrm>
-              <a:off x="484910" y="5212628"/>
-              <a:ext cx="1149927" cy="1046018"/>
-            </a:xfrm>
-            <a:prstGeom prst="rect">
-              <a:avLst/>
-            </a:prstGeom>
-            <a:solidFill>
-              <a:srgbClr val="FFC100"/>
-            </a:solidFill>
-          </p:spPr>
-          <p:style>
-            <a:lnRef idx="2">
-              <a:schemeClr val="accent1">
-                <a:shade val="15000"/>
-              </a:schemeClr>
-            </a:lnRef>
-            <a:fillRef idx="1">
-              <a:schemeClr val="accent1"/>
-            </a:fillRef>
-            <a:effectRef idx="0">
-              <a:schemeClr val="accent1"/>
-            </a:effectRef>
-            <a:fontRef idx="minor">
-              <a:schemeClr val="lt1"/>
-            </a:fontRef>
-          </p:style>
-          <p:txBody>
-            <a:bodyPr rtlCol="0" anchor="ctr"/>
-            <a:lstStyle/>
-            <a:p>
-              <a:pPr algn="ctr"/>
-              <a:endParaRPr lang="en-GB"/>
-            </a:p>
-          </p:txBody>
-        </p:sp>
-        <p:sp>
-          <p:nvSpPr>
-            <p:cNvPr id="9" name="Rectangle 8">
-              <a:extLst>
-                <a:ext uri="{FF2B5EF4-FFF2-40B4-BE49-F238E27FC236}">
-                  <a16:creationId xmlns:a16="http://schemas.microsoft.com/office/drawing/2014/main" id="{D2552292-1747-43A9-5F0D-5CEEF36A6B33}"/>
-                </a:ext>
-              </a:extLst>
-            </p:cNvPr>
-            <p:cNvSpPr/>
-            <p:nvPr/>
-          </p:nvSpPr>
-          <p:spPr>
-            <a:xfrm>
-              <a:off x="1634837" y="4189196"/>
-              <a:ext cx="1149927" cy="1046018"/>
-            </a:xfrm>
-            <a:prstGeom prst="rect">
-              <a:avLst/>
-            </a:prstGeom>
-            <a:solidFill>
-              <a:srgbClr val="FFC100"/>
-            </a:solidFill>
-          </p:spPr>
-          <p:style>
-            <a:lnRef idx="2">
-              <a:schemeClr val="accent1">
-                <a:shade val="15000"/>
-              </a:schemeClr>
-            </a:lnRef>
-            <a:fillRef idx="1">
-              <a:schemeClr val="accent1"/>
-            </a:fillRef>
-            <a:effectRef idx="0">
-              <a:schemeClr val="accent1"/>
-            </a:effectRef>
-            <a:fontRef idx="minor">
-              <a:schemeClr val="lt1"/>
-            </a:fontRef>
-          </p:style>
-          <p:txBody>
-            <a:bodyPr rtlCol="0" anchor="ctr"/>
-            <a:lstStyle/>
-            <a:p>
-              <a:pPr algn="ctr"/>
-              <a:endParaRPr lang="en-GB"/>
-            </a:p>
-          </p:txBody>
-        </p:sp>
-      </p:grpSp>
-      <p:grpSp>
-        <p:nvGrpSpPr>
-          <p:cNvPr id="10" name="Group 9">
-            <a:extLst>
-              <a:ext uri="{FF2B5EF4-FFF2-40B4-BE49-F238E27FC236}">
-                <a16:creationId xmlns:a16="http://schemas.microsoft.com/office/drawing/2014/main" id="{BA6B2757-ADB8-2023-76C2-A5C8E0B409DB}"/>
-              </a:ext>
-            </a:extLst>
-          </p:cNvPr>
-          <p:cNvGrpSpPr/>
-          <p:nvPr/>
-        </p:nvGrpSpPr>
-        <p:grpSpPr>
-          <a:xfrm>
-            <a:off x="10099964" y="968836"/>
-            <a:ext cx="989100" cy="890010"/>
-            <a:chOff x="484910" y="4189196"/>
-            <a:chExt cx="2299854" cy="2069450"/>
-          </a:xfrm>
-        </p:grpSpPr>
-        <p:sp>
-          <p:nvSpPr>
-            <p:cNvPr id="11" name="Rectangle 10">
-              <a:extLst>
-                <a:ext uri="{FF2B5EF4-FFF2-40B4-BE49-F238E27FC236}">
-                  <a16:creationId xmlns:a16="http://schemas.microsoft.com/office/drawing/2014/main" id="{8CEDFA01-3816-D5F2-CF43-7BBB696A2F38}"/>
-                </a:ext>
-              </a:extLst>
-            </p:cNvPr>
-            <p:cNvSpPr/>
-            <p:nvPr/>
-          </p:nvSpPr>
-          <p:spPr>
-            <a:xfrm>
-              <a:off x="484910" y="5212628"/>
-              <a:ext cx="1149927" cy="1046018"/>
-            </a:xfrm>
-            <a:prstGeom prst="rect">
-              <a:avLst/>
-            </a:prstGeom>
-            <a:solidFill>
-              <a:srgbClr val="FFC100"/>
-            </a:solidFill>
-          </p:spPr>
-          <p:style>
-            <a:lnRef idx="2">
-              <a:schemeClr val="accent1">
-                <a:shade val="15000"/>
-              </a:schemeClr>
-            </a:lnRef>
-            <a:fillRef idx="1">
-              <a:schemeClr val="accent1"/>
-            </a:fillRef>
-            <a:effectRef idx="0">
-              <a:schemeClr val="accent1"/>
-            </a:effectRef>
-            <a:fontRef idx="minor">
-              <a:schemeClr val="lt1"/>
-            </a:fontRef>
-          </p:style>
-          <p:txBody>
-            <a:bodyPr rtlCol="0" anchor="ctr"/>
-            <a:lstStyle/>
-            <a:p>
-              <a:pPr algn="ctr"/>
-              <a:endParaRPr lang="en-GB"/>
-            </a:p>
-          </p:txBody>
-        </p:sp>
-        <p:sp>
-          <p:nvSpPr>
-            <p:cNvPr id="12" name="Rectangle 11">
-              <a:extLst>
-                <a:ext uri="{FF2B5EF4-FFF2-40B4-BE49-F238E27FC236}">
-                  <a16:creationId xmlns:a16="http://schemas.microsoft.com/office/drawing/2014/main" id="{C4E2EE30-4F30-DEF3-434F-E7D84BC227FE}"/>
-                </a:ext>
-              </a:extLst>
-            </p:cNvPr>
-            <p:cNvSpPr/>
-            <p:nvPr/>
-          </p:nvSpPr>
-          <p:spPr>
-            <a:xfrm>
-              <a:off x="1634837" y="4189196"/>
-              <a:ext cx="1149927" cy="1046018"/>
-            </a:xfrm>
-            <a:prstGeom prst="rect">
-              <a:avLst/>
-            </a:prstGeom>
-            <a:solidFill>
-              <a:srgbClr val="FFC100"/>
-            </a:solidFill>
-          </p:spPr>
-          <p:style>
-            <a:lnRef idx="2">
-              <a:schemeClr val="accent1">
-                <a:shade val="15000"/>
-              </a:schemeClr>
-            </a:lnRef>
-            <a:fillRef idx="1">
-              <a:schemeClr val="accent1"/>
-            </a:fillRef>
-            <a:effectRef idx="0">
-              <a:schemeClr val="accent1"/>
-            </a:effectRef>
-            <a:fontRef idx="minor">
-              <a:schemeClr val="lt1"/>
-            </a:fontRef>
-          </p:style>
-          <p:txBody>
-            <a:bodyPr rtlCol="0" anchor="ctr"/>
-            <a:lstStyle/>
-            <a:p>
-              <a:pPr algn="ctr"/>
-              <a:endParaRPr lang="en-GB"/>
-            </a:p>
-          </p:txBody>
-        </p:sp>
-      </p:grpSp>
-      <p:grpSp>
-        <p:nvGrpSpPr>
-          <p:cNvPr id="13" name="Group 12">
-            <a:extLst>
-              <a:ext uri="{FF2B5EF4-FFF2-40B4-BE49-F238E27FC236}">
-                <a16:creationId xmlns:a16="http://schemas.microsoft.com/office/drawing/2014/main" id="{4BD7885C-6EC6-175D-7C39-28BD8E122EA2}"/>
-              </a:ext>
-            </a:extLst>
-          </p:cNvPr>
-          <p:cNvGrpSpPr/>
-          <p:nvPr/>
-        </p:nvGrpSpPr>
-        <p:grpSpPr>
-          <a:xfrm>
-            <a:off x="11089064" y="83683"/>
-            <a:ext cx="989100" cy="890010"/>
-            <a:chOff x="484910" y="4189196"/>
-            <a:chExt cx="2299854" cy="2069450"/>
-          </a:xfrm>
-        </p:grpSpPr>
-        <p:sp>
-          <p:nvSpPr>
-            <p:cNvPr id="14" name="Rectangle 13">
-              <a:extLst>
-                <a:ext uri="{FF2B5EF4-FFF2-40B4-BE49-F238E27FC236}">
-                  <a16:creationId xmlns:a16="http://schemas.microsoft.com/office/drawing/2014/main" id="{A92A5FB6-E9DF-7F36-9776-D2E50B35CC4A}"/>
-                </a:ext>
-              </a:extLst>
-            </p:cNvPr>
-            <p:cNvSpPr/>
-            <p:nvPr/>
-          </p:nvSpPr>
-          <p:spPr>
-            <a:xfrm>
-              <a:off x="484910" y="5212628"/>
-              <a:ext cx="1149927" cy="1046018"/>
-            </a:xfrm>
-            <a:prstGeom prst="rect">
-              <a:avLst/>
-            </a:prstGeom>
-            <a:solidFill>
-              <a:srgbClr val="FFC100"/>
-            </a:solidFill>
-          </p:spPr>
-          <p:style>
-            <a:lnRef idx="2">
-              <a:schemeClr val="accent1">
-                <a:shade val="15000"/>
-              </a:schemeClr>
-            </a:lnRef>
-            <a:fillRef idx="1">
-              <a:schemeClr val="accent1"/>
-            </a:fillRef>
-            <a:effectRef idx="0">
-              <a:schemeClr val="accent1"/>
-            </a:effectRef>
-            <a:fontRef idx="minor">
-              <a:schemeClr val="lt1"/>
-            </a:fontRef>
-          </p:style>
-          <p:txBody>
-            <a:bodyPr rtlCol="0" anchor="ctr"/>
-            <a:lstStyle/>
-            <a:p>
-              <a:pPr algn="ctr"/>
-              <a:endParaRPr lang="en-GB"/>
-            </a:p>
-          </p:txBody>
-        </p:sp>
-        <p:sp>
-          <p:nvSpPr>
-            <p:cNvPr id="15" name="Rectangle 14">
-              <a:extLst>
-                <a:ext uri="{FF2B5EF4-FFF2-40B4-BE49-F238E27FC236}">
-                  <a16:creationId xmlns:a16="http://schemas.microsoft.com/office/drawing/2014/main" id="{A921F263-C196-9B13-ACC9-451E3957E8E0}"/>
-                </a:ext>
-              </a:extLst>
-            </p:cNvPr>
-            <p:cNvSpPr/>
-            <p:nvPr/>
-          </p:nvSpPr>
-          <p:spPr>
-            <a:xfrm>
-              <a:off x="1634837" y="4189196"/>
-              <a:ext cx="1149927" cy="1046018"/>
-            </a:xfrm>
-            <a:prstGeom prst="rect">
-              <a:avLst/>
-            </a:prstGeom>
-            <a:solidFill>
-              <a:srgbClr val="FFC100"/>
-            </a:solidFill>
-          </p:spPr>
-          <p:style>
-            <a:lnRef idx="2">
-              <a:schemeClr val="accent1">
-                <a:shade val="15000"/>
-              </a:schemeClr>
-            </a:lnRef>
-            <a:fillRef idx="1">
-              <a:schemeClr val="accent1"/>
-            </a:fillRef>
-            <a:effectRef idx="0">
-              <a:schemeClr val="accent1"/>
-            </a:effectRef>
-            <a:fontRef idx="minor">
-              <a:schemeClr val="lt1"/>
-            </a:fontRef>
-          </p:style>
-          <p:txBody>
-            <a:bodyPr rtlCol="0" anchor="ctr"/>
-            <a:lstStyle/>
-            <a:p>
-              <a:pPr algn="ctr"/>
-              <a:endParaRPr lang="en-GB"/>
-            </a:p>
-          </p:txBody>
-        </p:sp>
-      </p:grpSp>
-      <p:pic>
-        <p:nvPicPr>
-          <p:cNvPr id="17" name="Picture 16" descr="A white logo with dots and lines&#10;&#10;Description automatically generated">
-            <a:extLst>
-              <a:ext uri="{FF2B5EF4-FFF2-40B4-BE49-F238E27FC236}">
-                <a16:creationId xmlns:a16="http://schemas.microsoft.com/office/drawing/2014/main" id="{F388A74A-AE84-A263-225B-0BC0BAC06437}"/>
-              </a:ext>
-            </a:extLst>
-          </p:cNvPr>
-          <p:cNvPicPr>
-            <a:picLocks noChangeAspect="1"/>
-          </p:cNvPicPr>
-          <p:nvPr/>
-        </p:nvPicPr>
-        <p:blipFill>
-          <a:blip r:embed="rId2">
-            <a:extLst>
-              <a:ext uri="{28A0092B-C50C-407E-A947-70E740481C1C}">
-                <a14:useLocalDpi xmlns:a14="http://schemas.microsoft.com/office/drawing/2010/main" val="0"/>
-              </a:ext>
-            </a:extLst>
-          </a:blip>
-          <a:stretch>
-            <a:fillRect/>
-          </a:stretch>
-        </p:blipFill>
-        <p:spPr>
-          <a:xfrm>
-            <a:off x="5109088" y="4251745"/>
-            <a:ext cx="1962995" cy="1869302"/>
-          </a:xfrm>
-          <a:prstGeom prst="rect">
-            <a:avLst/>
-          </a:prstGeom>
-        </p:spPr>
-      </p:pic>
-      <p:sp>
-        <p:nvSpPr>
-          <p:cNvPr id="21" name="Oval 20">
-            <a:extLst>
-              <a:ext uri="{FF2B5EF4-FFF2-40B4-BE49-F238E27FC236}">
-                <a16:creationId xmlns:a16="http://schemas.microsoft.com/office/drawing/2014/main" id="{FBCF63A0-BAF2-102B-A864-A9CADEA8090A}"/>
-              </a:ext>
-            </a:extLst>
-          </p:cNvPr>
-          <p:cNvSpPr/>
-          <p:nvPr/>
-        </p:nvSpPr>
-        <p:spPr>
-          <a:xfrm>
-            <a:off x="4341285" y="3176692"/>
-            <a:ext cx="104815" cy="104815"/>
-          </a:xfrm>
-          <a:prstGeom prst="ellipse">
-            <a:avLst/>
-          </a:prstGeom>
-          <a:solidFill>
-            <a:srgbClr val="FFC000"/>
-          </a:solidFill>
-        </p:spPr>
-        <p:style>
-          <a:lnRef idx="2">
-            <a:schemeClr val="accent1">
-              <a:shade val="15000"/>
-            </a:schemeClr>
-          </a:lnRef>
-          <a:fillRef idx="1">
-            <a:schemeClr val="accent1"/>
-          </a:fillRef>
-          <a:effectRef idx="0">
-            <a:schemeClr val="accent1"/>
-          </a:effectRef>
-          <a:fontRef idx="minor">
-            <a:schemeClr val="lt1"/>
-          </a:fontRef>
-        </p:style>
-        <p:txBody>
-          <a:bodyPr rtlCol="0" anchor="ctr"/>
-          <a:lstStyle/>
-          <a:p>
-            <a:pPr algn="ctr"/>
-            <a:endParaRPr lang="en-GB"/>
-          </a:p>
-        </p:txBody>
-      </p:sp>
-      <p:sp>
-        <p:nvSpPr>
-          <p:cNvPr id="22" name="Oval 21">
-            <a:extLst>
-              <a:ext uri="{FF2B5EF4-FFF2-40B4-BE49-F238E27FC236}">
-                <a16:creationId xmlns:a16="http://schemas.microsoft.com/office/drawing/2014/main" id="{89DB9DFA-102B-3B88-D266-43F02A9D5645}"/>
-              </a:ext>
-            </a:extLst>
-          </p:cNvPr>
-          <p:cNvSpPr/>
-          <p:nvPr/>
-        </p:nvSpPr>
-        <p:spPr>
-          <a:xfrm>
-            <a:off x="5367445" y="3176691"/>
-            <a:ext cx="104815" cy="104815"/>
-          </a:xfrm>
-          <a:prstGeom prst="ellipse">
-            <a:avLst/>
-          </a:prstGeom>
-          <a:solidFill>
-            <a:srgbClr val="FFC000"/>
-          </a:solidFill>
-        </p:spPr>
-        <p:style>
-          <a:lnRef idx="2">
-            <a:schemeClr val="accent1">
-              <a:shade val="15000"/>
-            </a:schemeClr>
-          </a:lnRef>
-          <a:fillRef idx="1">
-            <a:schemeClr val="accent1"/>
-          </a:fillRef>
-          <a:effectRef idx="0">
-            <a:schemeClr val="accent1"/>
-          </a:effectRef>
-          <a:fontRef idx="minor">
-            <a:schemeClr val="lt1"/>
-          </a:fontRef>
-        </p:style>
-        <p:txBody>
-          <a:bodyPr rtlCol="0" anchor="ctr"/>
-          <a:lstStyle/>
-          <a:p>
-            <a:pPr algn="ctr"/>
-            <a:endParaRPr lang="en-GB"/>
-          </a:p>
-        </p:txBody>
-      </p:sp>
-      <p:sp>
-        <p:nvSpPr>
-          <p:cNvPr id="23" name="Oval 22">
-            <a:extLst>
-              <a:ext uri="{FF2B5EF4-FFF2-40B4-BE49-F238E27FC236}">
-                <a16:creationId xmlns:a16="http://schemas.microsoft.com/office/drawing/2014/main" id="{F58733E3-BF1C-10FC-5A90-80A823C81C50}"/>
-              </a:ext>
-            </a:extLst>
-          </p:cNvPr>
-          <p:cNvSpPr/>
-          <p:nvPr/>
-        </p:nvSpPr>
-        <p:spPr>
-          <a:xfrm>
-            <a:off x="6772912" y="3176690"/>
-            <a:ext cx="104815" cy="104815"/>
-          </a:xfrm>
-          <a:prstGeom prst="ellipse">
-            <a:avLst/>
-          </a:prstGeom>
-          <a:solidFill>
-            <a:srgbClr val="FFC000"/>
-          </a:solidFill>
-        </p:spPr>
-        <p:style>
-          <a:lnRef idx="2">
-            <a:schemeClr val="accent1">
-              <a:shade val="15000"/>
-            </a:schemeClr>
-          </a:lnRef>
-          <a:fillRef idx="1">
-            <a:schemeClr val="accent1"/>
-          </a:fillRef>
-          <a:effectRef idx="0">
-            <a:schemeClr val="accent1"/>
-          </a:effectRef>
-          <a:fontRef idx="minor">
-            <a:schemeClr val="lt1"/>
-          </a:fontRef>
-        </p:style>
-        <p:txBody>
-          <a:bodyPr rtlCol="0" anchor="ctr"/>
-          <a:lstStyle/>
-          <a:p>
-            <a:pPr algn="ctr"/>
-            <a:endParaRPr lang="en-GB"/>
-          </a:p>
-        </p:txBody>
-      </p:sp>
-      <p:sp>
-        <p:nvSpPr>
-          <p:cNvPr id="16" name="Subtitle 2">
-            <a:extLst>
-              <a:ext uri="{FF2B5EF4-FFF2-40B4-BE49-F238E27FC236}">
-                <a16:creationId xmlns:a16="http://schemas.microsoft.com/office/drawing/2014/main" id="{8F662F52-F090-F8F3-6DAB-D15FEACA0A1E}"/>
-              </a:ext>
-            </a:extLst>
-          </p:cNvPr>
-          <p:cNvSpPr txBox="1">
-            <a:spLocks/>
-          </p:cNvSpPr>
-          <p:nvPr/>
-        </p:nvSpPr>
-        <p:spPr>
-          <a:xfrm>
-            <a:off x="5345162" y="5885115"/>
-            <a:ext cx="9144000" cy="1655762"/>
-          </a:xfrm>
-          <a:prstGeom prst="rect">
-            <a:avLst/>
-          </a:prstGeom>
-        </p:spPr>
-        <p:txBody>
-          <a:bodyPr vert="horz" lIns="91440" tIns="45720" rIns="91440" bIns="45720" rtlCol="0">
-            <a:normAutofit/>
-          </a:bodyPr>
-          <a:lstStyle>
-            <a:lvl1pPr marL="0" indent="0" algn="ctr" defTabSz="914400" rtl="0" eaLnBrk="1" latinLnBrk="0" hangingPunct="1">
-              <a:lnSpc>
-                <a:spcPct val="90000"/>
-              </a:lnSpc>
-              <a:spcBef>
-                <a:spcPts val="1000"/>
-              </a:spcBef>
-              <a:buFont typeface="Arial" panose="020B0604020202020204" pitchFamily="34" charset="0"/>
-              <a:buNone/>
-              <a:defRPr sz="2400" kern="1200">
-                <a:solidFill>
-                  <a:schemeClr val="tx1"/>
-                </a:solidFill>
-                <a:latin typeface="+mn-lt"/>
-                <a:ea typeface="+mn-ea"/>
-                <a:cs typeface="+mn-cs"/>
-              </a:defRPr>
-            </a:lvl1pPr>
-            <a:lvl2pPr marL="457200" indent="0" algn="ctr" defTabSz="914400" rtl="0" eaLnBrk="1" latinLnBrk="0" hangingPunct="1">
-              <a:lnSpc>
-                <a:spcPct val="90000"/>
-              </a:lnSpc>
-              <a:spcBef>
-                <a:spcPts val="500"/>
-              </a:spcBef>
-              <a:buFont typeface="Arial" panose="020B0604020202020204" pitchFamily="34" charset="0"/>
-              <a:buNone/>
-              <a:defRPr sz="2000" kern="1200">
-                <a:solidFill>
-                  <a:schemeClr val="tx1"/>
-                </a:solidFill>
-                <a:latin typeface="+mn-lt"/>
-                <a:ea typeface="+mn-ea"/>
-                <a:cs typeface="+mn-cs"/>
-              </a:defRPr>
-            </a:lvl2pPr>
-            <a:lvl3pPr marL="914400" indent="0" algn="ctr" defTabSz="914400" rtl="0" eaLnBrk="1" latinLnBrk="0" hangingPunct="1">
-              <a:lnSpc>
-                <a:spcPct val="90000"/>
-              </a:lnSpc>
-              <a:spcBef>
-                <a:spcPts val="500"/>
-              </a:spcBef>
-              <a:buFont typeface="Arial" panose="020B0604020202020204" pitchFamily="34" charset="0"/>
-              <a:buNone/>
-              <a:defRPr sz="1800" kern="1200">
-                <a:solidFill>
-                  <a:schemeClr val="tx1"/>
-                </a:solidFill>
-                <a:latin typeface="+mn-lt"/>
-                <a:ea typeface="+mn-ea"/>
-                <a:cs typeface="+mn-cs"/>
-              </a:defRPr>
-            </a:lvl3pPr>
-            <a:lvl4pPr marL="1371600" indent="0" algn="ctr" defTabSz="914400" rtl="0" eaLnBrk="1" latinLnBrk="0" hangingPunct="1">
-              <a:lnSpc>
-                <a:spcPct val="90000"/>
-              </a:lnSpc>
-              <a:spcBef>
-                <a:spcPts val="500"/>
-              </a:spcBef>
-              <a:buFont typeface="Arial" panose="020B0604020202020204" pitchFamily="34" charset="0"/>
-              <a:buNone/>
-              <a:defRPr sz="1600" kern="1200">
-                <a:solidFill>
-                  <a:schemeClr val="tx1"/>
-                </a:solidFill>
-                <a:latin typeface="+mn-lt"/>
-                <a:ea typeface="+mn-ea"/>
-                <a:cs typeface="+mn-cs"/>
-              </a:defRPr>
-            </a:lvl4pPr>
-            <a:lvl5pPr marL="1828800" indent="0" algn="ctr" defTabSz="914400" rtl="0" eaLnBrk="1" latinLnBrk="0" hangingPunct="1">
-              <a:lnSpc>
-                <a:spcPct val="90000"/>
-              </a:lnSpc>
-              <a:spcBef>
-                <a:spcPts val="500"/>
-              </a:spcBef>
-              <a:buFont typeface="Arial" panose="020B0604020202020204" pitchFamily="34" charset="0"/>
-              <a:buNone/>
-              <a:defRPr sz="1600" kern="1200">
-                <a:solidFill>
-                  <a:schemeClr val="tx1"/>
-                </a:solidFill>
-                <a:latin typeface="+mn-lt"/>
-                <a:ea typeface="+mn-ea"/>
-                <a:cs typeface="+mn-cs"/>
-              </a:defRPr>
-            </a:lvl5pPr>
-            <a:lvl6pPr marL="2286000" indent="0" algn="ctr" defTabSz="914400" rtl="0" eaLnBrk="1" latinLnBrk="0" hangingPunct="1">
-              <a:lnSpc>
-                <a:spcPct val="90000"/>
-              </a:lnSpc>
-              <a:spcBef>
-                <a:spcPts val="500"/>
-              </a:spcBef>
-              <a:buFont typeface="Arial" panose="020B0604020202020204" pitchFamily="34" charset="0"/>
-              <a:buNone/>
-              <a:defRPr sz="1600" kern="1200">
-                <a:solidFill>
-                  <a:schemeClr val="tx1"/>
-                </a:solidFill>
-                <a:latin typeface="+mn-lt"/>
-                <a:ea typeface="+mn-ea"/>
-                <a:cs typeface="+mn-cs"/>
-              </a:defRPr>
-            </a:lvl6pPr>
-            <a:lvl7pPr marL="2743200" indent="0" algn="ctr" defTabSz="914400" rtl="0" eaLnBrk="1" latinLnBrk="0" hangingPunct="1">
-              <a:lnSpc>
-                <a:spcPct val="90000"/>
-              </a:lnSpc>
-              <a:spcBef>
-                <a:spcPts val="500"/>
-              </a:spcBef>
-              <a:buFont typeface="Arial" panose="020B0604020202020204" pitchFamily="34" charset="0"/>
-              <a:buNone/>
-              <a:defRPr sz="1600" kern="1200">
-                <a:solidFill>
-                  <a:schemeClr val="tx1"/>
-                </a:solidFill>
-                <a:latin typeface="+mn-lt"/>
-                <a:ea typeface="+mn-ea"/>
-                <a:cs typeface="+mn-cs"/>
-              </a:defRPr>
-            </a:lvl7pPr>
-            <a:lvl8pPr marL="3200400" indent="0" algn="ctr" defTabSz="914400" rtl="0" eaLnBrk="1" latinLnBrk="0" hangingPunct="1">
-              <a:lnSpc>
-                <a:spcPct val="90000"/>
-              </a:lnSpc>
-              <a:spcBef>
-                <a:spcPts val="500"/>
-              </a:spcBef>
-              <a:buFont typeface="Arial" panose="020B0604020202020204" pitchFamily="34" charset="0"/>
-              <a:buNone/>
-              <a:defRPr sz="1600" kern="1200">
-                <a:solidFill>
-                  <a:schemeClr val="tx1"/>
-                </a:solidFill>
-                <a:latin typeface="+mn-lt"/>
-                <a:ea typeface="+mn-ea"/>
-                <a:cs typeface="+mn-cs"/>
-              </a:defRPr>
-            </a:lvl8pPr>
-            <a:lvl9pPr marL="3657600" indent="0" algn="ctr" defTabSz="914400" rtl="0" eaLnBrk="1" latinLnBrk="0" hangingPunct="1">
-              <a:lnSpc>
-                <a:spcPct val="90000"/>
-              </a:lnSpc>
-              <a:spcBef>
-                <a:spcPts val="500"/>
-              </a:spcBef>
-              <a:buFont typeface="Arial" panose="020B0604020202020204" pitchFamily="34" charset="0"/>
-              <a:buNone/>
-              <a:defRPr sz="1600" kern="1200">
-                <a:solidFill>
-                  <a:schemeClr val="tx1"/>
-                </a:solidFill>
-                <a:latin typeface="+mn-lt"/>
-                <a:ea typeface="+mn-ea"/>
-                <a:cs typeface="+mn-cs"/>
-              </a:defRPr>
-            </a:lvl9pPr>
-          </a:lstStyle>
-          <a:p>
-            <a:r>
-              <a:rPr lang="en-GB" sz="1600" b="1" dirty="0">
+          <a:p>
+            <a:r>
+              <a:rPr lang="en-GB" b="1" dirty="0">
                 <a:solidFill>
                   <a:schemeClr val="bg1"/>
                 </a:solidFill>
                 <a:latin typeface="Candara Light" panose="020E0502030303020204" pitchFamily="34" charset="0"/>
               </a:rPr>
-              <a:t>Authors: </a:t>
-            </a:r>
-            <a:r>
-              <a:rPr lang="en-GB" sz="1600" b="1" dirty="0" err="1">
-                <a:solidFill>
-                  <a:schemeClr val="bg1"/>
-                </a:solidFill>
-                <a:latin typeface="Candara Light" panose="020E0502030303020204" pitchFamily="34" charset="0"/>
-              </a:rPr>
-              <a:t>Nabanita</a:t>
-            </a:r>
-            <a:r>
-              <a:rPr lang="en-GB" sz="1600" b="1" dirty="0">
-                <a:solidFill>
-                  <a:schemeClr val="bg1"/>
-                </a:solidFill>
-                <a:latin typeface="Candara Light" panose="020E0502030303020204" pitchFamily="34" charset="0"/>
-              </a:rPr>
-              <a:t> Roy &amp; </a:t>
-            </a:r>
-          </a:p>
-          <a:p>
-            <a:r>
-              <a:rPr lang="en-GB" sz="1600" b="1" dirty="0">
-                <a:solidFill>
-                  <a:schemeClr val="bg1"/>
-                </a:solidFill>
-                <a:latin typeface="Candara Light" panose="020E0502030303020204" pitchFamily="34" charset="0"/>
-              </a:rPr>
-              <a:t>Liliya </a:t>
-            </a:r>
-            <a:r>
-              <a:rPr lang="en-GB" sz="1600" b="1" dirty="0" err="1">
-                <a:solidFill>
-                  <a:schemeClr val="bg1"/>
-                </a:solidFill>
-                <a:latin typeface="Candara Light" panose="020E0502030303020204" pitchFamily="34" charset="0"/>
-              </a:rPr>
-              <a:t>Akhtyamova</a:t>
-            </a:r>
-            <a:r>
-              <a:rPr lang="en-GB" sz="1600" b="1" dirty="0">
-                <a:solidFill>
-                  <a:schemeClr val="bg1"/>
-                </a:solidFill>
-                <a:latin typeface="Candara Light" panose="020E0502030303020204" pitchFamily="34" charset="0"/>
-              </a:rPr>
-              <a:t> </a:t>
-            </a:r>
-          </a:p>
-        </p:txBody>
-      </p:sp>
-      <p:pic>
-        <p:nvPicPr>
-          <p:cNvPr id="19" name="Picture 18" descr="A white snake on a green background&#10;&#10;Description automatically generated">
-            <a:extLst>
-              <a:ext uri="{FF2B5EF4-FFF2-40B4-BE49-F238E27FC236}">
-                <a16:creationId xmlns:a16="http://schemas.microsoft.com/office/drawing/2014/main" id="{71695FD4-490A-DBDA-6A9B-9CF71D400A71}"/>
-              </a:ext>
-            </a:extLst>
-          </p:cNvPr>
-          <p:cNvPicPr>
-            <a:picLocks noChangeAspect="1"/>
-          </p:cNvPicPr>
-          <p:nvPr/>
-        </p:nvPicPr>
-        <p:blipFill>
-          <a:blip r:embed="rId3"/>
-          <a:stretch>
-            <a:fillRect/>
-          </a:stretch>
-        </p:blipFill>
-        <p:spPr>
-          <a:xfrm>
-            <a:off x="1" y="4693"/>
-            <a:ext cx="964144" cy="964144"/>
-          </a:xfrm>
-          <a:prstGeom prst="rect">
-            <a:avLst/>
-          </a:prstGeom>
-        </p:spPr>
-      </p:pic>
+              <a:t>12.11.2023</a:t>
+            </a:r>
+          </a:p>
+        </p:txBody>
+      </p:sp>
     </p:spTree>
     <p:extLst>
       <p:ext uri="{BB962C8B-B14F-4D97-AF65-F5344CB8AC3E}">
@@ -4424,6 +3803,1024 @@
 </file>
 
 <file path=ppt/slides/slide10.xml><?xml version="1.0" encoding="utf-8"?>
+<p:sld xmlns:a="http://schemas.openxmlformats.org/drawingml/2006/main" xmlns:r="http://schemas.openxmlformats.org/officeDocument/2006/relationships" xmlns:p="http://schemas.openxmlformats.org/presentationml/2006/main">
+  <p:cSld>
+    <p:bg>
+      <p:bgPr>
+        <a:solidFill>
+          <a:schemeClr val="bg1"/>
+        </a:solidFill>
+        <a:effectLst/>
+      </p:bgPr>
+    </p:bg>
+    <p:spTree>
+      <p:nvGrpSpPr>
+        <p:cNvPr id="1" name=""/>
+        <p:cNvGrpSpPr/>
+        <p:nvPr/>
+      </p:nvGrpSpPr>
+      <p:grpSpPr>
+        <a:xfrm>
+          <a:off x="0" y="0"/>
+          <a:ext cx="0" cy="0"/>
+          <a:chOff x="0" y="0"/>
+          <a:chExt cx="0" cy="0"/>
+        </a:xfrm>
+      </p:grpSpPr>
+      <p:sp>
+        <p:nvSpPr>
+          <p:cNvPr id="2" name="Title 1">
+            <a:extLst>
+              <a:ext uri="{FF2B5EF4-FFF2-40B4-BE49-F238E27FC236}">
+                <a16:creationId xmlns:a16="http://schemas.microsoft.com/office/drawing/2014/main" id="{D6D39373-4DDE-9A99-A7BD-319462C394B2}"/>
+              </a:ext>
+            </a:extLst>
+          </p:cNvPr>
+          <p:cNvSpPr>
+            <a:spLocks noGrp="1"/>
+          </p:cNvSpPr>
+          <p:nvPr>
+            <p:ph type="title"/>
+          </p:nvPr>
+        </p:nvSpPr>
+        <p:spPr>
+          <a:xfrm>
+            <a:off x="762000" y="1138036"/>
+            <a:ext cx="3962400" cy="1402470"/>
+          </a:xfrm>
+        </p:spPr>
+        <p:txBody>
+          <a:bodyPr anchor="t">
+            <a:normAutofit/>
+          </a:bodyPr>
+          <a:lstStyle/>
+          <a:p>
+            <a:r>
+              <a:rPr lang="en-US" sz="3200"/>
+              <a:t>NLP Tasks</a:t>
+            </a:r>
+          </a:p>
+        </p:txBody>
+      </p:sp>
+      <p:cxnSp>
+        <p:nvCxnSpPr>
+          <p:cNvPr id="46" name="Straight Connector 45">
+            <a:extLst>
+              <a:ext uri="{FF2B5EF4-FFF2-40B4-BE49-F238E27FC236}">
+                <a16:creationId xmlns:a16="http://schemas.microsoft.com/office/drawing/2014/main" id="{1503BFE4-729B-D9D0-C17B-501E6AF1127A}"/>
+              </a:ext>
+              <a:ext uri="{C183D7F6-B498-43B3-948B-1728B52AA6E4}">
+                <adec:decorative xmlns:adec="http://schemas.microsoft.com/office/drawing/2017/decorative" val="1"/>
+              </a:ext>
+            </a:extLst>
+          </p:cNvPr>
+          <p:cNvCxnSpPr>
+            <a:cxnSpLocks noGrp="1" noRot="1" noChangeAspect="1" noMove="1" noResize="1" noEditPoints="1" noAdjustHandles="1" noChangeArrowheads="1" noChangeShapeType="1"/>
+          </p:cNvCxnSpPr>
+          <p:nvPr>
+            <p:extLst>
+              <p:ext uri="{386F3935-93C4-4BCD-93E2-E3B085C9AB24}">
+                <p16:designElem xmlns:p16="http://schemas.microsoft.com/office/powerpoint/2015/main" val="1"/>
+              </p:ext>
+            </p:extLst>
+          </p:nvPr>
+        </p:nvCxnSpPr>
+        <p:spPr>
+          <a:xfrm>
+            <a:off x="865140" y="871146"/>
+            <a:ext cx="736939" cy="0"/>
+          </a:xfrm>
+          <a:prstGeom prst="line">
+            <a:avLst/>
+          </a:prstGeom>
+          <a:ln w="57150">
+            <a:solidFill>
+              <a:schemeClr val="accent4"/>
+            </a:solidFill>
+          </a:ln>
+        </p:spPr>
+        <p:style>
+          <a:lnRef idx="1">
+            <a:schemeClr val="accent1"/>
+          </a:lnRef>
+          <a:fillRef idx="0">
+            <a:schemeClr val="accent1"/>
+          </a:fillRef>
+          <a:effectRef idx="0">
+            <a:schemeClr val="accent1"/>
+          </a:effectRef>
+          <a:fontRef idx="minor">
+            <a:schemeClr val="tx1"/>
+          </a:fontRef>
+        </p:style>
+      </p:cxnSp>
+      <p:sp>
+        <p:nvSpPr>
+          <p:cNvPr id="3" name="Content Placeholder 2">
+            <a:extLst>
+              <a:ext uri="{FF2B5EF4-FFF2-40B4-BE49-F238E27FC236}">
+                <a16:creationId xmlns:a16="http://schemas.microsoft.com/office/drawing/2014/main" id="{05BF0B88-2CC1-4F38-B4C2-10598F886B69}"/>
+              </a:ext>
+            </a:extLst>
+          </p:cNvPr>
+          <p:cNvSpPr>
+            <a:spLocks noGrp="1"/>
+          </p:cNvSpPr>
+          <p:nvPr>
+            <p:ph idx="1"/>
+          </p:nvPr>
+        </p:nvSpPr>
+        <p:spPr>
+          <a:xfrm>
+            <a:off x="762001" y="2551176"/>
+            <a:ext cx="3962400" cy="3591207"/>
+          </a:xfrm>
+        </p:spPr>
+        <p:txBody>
+          <a:bodyPr>
+            <a:normAutofit/>
+          </a:bodyPr>
+          <a:lstStyle/>
+          <a:p>
+            <a:endParaRPr lang="en-US" sz="1700" dirty="0"/>
+          </a:p>
+          <a:p>
+            <a:r>
+              <a:rPr lang="en-US" sz="1700" dirty="0"/>
+              <a:t>Autocompletion</a:t>
+            </a:r>
+            <a:br>
+              <a:rPr lang="en-US" sz="1700" dirty="0"/>
+            </a:br>
+            <a:br>
+              <a:rPr lang="en-US" sz="1700" dirty="0"/>
+            </a:br>
+            <a:br>
+              <a:rPr lang="en-US" sz="1700" dirty="0"/>
+            </a:br>
+            <a:br>
+              <a:rPr lang="en-US" sz="1700" dirty="0"/>
+            </a:br>
+            <a:endParaRPr lang="en-US" sz="1700" dirty="0"/>
+          </a:p>
+          <a:p>
+            <a:r>
+              <a:rPr lang="en-US" sz="1700" dirty="0"/>
+              <a:t>Autocorrection</a:t>
+            </a:r>
+          </a:p>
+          <a:p>
+            <a:endParaRPr lang="en-US" sz="1700" dirty="0"/>
+          </a:p>
+          <a:p>
+            <a:endParaRPr lang="en-US" sz="1700" dirty="0"/>
+          </a:p>
+          <a:p>
+            <a:pPr marL="0" indent="0">
+              <a:buNone/>
+            </a:pPr>
+            <a:endParaRPr lang="en-US" sz="1700" dirty="0"/>
+          </a:p>
+          <a:p>
+            <a:r>
+              <a:rPr lang="en-US" sz="1700" dirty="0"/>
+              <a:t>Chatbots - </a:t>
+            </a:r>
+            <a:r>
+              <a:rPr lang="en-US" sz="1700" dirty="0" err="1"/>
+              <a:t>GenAI</a:t>
+            </a:r>
+            <a:r>
+              <a:rPr lang="en-US" sz="1700" dirty="0"/>
+              <a:t> (</a:t>
+            </a:r>
+            <a:r>
+              <a:rPr lang="en-US" sz="1700" dirty="0" err="1"/>
+              <a:t>Wohoo</a:t>
+            </a:r>
+            <a:r>
+              <a:rPr lang="en-US" sz="1700" dirty="0"/>
+              <a:t>!)</a:t>
+            </a:r>
+          </a:p>
+        </p:txBody>
+      </p:sp>
+      <p:sp>
+        <p:nvSpPr>
+          <p:cNvPr id="48" name="Rectangle 47">
+            <a:extLst>
+              <a:ext uri="{FF2B5EF4-FFF2-40B4-BE49-F238E27FC236}">
+                <a16:creationId xmlns:a16="http://schemas.microsoft.com/office/drawing/2014/main" id="{2AB11B05-5E59-5B88-D8DB-0E975DEAE49E}"/>
+              </a:ext>
+              <a:ext uri="{C183D7F6-B498-43B3-948B-1728B52AA6E4}">
+                <adec:decorative xmlns:adec="http://schemas.microsoft.com/office/drawing/2017/decorative" val="1"/>
+              </a:ext>
+            </a:extLst>
+          </p:cNvPr>
+          <p:cNvSpPr>
+            <a:spLocks noGrp="1" noRot="1" noChangeAspect="1" noMove="1" noResize="1" noEditPoints="1" noAdjustHandles="1" noChangeArrowheads="1" noChangeShapeType="1" noTextEdit="1"/>
+          </p:cNvSpPr>
+          <p:nvPr>
+            <p:extLst>
+              <p:ext uri="{386F3935-93C4-4BCD-93E2-E3B085C9AB24}">
+                <p16:designElem xmlns:p16="http://schemas.microsoft.com/office/powerpoint/2015/main" val="1"/>
+              </p:ext>
+            </p:extLst>
+          </p:nvPr>
+        </p:nvSpPr>
+        <p:spPr>
+          <a:xfrm>
+            <a:off x="5264727" y="0"/>
+            <a:ext cx="6927273" cy="6876532"/>
+          </a:xfrm>
+          <a:prstGeom prst="rect">
+            <a:avLst/>
+          </a:prstGeom>
+          <a:solidFill>
+            <a:schemeClr val="bg1">
+              <a:lumMod val="95000"/>
+              <a:alpha val="65000"/>
+            </a:schemeClr>
+          </a:solidFill>
+          <a:ln>
+            <a:noFill/>
+          </a:ln>
+        </p:spPr>
+        <p:style>
+          <a:lnRef idx="2">
+            <a:schemeClr val="accent1">
+              <a:shade val="50000"/>
+            </a:schemeClr>
+          </a:lnRef>
+          <a:fillRef idx="1">
+            <a:schemeClr val="accent1"/>
+          </a:fillRef>
+          <a:effectRef idx="0">
+            <a:schemeClr val="accent1"/>
+          </a:effectRef>
+          <a:fontRef idx="minor">
+            <a:schemeClr val="lt1"/>
+          </a:fontRef>
+        </p:style>
+        <p:txBody>
+          <a:bodyPr rtlCol="0" anchor="ctr"/>
+          <a:lstStyle/>
+          <a:p>
+            <a:pPr algn="ctr"/>
+            <a:endParaRPr lang="en-US"/>
+          </a:p>
+        </p:txBody>
+      </p:sp>
+      <p:pic>
+        <p:nvPicPr>
+          <p:cNvPr id="9" name="Picture 8" descr="A screenshot of a phone&#10;&#10;Description automatically generated">
+            <a:extLst>
+              <a:ext uri="{FF2B5EF4-FFF2-40B4-BE49-F238E27FC236}">
+                <a16:creationId xmlns:a16="http://schemas.microsoft.com/office/drawing/2014/main" id="{A78152B3-B538-B7E2-84E5-25B9DBC2D6DD}"/>
+              </a:ext>
+            </a:extLst>
+          </p:cNvPr>
+          <p:cNvPicPr>
+            <a:picLocks noChangeAspect="1"/>
+          </p:cNvPicPr>
+          <p:nvPr/>
+        </p:nvPicPr>
+        <p:blipFill>
+          <a:blip r:embed="rId2"/>
+          <a:stretch>
+            <a:fillRect/>
+          </a:stretch>
+        </p:blipFill>
+        <p:spPr>
+          <a:xfrm>
+            <a:off x="7581947" y="613565"/>
+            <a:ext cx="2939523" cy="5849797"/>
+          </a:xfrm>
+          <a:prstGeom prst="rect">
+            <a:avLst/>
+          </a:prstGeom>
+        </p:spPr>
+      </p:pic>
+      <p:pic>
+        <p:nvPicPr>
+          <p:cNvPr id="5" name="Picture 4" descr="A screenshot of a phone&#10;&#10;Description automatically generated">
+            <a:extLst>
+              <a:ext uri="{FF2B5EF4-FFF2-40B4-BE49-F238E27FC236}">
+                <a16:creationId xmlns:a16="http://schemas.microsoft.com/office/drawing/2014/main" id="{7B61084B-0DF6-DCB8-1993-2280C225AE24}"/>
+              </a:ext>
+            </a:extLst>
+          </p:cNvPr>
+          <p:cNvPicPr>
+            <a:picLocks noChangeAspect="1"/>
+          </p:cNvPicPr>
+          <p:nvPr/>
+        </p:nvPicPr>
+        <p:blipFill>
+          <a:blip r:embed="rId3"/>
+          <a:stretch>
+            <a:fillRect/>
+          </a:stretch>
+        </p:blipFill>
+        <p:spPr>
+          <a:xfrm>
+            <a:off x="2771137" y="4155614"/>
+            <a:ext cx="3140027" cy="1342361"/>
+          </a:xfrm>
+          <a:prstGeom prst="rect">
+            <a:avLst/>
+          </a:prstGeom>
+        </p:spPr>
+      </p:pic>
+      <p:pic>
+        <p:nvPicPr>
+          <p:cNvPr id="7" name="Picture 6" descr="A screenshot of a phone&#10;&#10;Description automatically generated">
+            <a:extLst>
+              <a:ext uri="{FF2B5EF4-FFF2-40B4-BE49-F238E27FC236}">
+                <a16:creationId xmlns:a16="http://schemas.microsoft.com/office/drawing/2014/main" id="{83CFE3F3-023F-1DCC-7895-47593E6C2AEC}"/>
+              </a:ext>
+            </a:extLst>
+          </p:cNvPr>
+          <p:cNvPicPr>
+            <a:picLocks noChangeAspect="1"/>
+          </p:cNvPicPr>
+          <p:nvPr/>
+        </p:nvPicPr>
+        <p:blipFill>
+          <a:blip r:embed="rId4"/>
+          <a:stretch>
+            <a:fillRect/>
+          </a:stretch>
+        </p:blipFill>
+        <p:spPr>
+          <a:xfrm>
+            <a:off x="3465100" y="264555"/>
+            <a:ext cx="2175901" cy="3626504"/>
+          </a:xfrm>
+          <a:prstGeom prst="rect">
+            <a:avLst/>
+          </a:prstGeom>
+        </p:spPr>
+      </p:pic>
+      <p:cxnSp>
+        <p:nvCxnSpPr>
+          <p:cNvPr id="11" name="Straight Connector 10">
+            <a:extLst>
+              <a:ext uri="{FF2B5EF4-FFF2-40B4-BE49-F238E27FC236}">
+                <a16:creationId xmlns:a16="http://schemas.microsoft.com/office/drawing/2014/main" id="{AC0676F0-C2EA-CA79-6B43-24F5582426C3}"/>
+              </a:ext>
+            </a:extLst>
+          </p:cNvPr>
+          <p:cNvCxnSpPr>
+            <a:cxnSpLocks/>
+          </p:cNvCxnSpPr>
+          <p:nvPr/>
+        </p:nvCxnSpPr>
+        <p:spPr>
+          <a:xfrm>
+            <a:off x="3564731" y="5793186"/>
+            <a:ext cx="3877218" cy="0"/>
+          </a:xfrm>
+          <a:prstGeom prst="line">
+            <a:avLst/>
+          </a:prstGeom>
+          <a:ln w="38100">
+            <a:headEnd type="none" w="med" len="med"/>
+            <a:tailEnd type="triangle" w="med" len="med"/>
+          </a:ln>
+        </p:spPr>
+        <p:style>
+          <a:lnRef idx="1">
+            <a:schemeClr val="accent1"/>
+          </a:lnRef>
+          <a:fillRef idx="0">
+            <a:schemeClr val="accent1"/>
+          </a:fillRef>
+          <a:effectRef idx="0">
+            <a:schemeClr val="accent1"/>
+          </a:effectRef>
+          <a:fontRef idx="minor">
+            <a:schemeClr val="tx1"/>
+          </a:fontRef>
+        </p:style>
+      </p:cxnSp>
+      <p:pic>
+        <p:nvPicPr>
+          <p:cNvPr id="8" name="Picture 7" descr="A white snake on a green background&#10;&#10;Description automatically generated">
+            <a:extLst>
+              <a:ext uri="{FF2B5EF4-FFF2-40B4-BE49-F238E27FC236}">
+                <a16:creationId xmlns:a16="http://schemas.microsoft.com/office/drawing/2014/main" id="{EE96577D-6AD7-7F73-3DD6-CE2C67956FDB}"/>
+              </a:ext>
+            </a:extLst>
+          </p:cNvPr>
+          <p:cNvPicPr>
+            <a:picLocks noChangeAspect="1"/>
+          </p:cNvPicPr>
+          <p:nvPr/>
+        </p:nvPicPr>
+        <p:blipFill>
+          <a:blip r:embed="rId5"/>
+          <a:stretch>
+            <a:fillRect/>
+          </a:stretch>
+        </p:blipFill>
+        <p:spPr>
+          <a:xfrm>
+            <a:off x="11499477" y="0"/>
+            <a:ext cx="692523" cy="692523"/>
+          </a:xfrm>
+          <a:prstGeom prst="rect">
+            <a:avLst/>
+          </a:prstGeom>
+        </p:spPr>
+      </p:pic>
+    </p:spTree>
+    <p:extLst>
+      <p:ext uri="{BB962C8B-B14F-4D97-AF65-F5344CB8AC3E}">
+        <p14:creationId xmlns:p14="http://schemas.microsoft.com/office/powerpoint/2010/main" val="2192532014"/>
+      </p:ext>
+    </p:extLst>
+  </p:cSld>
+  <p:clrMapOvr>
+    <a:masterClrMapping/>
+  </p:clrMapOvr>
+</p:sld>
+</file>
+
+<file path=ppt/slides/slide11.xml><?xml version="1.0" encoding="utf-8"?>
+<p:sld xmlns:a="http://schemas.openxmlformats.org/drawingml/2006/main" xmlns:r="http://schemas.openxmlformats.org/officeDocument/2006/relationships" xmlns:p="http://schemas.openxmlformats.org/presentationml/2006/main">
+  <p:cSld>
+    <p:bg>
+      <p:bgPr>
+        <a:solidFill>
+          <a:schemeClr val="bg1"/>
+        </a:solidFill>
+        <a:effectLst/>
+      </p:bgPr>
+    </p:bg>
+    <p:spTree>
+      <p:nvGrpSpPr>
+        <p:cNvPr id="1" name=""/>
+        <p:cNvGrpSpPr/>
+        <p:nvPr/>
+      </p:nvGrpSpPr>
+      <p:grpSpPr>
+        <a:xfrm>
+          <a:off x="0" y="0"/>
+          <a:ext cx="0" cy="0"/>
+          <a:chOff x="0" y="0"/>
+          <a:chExt cx="0" cy="0"/>
+        </a:xfrm>
+      </p:grpSpPr>
+      <p:sp useBgFill="1">
+        <p:nvSpPr>
+          <p:cNvPr id="17" name="Rectangle 16">
+            <a:extLst>
+              <a:ext uri="{FF2B5EF4-FFF2-40B4-BE49-F238E27FC236}">
+                <a16:creationId xmlns:a16="http://schemas.microsoft.com/office/drawing/2014/main" id="{DBC6133C-0615-4CE4-9132-37E609A9BDFA}"/>
+              </a:ext>
+              <a:ext uri="{C183D7F6-B498-43B3-948B-1728B52AA6E4}">
+                <adec:decorative xmlns:adec="http://schemas.microsoft.com/office/drawing/2017/decorative" val="1"/>
+              </a:ext>
+            </a:extLst>
+          </p:cNvPr>
+          <p:cNvSpPr>
+            <a:spLocks noGrp="1" noRot="1" noChangeAspect="1" noMove="1" noResize="1" noEditPoints="1" noAdjustHandles="1" noChangeArrowheads="1" noChangeShapeType="1" noTextEdit="1"/>
+          </p:cNvSpPr>
+          <p:nvPr>
+            <p:extLst>
+              <p:ext uri="{386F3935-93C4-4BCD-93E2-E3B085C9AB24}">
+                <p16:designElem xmlns:p16="http://schemas.microsoft.com/office/powerpoint/2015/main" val="1"/>
+              </p:ext>
+            </p:extLst>
+          </p:nvPr>
+        </p:nvSpPr>
+        <p:spPr>
+          <a:xfrm>
+            <a:off x="0" y="0"/>
+            <a:ext cx="12191999" cy="6857365"/>
+          </a:xfrm>
+          <a:prstGeom prst="rect">
+            <a:avLst/>
+          </a:prstGeom>
+          <a:ln>
+            <a:noFill/>
+          </a:ln>
+        </p:spPr>
+        <p:style>
+          <a:lnRef idx="2">
+            <a:schemeClr val="accent1">
+              <a:shade val="50000"/>
+            </a:schemeClr>
+          </a:lnRef>
+          <a:fillRef idx="1">
+            <a:schemeClr val="accent1"/>
+          </a:fillRef>
+          <a:effectRef idx="0">
+            <a:schemeClr val="accent1"/>
+          </a:effectRef>
+          <a:fontRef idx="minor">
+            <a:schemeClr val="lt1"/>
+          </a:fontRef>
+        </p:style>
+        <p:txBody>
+          <a:bodyPr rtlCol="0" anchor="ctr"/>
+          <a:lstStyle/>
+          <a:p>
+            <a:pPr algn="ctr"/>
+            <a:endParaRPr lang="en-US"/>
+          </a:p>
+        </p:txBody>
+      </p:sp>
+      <p:sp>
+        <p:nvSpPr>
+          <p:cNvPr id="2" name="Title 1">
+            <a:extLst>
+              <a:ext uri="{FF2B5EF4-FFF2-40B4-BE49-F238E27FC236}">
+                <a16:creationId xmlns:a16="http://schemas.microsoft.com/office/drawing/2014/main" id="{71B8A4BB-065E-AE9B-5CB7-6BDEB39B7D4A}"/>
+              </a:ext>
+            </a:extLst>
+          </p:cNvPr>
+          <p:cNvSpPr>
+            <a:spLocks noGrp="1"/>
+          </p:cNvSpPr>
+          <p:nvPr>
+            <p:ph type="title"/>
+          </p:nvPr>
+        </p:nvSpPr>
+        <p:spPr>
+          <a:xfrm>
+            <a:off x="645064" y="525982"/>
+            <a:ext cx="4282983" cy="1200361"/>
+          </a:xfrm>
+        </p:spPr>
+        <p:txBody>
+          <a:bodyPr anchor="b">
+            <a:normAutofit/>
+          </a:bodyPr>
+          <a:lstStyle/>
+          <a:p>
+            <a:r>
+              <a:rPr lang="en-US" sz="3600"/>
+              <a:t>How do computers understand words?</a:t>
+            </a:r>
+          </a:p>
+        </p:txBody>
+      </p:sp>
+      <p:sp>
+        <p:nvSpPr>
+          <p:cNvPr id="19" name="Rectangle 18">
+            <a:extLst>
+              <a:ext uri="{FF2B5EF4-FFF2-40B4-BE49-F238E27FC236}">
+                <a16:creationId xmlns:a16="http://schemas.microsoft.com/office/drawing/2014/main" id="{169CC832-2974-4E8D-90ED-3E2941BA7336}"/>
+              </a:ext>
+              <a:ext uri="{C183D7F6-B498-43B3-948B-1728B52AA6E4}">
+                <adec:decorative xmlns:adec="http://schemas.microsoft.com/office/drawing/2017/decorative" val="1"/>
+              </a:ext>
+            </a:extLst>
+          </p:cNvPr>
+          <p:cNvSpPr>
+            <a:spLocks noGrp="1" noRot="1" noChangeAspect="1" noMove="1" noResize="1" noEditPoints="1" noAdjustHandles="1" noChangeArrowheads="1" noChangeShapeType="1" noTextEdit="1"/>
+          </p:cNvSpPr>
+          <p:nvPr>
+            <p:extLst>
+              <p:ext uri="{386F3935-93C4-4BCD-93E2-E3B085C9AB24}">
+                <p16:designElem xmlns:p16="http://schemas.microsoft.com/office/powerpoint/2015/main" val="1"/>
+              </p:ext>
+            </p:extLst>
+          </p:nvPr>
+        </p:nvSpPr>
+        <p:spPr>
+          <a:xfrm flipH="1">
+            <a:off x="616533" y="1944913"/>
+            <a:ext cx="4023360" cy="27432"/>
+          </a:xfrm>
+          <a:prstGeom prst="rect">
+            <a:avLst/>
+          </a:prstGeom>
+          <a:solidFill>
+            <a:schemeClr val="accent4"/>
+          </a:solidFill>
+          <a:ln>
+            <a:noFill/>
+          </a:ln>
+        </p:spPr>
+        <p:style>
+          <a:lnRef idx="2">
+            <a:schemeClr val="accent1">
+              <a:shade val="50000"/>
+            </a:schemeClr>
+          </a:lnRef>
+          <a:fillRef idx="1">
+            <a:schemeClr val="accent1"/>
+          </a:fillRef>
+          <a:effectRef idx="0">
+            <a:schemeClr val="accent1"/>
+          </a:effectRef>
+          <a:fontRef idx="minor">
+            <a:schemeClr val="lt1"/>
+          </a:fontRef>
+        </p:style>
+        <p:txBody>
+          <a:bodyPr rtlCol="0" anchor="ctr"/>
+          <a:lstStyle/>
+          <a:p>
+            <a:pPr algn="ctr"/>
+            <a:endParaRPr lang="en-US"/>
+          </a:p>
+        </p:txBody>
+      </p:sp>
+      <p:sp>
+        <p:nvSpPr>
+          <p:cNvPr id="3" name="Content Placeholder 2">
+            <a:extLst>
+              <a:ext uri="{FF2B5EF4-FFF2-40B4-BE49-F238E27FC236}">
+                <a16:creationId xmlns:a16="http://schemas.microsoft.com/office/drawing/2014/main" id="{26F8D9FA-67E7-47A9-86BF-16CA1C306620}"/>
+              </a:ext>
+            </a:extLst>
+          </p:cNvPr>
+          <p:cNvSpPr>
+            <a:spLocks noGrp="1"/>
+          </p:cNvSpPr>
+          <p:nvPr>
+            <p:ph idx="1"/>
+          </p:nvPr>
+        </p:nvSpPr>
+        <p:spPr>
+          <a:xfrm>
+            <a:off x="645066" y="2031101"/>
+            <a:ext cx="4282984" cy="3511943"/>
+          </a:xfrm>
+        </p:spPr>
+        <p:txBody>
+          <a:bodyPr anchor="ctr">
+            <a:normAutofit/>
+          </a:bodyPr>
+          <a:lstStyle/>
+          <a:p>
+            <a:r>
+              <a:rPr lang="en-US" sz="1800" dirty="0"/>
+              <a:t>Through numbers (and then bits)</a:t>
+            </a:r>
+          </a:p>
+          <a:p>
+            <a:r>
+              <a:rPr lang="en-US" sz="1800" dirty="0"/>
+              <a:t>Need to encode words (or parts of words, sentences, whole documents) into numbers. That process is called </a:t>
+            </a:r>
+            <a:r>
+              <a:rPr lang="en-US" sz="1800" dirty="0">
+                <a:solidFill>
+                  <a:srgbClr val="0070C0"/>
+                </a:solidFill>
+              </a:rPr>
+              <a:t>text vectorization</a:t>
+            </a:r>
+            <a:r>
+              <a:rPr lang="en-US" sz="1800" dirty="0"/>
+              <a:t>, and numerical representations of texts are called </a:t>
+            </a:r>
+            <a:r>
+              <a:rPr lang="en-US" sz="1800" dirty="0">
+                <a:solidFill>
+                  <a:srgbClr val="0070C0"/>
+                </a:solidFill>
+              </a:rPr>
+              <a:t>embeddings</a:t>
+            </a:r>
+          </a:p>
+          <a:p>
+            <a:r>
+              <a:rPr lang="en-US" sz="1800" dirty="0"/>
+              <a:t>Most popular types of embeddings are </a:t>
+            </a:r>
+            <a:r>
+              <a:rPr lang="en-US" sz="1800" dirty="0">
+                <a:solidFill>
+                  <a:srgbClr val="0070C0"/>
+                </a:solidFill>
+              </a:rPr>
+              <a:t>word embeddings</a:t>
+            </a:r>
+          </a:p>
+        </p:txBody>
+      </p:sp>
+      <p:sp>
+        <p:nvSpPr>
+          <p:cNvPr id="21" name="Rectangle 20">
+            <a:extLst>
+              <a:ext uri="{FF2B5EF4-FFF2-40B4-BE49-F238E27FC236}">
+                <a16:creationId xmlns:a16="http://schemas.microsoft.com/office/drawing/2014/main" id="{55222F96-971A-4F90-B841-6BAB416C7AC1}"/>
+              </a:ext>
+              <a:ext uri="{C183D7F6-B498-43B3-948B-1728B52AA6E4}">
+                <adec:decorative xmlns:adec="http://schemas.microsoft.com/office/drawing/2017/decorative" val="1"/>
+              </a:ext>
+            </a:extLst>
+          </p:cNvPr>
+          <p:cNvSpPr>
+            <a:spLocks noGrp="1" noRot="1" noChangeAspect="1" noMove="1" noResize="1" noEditPoints="1" noAdjustHandles="1" noChangeArrowheads="1" noChangeShapeType="1" noTextEdit="1"/>
+          </p:cNvSpPr>
+          <p:nvPr>
+            <p:extLst>
+              <p:ext uri="{386F3935-93C4-4BCD-93E2-E3B085C9AB24}">
+                <p16:designElem xmlns:p16="http://schemas.microsoft.com/office/powerpoint/2015/main" val="1"/>
+              </p:ext>
+            </p:extLst>
+          </p:nvPr>
+        </p:nvSpPr>
+        <p:spPr>
+          <a:xfrm rot="5400000">
+            <a:off x="-225843" y="6053360"/>
+            <a:ext cx="740664" cy="154124"/>
+          </a:xfrm>
+          <a:prstGeom prst="rect">
+            <a:avLst/>
+          </a:prstGeom>
+          <a:solidFill>
+            <a:schemeClr val="accent4"/>
+          </a:solidFill>
+          <a:ln>
+            <a:noFill/>
+          </a:ln>
+        </p:spPr>
+        <p:style>
+          <a:lnRef idx="2">
+            <a:schemeClr val="accent1">
+              <a:shade val="50000"/>
+            </a:schemeClr>
+          </a:lnRef>
+          <a:fillRef idx="1">
+            <a:schemeClr val="accent1"/>
+          </a:fillRef>
+          <a:effectRef idx="0">
+            <a:schemeClr val="accent1"/>
+          </a:effectRef>
+          <a:fontRef idx="minor">
+            <a:schemeClr val="lt1"/>
+          </a:fontRef>
+        </p:style>
+        <p:txBody>
+          <a:bodyPr rtlCol="0" anchor="ctr"/>
+          <a:lstStyle/>
+          <a:p>
+            <a:pPr algn="ctr"/>
+            <a:endParaRPr lang="en-US"/>
+          </a:p>
+        </p:txBody>
+      </p:sp>
+      <p:sp>
+        <p:nvSpPr>
+          <p:cNvPr id="23" name="Rectangle 22">
+            <a:extLst>
+              <a:ext uri="{FF2B5EF4-FFF2-40B4-BE49-F238E27FC236}">
+                <a16:creationId xmlns:a16="http://schemas.microsoft.com/office/drawing/2014/main" id="{08980754-6F4B-43C9-B9BE-127B6BED6586}"/>
+              </a:ext>
+              <a:ext uri="{C183D7F6-B498-43B3-948B-1728B52AA6E4}">
+                <adec:decorative xmlns:adec="http://schemas.microsoft.com/office/drawing/2017/decorative" val="1"/>
+              </a:ext>
+            </a:extLst>
+          </p:cNvPr>
+          <p:cNvSpPr>
+            <a:spLocks noGrp="1" noRot="1" noChangeAspect="1" noMove="1" noResize="1" noEditPoints="1" noAdjustHandles="1" noChangeArrowheads="1" noChangeShapeType="1" noTextEdit="1"/>
+          </p:cNvSpPr>
+          <p:nvPr>
+            <p:extLst>
+              <p:ext uri="{386F3935-93C4-4BCD-93E2-E3B085C9AB24}">
+                <p16:designElem xmlns:p16="http://schemas.microsoft.com/office/powerpoint/2015/main" val="1"/>
+              </p:ext>
+            </p:extLst>
+          </p:nvPr>
+        </p:nvSpPr>
+        <p:spPr>
+          <a:xfrm rot="5400000">
+            <a:off x="5904923" y="215201"/>
+            <a:ext cx="740664" cy="11833491"/>
+          </a:xfrm>
+          <a:prstGeom prst="rect">
+            <a:avLst/>
+          </a:prstGeom>
+          <a:solidFill>
+            <a:schemeClr val="accent4"/>
+          </a:solidFill>
+          <a:ln>
+            <a:noFill/>
+          </a:ln>
+        </p:spPr>
+        <p:style>
+          <a:lnRef idx="2">
+            <a:schemeClr val="accent1">
+              <a:shade val="50000"/>
+            </a:schemeClr>
+          </a:lnRef>
+          <a:fillRef idx="1">
+            <a:schemeClr val="accent1"/>
+          </a:fillRef>
+          <a:effectRef idx="0">
+            <a:schemeClr val="accent1"/>
+          </a:effectRef>
+          <a:fontRef idx="minor">
+            <a:schemeClr val="lt1"/>
+          </a:fontRef>
+        </p:style>
+        <p:txBody>
+          <a:bodyPr rtlCol="0" anchor="ctr"/>
+          <a:lstStyle/>
+          <a:p>
+            <a:pPr algn="ctr"/>
+            <a:endParaRPr lang="en-US"/>
+          </a:p>
+        </p:txBody>
+      </p:sp>
+      <p:sp>
+        <p:nvSpPr>
+          <p:cNvPr id="25" name="Rectangle 24">
+            <a:extLst>
+              <a:ext uri="{FF2B5EF4-FFF2-40B4-BE49-F238E27FC236}">
+                <a16:creationId xmlns:a16="http://schemas.microsoft.com/office/drawing/2014/main" id="{2C1BBA94-3F40-40AA-8BB9-E69E25E537C1}"/>
+              </a:ext>
+              <a:ext uri="{C183D7F6-B498-43B3-948B-1728B52AA6E4}">
+                <adec:decorative xmlns:adec="http://schemas.microsoft.com/office/drawing/2017/decorative" val="1"/>
+              </a:ext>
+            </a:extLst>
+          </p:cNvPr>
+          <p:cNvSpPr>
+            <a:spLocks noGrp="1" noRot="1" noChangeAspect="1" noMove="1" noResize="1" noEditPoints="1" noAdjustHandles="1" noChangeArrowheads="1" noChangeShapeType="1" noTextEdit="1"/>
+          </p:cNvSpPr>
+          <p:nvPr>
+            <p:extLst>
+              <p:ext uri="{386F3935-93C4-4BCD-93E2-E3B085C9AB24}">
+                <p16:designElem xmlns:p16="http://schemas.microsoft.com/office/powerpoint/2015/main" val="1"/>
+              </p:ext>
+            </p:extLst>
+          </p:nvPr>
+        </p:nvSpPr>
+        <p:spPr>
+          <a:xfrm>
+            <a:off x="5696793" y="354959"/>
+            <a:ext cx="6184973" cy="5915212"/>
+          </a:xfrm>
+          <a:prstGeom prst="rect">
+            <a:avLst/>
+          </a:prstGeom>
+          <a:solidFill>
+            <a:schemeClr val="bg1"/>
+          </a:solidFill>
+          <a:ln>
+            <a:noFill/>
+          </a:ln>
+          <a:effectLst>
+            <a:outerShdw blurRad="139700" dist="127000" dir="5400000" algn="t" rotWithShape="0">
+              <a:prstClr val="black">
+                <a:alpha val="15000"/>
+              </a:prstClr>
+            </a:outerShdw>
+          </a:effectLst>
+        </p:spPr>
+        <p:style>
+          <a:lnRef idx="2">
+            <a:schemeClr val="accent1">
+              <a:shade val="50000"/>
+            </a:schemeClr>
+          </a:lnRef>
+          <a:fillRef idx="1">
+            <a:schemeClr val="accent1"/>
+          </a:fillRef>
+          <a:effectRef idx="0">
+            <a:schemeClr val="accent1"/>
+          </a:effectRef>
+          <a:fontRef idx="minor">
+            <a:schemeClr val="lt1"/>
+          </a:fontRef>
+        </p:style>
+        <p:txBody>
+          <a:bodyPr rtlCol="0" anchor="ctr"/>
+          <a:lstStyle/>
+          <a:p>
+            <a:pPr algn="ctr"/>
+            <a:endParaRPr lang="en-US"/>
+          </a:p>
+        </p:txBody>
+      </p:sp>
+      <p:pic>
+        <p:nvPicPr>
+          <p:cNvPr id="5" name="Picture 4" descr="A cartoon robot reading a book&#10;&#10;Description automatically generated">
+            <a:extLst>
+              <a:ext uri="{FF2B5EF4-FFF2-40B4-BE49-F238E27FC236}">
+                <a16:creationId xmlns:a16="http://schemas.microsoft.com/office/drawing/2014/main" id="{C6B17F70-CB75-60C5-BE6E-E026CB3CE21A}"/>
+              </a:ext>
+            </a:extLst>
+          </p:cNvPr>
+          <p:cNvPicPr>
+            <a:picLocks noChangeAspect="1"/>
+          </p:cNvPicPr>
+          <p:nvPr/>
+        </p:nvPicPr>
+        <p:blipFill rotWithShape="1">
+          <a:blip r:embed="rId2"/>
+          <a:srcRect l="14749" r="13097"/>
+          <a:stretch/>
+        </p:blipFill>
+        <p:spPr>
+          <a:xfrm>
+            <a:off x="6240692" y="650494"/>
+            <a:ext cx="5122109" cy="5324142"/>
+          </a:xfrm>
+          <a:prstGeom prst="rect">
+            <a:avLst/>
+          </a:prstGeom>
+        </p:spPr>
+      </p:pic>
+      <p:sp>
+        <p:nvSpPr>
+          <p:cNvPr id="4" name="TextBox 3">
+            <a:extLst>
+              <a:ext uri="{FF2B5EF4-FFF2-40B4-BE49-F238E27FC236}">
+                <a16:creationId xmlns:a16="http://schemas.microsoft.com/office/drawing/2014/main" id="{381F1101-8754-AAB0-CA97-874C8E4A515D}"/>
+              </a:ext>
+            </a:extLst>
+          </p:cNvPr>
+          <p:cNvSpPr txBox="1"/>
+          <p:nvPr/>
+        </p:nvSpPr>
+        <p:spPr>
+          <a:xfrm>
+            <a:off x="358509" y="5782847"/>
+            <a:ext cx="5338282" cy="646331"/>
+          </a:xfrm>
+          <a:prstGeom prst="rect">
+            <a:avLst/>
+          </a:prstGeom>
+          <a:noFill/>
+        </p:spPr>
+        <p:txBody>
+          <a:bodyPr wrap="square" rtlCol="0">
+            <a:spAutoFit/>
+          </a:bodyPr>
+          <a:lstStyle/>
+          <a:p>
+            <a:r>
+              <a:rPr lang="en-US" sz="1200" dirty="0"/>
+              <a:t>Funny video – how automated systems can struggle to understand human language:</a:t>
+            </a:r>
+          </a:p>
+          <a:p>
+            <a:r>
+              <a:rPr lang="en-US" sz="1200" b="0" i="0" u="sng" strike="noStrike" dirty="0">
+                <a:solidFill>
+                  <a:srgbClr val="202124"/>
+                </a:solidFill>
+                <a:effectLst/>
+                <a:latin typeface="arial" panose="020B0604020202020204" pitchFamily="34" charset="0"/>
+                <a:hlinkClick r:id="rId3"/>
+              </a:rPr>
+              <a:t>Scottish Elevator - Voice Recognition - ELEVEN !</a:t>
+            </a:r>
+          </a:p>
+        </p:txBody>
+      </p:sp>
+      <p:pic>
+        <p:nvPicPr>
+          <p:cNvPr id="6" name="Picture 5" descr="A white snake on a green background&#10;&#10;Description automatically generated">
+            <a:extLst>
+              <a:ext uri="{FF2B5EF4-FFF2-40B4-BE49-F238E27FC236}">
+                <a16:creationId xmlns:a16="http://schemas.microsoft.com/office/drawing/2014/main" id="{A079DF93-FB56-5EA8-A105-D6F1E5D52775}"/>
+              </a:ext>
+            </a:extLst>
+          </p:cNvPr>
+          <p:cNvPicPr>
+            <a:picLocks noChangeAspect="1"/>
+          </p:cNvPicPr>
+          <p:nvPr/>
+        </p:nvPicPr>
+        <p:blipFill>
+          <a:blip r:embed="rId4"/>
+          <a:stretch>
+            <a:fillRect/>
+          </a:stretch>
+        </p:blipFill>
+        <p:spPr>
+          <a:xfrm>
+            <a:off x="11499477" y="7144"/>
+            <a:ext cx="692523" cy="692523"/>
+          </a:xfrm>
+          <a:prstGeom prst="rect">
+            <a:avLst/>
+          </a:prstGeom>
+        </p:spPr>
+      </p:pic>
+    </p:spTree>
+    <p:extLst>
+      <p:ext uri="{BB962C8B-B14F-4D97-AF65-F5344CB8AC3E}">
+        <p14:creationId xmlns:p14="http://schemas.microsoft.com/office/powerpoint/2010/main" val="3283020714"/>
+      </p:ext>
+    </p:extLst>
+  </p:cSld>
+  <p:clrMapOvr>
+    <a:masterClrMapping/>
+  </p:clrMapOvr>
+</p:sld>
+</file>
+
+<file path=ppt/slides/slide12.xml><?xml version="1.0" encoding="utf-8"?>
 <p:sld xmlns:a="http://schemas.openxmlformats.org/drawingml/2006/main" xmlns:r="http://schemas.openxmlformats.org/officeDocument/2006/relationships" xmlns:p="http://schemas.openxmlformats.org/presentationml/2006/main">
   <p:cSld>
     <p:bg>
@@ -4920,7 +5317,7 @@
 </p:sld>
 </file>
 
-<file path=ppt/slides/slide11.xml><?xml version="1.0" encoding="utf-8"?>
+<file path=ppt/slides/slide13.xml><?xml version="1.0" encoding="utf-8"?>
 <p:sld xmlns:a="http://schemas.openxmlformats.org/drawingml/2006/main" xmlns:r="http://schemas.openxmlformats.org/officeDocument/2006/relationships" xmlns:p="http://schemas.openxmlformats.org/presentationml/2006/main">
   <p:cSld>
     <p:bg>
@@ -5423,7 +5820,7 @@
 </p:sld>
 </file>
 
-<file path=ppt/slides/slide12.xml><?xml version="1.0" encoding="utf-8"?>
+<file path=ppt/slides/slide14.xml><?xml version="1.0" encoding="utf-8"?>
 <p:sld xmlns:a="http://schemas.openxmlformats.org/drawingml/2006/main" xmlns:r="http://schemas.openxmlformats.org/officeDocument/2006/relationships" xmlns:p="http://schemas.openxmlformats.org/presentationml/2006/main">
   <p:cSld>
     <p:bg>
@@ -5916,7 +6313,7 @@
 </p:sld>
 </file>
 
-<file path=ppt/slides/slide13.xml><?xml version="1.0" encoding="utf-8"?>
+<file path=ppt/slides/slide15.xml><?xml version="1.0" encoding="utf-8"?>
 <p:sld xmlns:a="http://schemas.openxmlformats.org/drawingml/2006/main" xmlns:r="http://schemas.openxmlformats.org/officeDocument/2006/relationships" xmlns:p="http://schemas.openxmlformats.org/presentationml/2006/main">
   <p:cSld>
     <p:bg>
@@ -6447,7 +6844,7 @@
 </p:sld>
 </file>
 
-<file path=ppt/slides/slide14.xml><?xml version="1.0" encoding="utf-8"?>
+<file path=ppt/slides/slide16.xml><?xml version="1.0" encoding="utf-8"?>
 <p:sld xmlns:a="http://schemas.openxmlformats.org/drawingml/2006/main" xmlns:r="http://schemas.openxmlformats.org/officeDocument/2006/relationships" xmlns:p="http://schemas.openxmlformats.org/presentationml/2006/main">
   <p:cSld>
     <p:bg>
@@ -6884,1027 +7281,6 @@
 </p:sld>
 </file>
 
-<file path=ppt/slides/slide15.xml><?xml version="1.0" encoding="utf-8"?>
-<p:sld xmlns:a="http://schemas.openxmlformats.org/drawingml/2006/main" xmlns:r="http://schemas.openxmlformats.org/officeDocument/2006/relationships" xmlns:p="http://schemas.openxmlformats.org/presentationml/2006/main">
-  <p:cSld>
-    <p:bg>
-      <p:bgPr>
-        <a:solidFill>
-          <a:schemeClr val="bg1"/>
-        </a:solidFill>
-        <a:effectLst/>
-      </p:bgPr>
-    </p:bg>
-    <p:spTree>
-      <p:nvGrpSpPr>
-        <p:cNvPr id="1" name=""/>
-        <p:cNvGrpSpPr/>
-        <p:nvPr/>
-      </p:nvGrpSpPr>
-      <p:grpSpPr>
-        <a:xfrm>
-          <a:off x="0" y="0"/>
-          <a:ext cx="0" cy="0"/>
-          <a:chOff x="0" y="0"/>
-          <a:chExt cx="0" cy="0"/>
-        </a:xfrm>
-      </p:grpSpPr>
-      <p:sp useBgFill="1">
-        <p:nvSpPr>
-          <p:cNvPr id="35" name="Rectangle 25">
-            <a:extLst>
-              <a:ext uri="{FF2B5EF4-FFF2-40B4-BE49-F238E27FC236}">
-                <a16:creationId xmlns:a16="http://schemas.microsoft.com/office/drawing/2014/main" id="{DBC6133C-0615-4CE4-9132-37E609A9BDFA}"/>
-              </a:ext>
-              <a:ext uri="{C183D7F6-B498-43B3-948B-1728B52AA6E4}">
-                <adec:decorative xmlns:adec="http://schemas.microsoft.com/office/drawing/2017/decorative" val="1"/>
-              </a:ext>
-            </a:extLst>
-          </p:cNvPr>
-          <p:cNvSpPr>
-            <a:spLocks noGrp="1" noRot="1" noChangeAspect="1" noMove="1" noResize="1" noEditPoints="1" noAdjustHandles="1" noChangeArrowheads="1" noChangeShapeType="1" noTextEdit="1"/>
-          </p:cNvSpPr>
-          <p:nvPr>
-            <p:extLst>
-              <p:ext uri="{386F3935-93C4-4BCD-93E2-E3B085C9AB24}">
-                <p16:designElem xmlns:p16="http://schemas.microsoft.com/office/powerpoint/2015/main" val="1"/>
-              </p:ext>
-            </p:extLst>
-          </p:nvPr>
-        </p:nvSpPr>
-        <p:spPr>
-          <a:xfrm>
-            <a:off x="0" y="0"/>
-            <a:ext cx="12191999" cy="6857365"/>
-          </a:xfrm>
-          <a:prstGeom prst="rect">
-            <a:avLst/>
-          </a:prstGeom>
-          <a:ln>
-            <a:noFill/>
-          </a:ln>
-        </p:spPr>
-        <p:style>
-          <a:lnRef idx="2">
-            <a:schemeClr val="accent1">
-              <a:shade val="50000"/>
-            </a:schemeClr>
-          </a:lnRef>
-          <a:fillRef idx="1">
-            <a:schemeClr val="accent1"/>
-          </a:fillRef>
-          <a:effectRef idx="0">
-            <a:schemeClr val="accent1"/>
-          </a:effectRef>
-          <a:fontRef idx="minor">
-            <a:schemeClr val="lt1"/>
-          </a:fontRef>
-        </p:style>
-        <p:txBody>
-          <a:bodyPr rtlCol="0" anchor="ctr"/>
-          <a:lstStyle/>
-          <a:p>
-            <a:pPr algn="ctr"/>
-            <a:endParaRPr lang="en-US"/>
-          </a:p>
-        </p:txBody>
-      </p:sp>
-      <p:sp>
-        <p:nvSpPr>
-          <p:cNvPr id="2" name="Title 1">
-            <a:extLst>
-              <a:ext uri="{FF2B5EF4-FFF2-40B4-BE49-F238E27FC236}">
-                <a16:creationId xmlns:a16="http://schemas.microsoft.com/office/drawing/2014/main" id="{65489DE3-9517-D3A7-4BAC-72DCBE10542F}"/>
-              </a:ext>
-            </a:extLst>
-          </p:cNvPr>
-          <p:cNvSpPr>
-            <a:spLocks noGrp="1"/>
-          </p:cNvSpPr>
-          <p:nvPr>
-            <p:ph type="title"/>
-          </p:nvPr>
-        </p:nvSpPr>
-        <p:spPr>
-          <a:xfrm>
-            <a:off x="645064" y="525982"/>
-            <a:ext cx="4282983" cy="1200361"/>
-          </a:xfrm>
-        </p:spPr>
-        <p:txBody>
-          <a:bodyPr anchor="b">
-            <a:normAutofit/>
-          </a:bodyPr>
-          <a:lstStyle/>
-          <a:p>
-            <a:r>
-              <a:rPr lang="en-US" sz="3600"/>
-              <a:t>Types of text preprocessing</a:t>
-            </a:r>
-          </a:p>
-        </p:txBody>
-      </p:sp>
-      <p:sp>
-        <p:nvSpPr>
-          <p:cNvPr id="36" name="Rectangle 27">
-            <a:extLst>
-              <a:ext uri="{FF2B5EF4-FFF2-40B4-BE49-F238E27FC236}">
-                <a16:creationId xmlns:a16="http://schemas.microsoft.com/office/drawing/2014/main" id="{169CC832-2974-4E8D-90ED-3E2941BA7336}"/>
-              </a:ext>
-              <a:ext uri="{C183D7F6-B498-43B3-948B-1728B52AA6E4}">
-                <adec:decorative xmlns:adec="http://schemas.microsoft.com/office/drawing/2017/decorative" val="1"/>
-              </a:ext>
-            </a:extLst>
-          </p:cNvPr>
-          <p:cNvSpPr>
-            <a:spLocks noGrp="1" noRot="1" noChangeAspect="1" noMove="1" noResize="1" noEditPoints="1" noAdjustHandles="1" noChangeArrowheads="1" noChangeShapeType="1" noTextEdit="1"/>
-          </p:cNvSpPr>
-          <p:nvPr>
-            <p:extLst>
-              <p:ext uri="{386F3935-93C4-4BCD-93E2-E3B085C9AB24}">
-                <p16:designElem xmlns:p16="http://schemas.microsoft.com/office/powerpoint/2015/main" val="1"/>
-              </p:ext>
-            </p:extLst>
-          </p:nvPr>
-        </p:nvSpPr>
-        <p:spPr>
-          <a:xfrm flipH="1">
-            <a:off x="616533" y="1944913"/>
-            <a:ext cx="4023360" cy="27432"/>
-          </a:xfrm>
-          <a:prstGeom prst="rect">
-            <a:avLst/>
-          </a:prstGeom>
-          <a:solidFill>
-            <a:schemeClr val="accent4"/>
-          </a:solidFill>
-          <a:ln>
-            <a:noFill/>
-          </a:ln>
-        </p:spPr>
-        <p:style>
-          <a:lnRef idx="2">
-            <a:schemeClr val="accent1">
-              <a:shade val="50000"/>
-            </a:schemeClr>
-          </a:lnRef>
-          <a:fillRef idx="1">
-            <a:schemeClr val="accent1"/>
-          </a:fillRef>
-          <a:effectRef idx="0">
-            <a:schemeClr val="accent1"/>
-          </a:effectRef>
-          <a:fontRef idx="minor">
-            <a:schemeClr val="lt1"/>
-          </a:fontRef>
-        </p:style>
-        <p:txBody>
-          <a:bodyPr rtlCol="0" anchor="ctr"/>
-          <a:lstStyle/>
-          <a:p>
-            <a:pPr algn="ctr"/>
-            <a:endParaRPr lang="en-US"/>
-          </a:p>
-        </p:txBody>
-      </p:sp>
-      <p:sp>
-        <p:nvSpPr>
-          <p:cNvPr id="3" name="Content Placeholder 2">
-            <a:extLst>
-              <a:ext uri="{FF2B5EF4-FFF2-40B4-BE49-F238E27FC236}">
-                <a16:creationId xmlns:a16="http://schemas.microsoft.com/office/drawing/2014/main" id="{D1427EF2-CCF9-923C-D4FE-75FA82C87654}"/>
-              </a:ext>
-            </a:extLst>
-          </p:cNvPr>
-          <p:cNvSpPr>
-            <a:spLocks noGrp="1"/>
-          </p:cNvSpPr>
-          <p:nvPr>
-            <p:ph idx="1"/>
-          </p:nvPr>
-        </p:nvSpPr>
-        <p:spPr>
-          <a:xfrm>
-            <a:off x="645066" y="2031101"/>
-            <a:ext cx="4282984" cy="3511943"/>
-          </a:xfrm>
-        </p:spPr>
-        <p:txBody>
-          <a:bodyPr anchor="ctr">
-            <a:normAutofit lnSpcReduction="10000"/>
-          </a:bodyPr>
-          <a:lstStyle/>
-          <a:p>
-            <a:pPr>
-              <a:buFont typeface="Arial" panose="020B0604020202020204" pitchFamily="34" charset="0"/>
-              <a:buChar char="•"/>
-            </a:pPr>
-            <a:r>
-              <a:rPr lang="en-US" sz="1800" dirty="0">
-                <a:latin typeface="IBM Plex Sans" panose="020B0503050203000203" pitchFamily="34" charset="0"/>
-              </a:rPr>
-              <a:t>T</a:t>
-            </a:r>
-            <a:r>
-              <a:rPr lang="en-US" sz="1800" b="0" i="0" dirty="0">
-                <a:effectLst/>
-                <a:latin typeface="IBM Plex Sans" panose="020B0503050203000203" pitchFamily="34" charset="0"/>
-              </a:rPr>
-              <a:t>okenization, </a:t>
-            </a:r>
-          </a:p>
-          <a:p>
-            <a:r>
-              <a:rPr lang="en-US" sz="1800" dirty="0">
-                <a:latin typeface="IBM Plex Sans" panose="020B0503050203000203" pitchFamily="34" charset="0"/>
-              </a:rPr>
-              <a:t>Noise removal (s</a:t>
-            </a:r>
-            <a:r>
-              <a:rPr lang="en-US" sz="1800" b="0" i="0" dirty="0">
-                <a:effectLst/>
-                <a:latin typeface="IBM Plex Sans" panose="020B0503050203000203" pitchFamily="34" charset="0"/>
-              </a:rPr>
-              <a:t>top words, lowercasing, punctuation, </a:t>
-            </a:r>
-            <a:r>
-              <a:rPr lang="en-US" sz="1800" b="0" i="0" dirty="0" err="1">
-                <a:effectLst/>
-                <a:latin typeface="IBM Plex Sans" panose="020B0503050203000203" pitchFamily="34" charset="0"/>
-              </a:rPr>
-              <a:t>etc</a:t>
-            </a:r>
-            <a:r>
-              <a:rPr lang="en-US" sz="1800" b="0" i="0" dirty="0">
-                <a:effectLst/>
-                <a:latin typeface="IBM Plex Sans" panose="020B0503050203000203" pitchFamily="34" charset="0"/>
-              </a:rPr>
-              <a:t>) </a:t>
-            </a:r>
-          </a:p>
-          <a:p>
-            <a:pPr>
-              <a:buFont typeface="Arial" panose="020B0604020202020204" pitchFamily="34" charset="0"/>
-              <a:buChar char="•"/>
-            </a:pPr>
-            <a:r>
-              <a:rPr lang="en-US" sz="1800" b="0" i="0" dirty="0">
-                <a:effectLst/>
-                <a:latin typeface="IBM Plex Sans" panose="020B0503050203000203" pitchFamily="34" charset="0"/>
-              </a:rPr>
-              <a:t>Stemmin</a:t>
-            </a:r>
-            <a:r>
-              <a:rPr lang="en-US" sz="1800" dirty="0">
-                <a:latin typeface="IBM Plex Sans" panose="020B0503050203000203" pitchFamily="34" charset="0"/>
-              </a:rPr>
-              <a:t>g,</a:t>
-            </a:r>
-          </a:p>
-          <a:p>
-            <a:pPr>
-              <a:buFont typeface="Arial" panose="020B0604020202020204" pitchFamily="34" charset="0"/>
-              <a:buChar char="•"/>
-            </a:pPr>
-            <a:r>
-              <a:rPr lang="en-US" sz="1800" b="0" i="0" dirty="0">
-                <a:effectLst/>
-                <a:latin typeface="IBM Plex Sans" panose="020B0503050203000203" pitchFamily="34" charset="0"/>
-              </a:rPr>
-              <a:t>Lemmatization.</a:t>
-            </a:r>
-          </a:p>
-          <a:p>
-            <a:pPr marL="0" indent="0">
-              <a:buNone/>
-            </a:pPr>
-            <a:endParaRPr lang="en-US" sz="1800" dirty="0"/>
-          </a:p>
-          <a:p>
-            <a:pPr marL="0" indent="0">
-              <a:buNone/>
-            </a:pPr>
-            <a:r>
-              <a:rPr lang="en-US" sz="1800" dirty="0"/>
-              <a:t>Most important – </a:t>
-            </a:r>
-            <a:r>
-              <a:rPr lang="en-US" sz="1800" dirty="0">
-                <a:solidFill>
-                  <a:srgbClr val="0070C0"/>
-                </a:solidFill>
-              </a:rPr>
-              <a:t>tokenization</a:t>
-            </a:r>
-            <a:r>
-              <a:rPr lang="en-US" sz="1800" dirty="0"/>
-              <a:t>. </a:t>
-            </a:r>
-          </a:p>
-          <a:p>
-            <a:pPr marL="0" indent="0">
-              <a:buNone/>
-            </a:pPr>
-            <a:r>
-              <a:rPr lang="en-US" sz="1800" b="0" i="0" dirty="0">
-                <a:effectLst/>
-                <a:latin typeface="IBM Plex Sans" panose="020B0503050203000203" pitchFamily="34" charset="0"/>
-              </a:rPr>
-              <a:t>It’s the process of breaking a stream of textual data into words, terms, sentences, symbols, or some other meaningful elements called </a:t>
-            </a:r>
-            <a:r>
-              <a:rPr lang="en-US" sz="1800" b="0" i="0" dirty="0">
-                <a:solidFill>
-                  <a:srgbClr val="0070C0"/>
-                </a:solidFill>
-                <a:effectLst/>
-                <a:latin typeface="IBM Plex Sans" panose="020B0503050203000203" pitchFamily="34" charset="0"/>
-              </a:rPr>
-              <a:t>tokens</a:t>
-            </a:r>
-            <a:endParaRPr lang="en-US" sz="1800" dirty="0">
-              <a:solidFill>
-                <a:srgbClr val="0070C0"/>
-              </a:solidFill>
-            </a:endParaRPr>
-          </a:p>
-        </p:txBody>
-      </p:sp>
-      <p:sp>
-        <p:nvSpPr>
-          <p:cNvPr id="37" name="Rectangle 29">
-            <a:extLst>
-              <a:ext uri="{FF2B5EF4-FFF2-40B4-BE49-F238E27FC236}">
-                <a16:creationId xmlns:a16="http://schemas.microsoft.com/office/drawing/2014/main" id="{55222F96-971A-4F90-B841-6BAB416C7AC1}"/>
-              </a:ext>
-              <a:ext uri="{C183D7F6-B498-43B3-948B-1728B52AA6E4}">
-                <adec:decorative xmlns:adec="http://schemas.microsoft.com/office/drawing/2017/decorative" val="1"/>
-              </a:ext>
-            </a:extLst>
-          </p:cNvPr>
-          <p:cNvSpPr>
-            <a:spLocks noGrp="1" noRot="1" noChangeAspect="1" noMove="1" noResize="1" noEditPoints="1" noAdjustHandles="1" noChangeArrowheads="1" noChangeShapeType="1" noTextEdit="1"/>
-          </p:cNvSpPr>
-          <p:nvPr>
-            <p:extLst>
-              <p:ext uri="{386F3935-93C4-4BCD-93E2-E3B085C9AB24}">
-                <p16:designElem xmlns:p16="http://schemas.microsoft.com/office/powerpoint/2015/main" val="1"/>
-              </p:ext>
-            </p:extLst>
-          </p:nvPr>
-        </p:nvSpPr>
-        <p:spPr>
-          <a:xfrm rot="5400000">
-            <a:off x="-225843" y="6053360"/>
-            <a:ext cx="740664" cy="154124"/>
-          </a:xfrm>
-          <a:prstGeom prst="rect">
-            <a:avLst/>
-          </a:prstGeom>
-          <a:solidFill>
-            <a:schemeClr val="accent4"/>
-          </a:solidFill>
-          <a:ln>
-            <a:noFill/>
-          </a:ln>
-        </p:spPr>
-        <p:style>
-          <a:lnRef idx="2">
-            <a:schemeClr val="accent1">
-              <a:shade val="50000"/>
-            </a:schemeClr>
-          </a:lnRef>
-          <a:fillRef idx="1">
-            <a:schemeClr val="accent1"/>
-          </a:fillRef>
-          <a:effectRef idx="0">
-            <a:schemeClr val="accent1"/>
-          </a:effectRef>
-          <a:fontRef idx="minor">
-            <a:schemeClr val="lt1"/>
-          </a:fontRef>
-        </p:style>
-        <p:txBody>
-          <a:bodyPr rtlCol="0" anchor="ctr"/>
-          <a:lstStyle/>
-          <a:p>
-            <a:pPr algn="ctr"/>
-            <a:endParaRPr lang="en-US"/>
-          </a:p>
-        </p:txBody>
-      </p:sp>
-      <p:sp>
-        <p:nvSpPr>
-          <p:cNvPr id="38" name="Rectangle 31">
-            <a:extLst>
-              <a:ext uri="{FF2B5EF4-FFF2-40B4-BE49-F238E27FC236}">
-                <a16:creationId xmlns:a16="http://schemas.microsoft.com/office/drawing/2014/main" id="{08980754-6F4B-43C9-B9BE-127B6BED6586}"/>
-              </a:ext>
-              <a:ext uri="{C183D7F6-B498-43B3-948B-1728B52AA6E4}">
-                <adec:decorative xmlns:adec="http://schemas.microsoft.com/office/drawing/2017/decorative" val="1"/>
-              </a:ext>
-            </a:extLst>
-          </p:cNvPr>
-          <p:cNvSpPr>
-            <a:spLocks noGrp="1" noRot="1" noChangeAspect="1" noMove="1" noResize="1" noEditPoints="1" noAdjustHandles="1" noChangeArrowheads="1" noChangeShapeType="1" noTextEdit="1"/>
-          </p:cNvSpPr>
-          <p:nvPr>
-            <p:extLst>
-              <p:ext uri="{386F3935-93C4-4BCD-93E2-E3B085C9AB24}">
-                <p16:designElem xmlns:p16="http://schemas.microsoft.com/office/powerpoint/2015/main" val="1"/>
-              </p:ext>
-            </p:extLst>
-          </p:nvPr>
-        </p:nvSpPr>
-        <p:spPr>
-          <a:xfrm rot="5400000">
-            <a:off x="5904923" y="215201"/>
-            <a:ext cx="740664" cy="11833491"/>
-          </a:xfrm>
-          <a:prstGeom prst="rect">
-            <a:avLst/>
-          </a:prstGeom>
-          <a:solidFill>
-            <a:schemeClr val="accent4"/>
-          </a:solidFill>
-          <a:ln>
-            <a:noFill/>
-          </a:ln>
-        </p:spPr>
-        <p:style>
-          <a:lnRef idx="2">
-            <a:schemeClr val="accent1">
-              <a:shade val="50000"/>
-            </a:schemeClr>
-          </a:lnRef>
-          <a:fillRef idx="1">
-            <a:schemeClr val="accent1"/>
-          </a:fillRef>
-          <a:effectRef idx="0">
-            <a:schemeClr val="accent1"/>
-          </a:effectRef>
-          <a:fontRef idx="minor">
-            <a:schemeClr val="lt1"/>
-          </a:fontRef>
-        </p:style>
-        <p:txBody>
-          <a:bodyPr rtlCol="0" anchor="ctr"/>
-          <a:lstStyle/>
-          <a:p>
-            <a:pPr algn="ctr"/>
-            <a:endParaRPr lang="en-US"/>
-          </a:p>
-        </p:txBody>
-      </p:sp>
-      <p:sp>
-        <p:nvSpPr>
-          <p:cNvPr id="34" name="Rectangle 33">
-            <a:extLst>
-              <a:ext uri="{FF2B5EF4-FFF2-40B4-BE49-F238E27FC236}">
-                <a16:creationId xmlns:a16="http://schemas.microsoft.com/office/drawing/2014/main" id="{2C1BBA94-3F40-40AA-8BB9-E69E25E537C1}"/>
-              </a:ext>
-              <a:ext uri="{C183D7F6-B498-43B3-948B-1728B52AA6E4}">
-                <adec:decorative xmlns:adec="http://schemas.microsoft.com/office/drawing/2017/decorative" val="1"/>
-              </a:ext>
-            </a:extLst>
-          </p:cNvPr>
-          <p:cNvSpPr>
-            <a:spLocks noGrp="1" noRot="1" noChangeAspect="1" noMove="1" noResize="1" noEditPoints="1" noAdjustHandles="1" noChangeArrowheads="1" noChangeShapeType="1" noTextEdit="1"/>
-          </p:cNvSpPr>
-          <p:nvPr>
-            <p:extLst>
-              <p:ext uri="{386F3935-93C4-4BCD-93E2-E3B085C9AB24}">
-                <p16:designElem xmlns:p16="http://schemas.microsoft.com/office/powerpoint/2015/main" val="1"/>
-              </p:ext>
-            </p:extLst>
-          </p:nvPr>
-        </p:nvSpPr>
-        <p:spPr>
-          <a:xfrm>
-            <a:off x="5696793" y="354959"/>
-            <a:ext cx="6184973" cy="5915212"/>
-          </a:xfrm>
-          <a:prstGeom prst="rect">
-            <a:avLst/>
-          </a:prstGeom>
-          <a:solidFill>
-            <a:schemeClr val="bg1"/>
-          </a:solidFill>
-          <a:ln>
-            <a:noFill/>
-          </a:ln>
-          <a:effectLst>
-            <a:outerShdw blurRad="139700" dist="127000" dir="5400000" algn="t" rotWithShape="0">
-              <a:prstClr val="black">
-                <a:alpha val="15000"/>
-              </a:prstClr>
-            </a:outerShdw>
-          </a:effectLst>
-        </p:spPr>
-        <p:style>
-          <a:lnRef idx="2">
-            <a:schemeClr val="accent1">
-              <a:shade val="50000"/>
-            </a:schemeClr>
-          </a:lnRef>
-          <a:fillRef idx="1">
-            <a:schemeClr val="accent1"/>
-          </a:fillRef>
-          <a:effectRef idx="0">
-            <a:schemeClr val="accent1"/>
-          </a:effectRef>
-          <a:fontRef idx="minor">
-            <a:schemeClr val="lt1"/>
-          </a:fontRef>
-        </p:style>
-        <p:txBody>
-          <a:bodyPr rtlCol="0" anchor="ctr"/>
-          <a:lstStyle/>
-          <a:p>
-            <a:pPr algn="ctr"/>
-            <a:endParaRPr lang="en-US"/>
-          </a:p>
-        </p:txBody>
-      </p:sp>
-      <p:pic>
-        <p:nvPicPr>
-          <p:cNvPr id="5" name="Picture 4" descr="A diagram of a foreign language process&#10;&#10;Description automatically generated">
-            <a:extLst>
-              <a:ext uri="{FF2B5EF4-FFF2-40B4-BE49-F238E27FC236}">
-                <a16:creationId xmlns:a16="http://schemas.microsoft.com/office/drawing/2014/main" id="{8A881E2D-E05E-28B0-B1B0-43A9F9401903}"/>
-              </a:ext>
-            </a:extLst>
-          </p:cNvPr>
-          <p:cNvPicPr>
-            <a:picLocks noChangeAspect="1"/>
-          </p:cNvPicPr>
-          <p:nvPr/>
-        </p:nvPicPr>
-        <p:blipFill>
-          <a:blip r:embed="rId2"/>
-          <a:stretch>
-            <a:fillRect/>
-          </a:stretch>
-        </p:blipFill>
-        <p:spPr>
-          <a:xfrm>
-            <a:off x="5987738" y="1919631"/>
-            <a:ext cx="5628018" cy="2785868"/>
-          </a:xfrm>
-          <a:prstGeom prst="rect">
-            <a:avLst/>
-          </a:prstGeom>
-        </p:spPr>
-      </p:pic>
-      <p:pic>
-        <p:nvPicPr>
-          <p:cNvPr id="4" name="Picture 3" descr="A white snake on a green background&#10;&#10;Description automatically generated">
-            <a:extLst>
-              <a:ext uri="{FF2B5EF4-FFF2-40B4-BE49-F238E27FC236}">
-                <a16:creationId xmlns:a16="http://schemas.microsoft.com/office/drawing/2014/main" id="{0B3ACA40-D491-F61C-3297-4CDC5DE919C7}"/>
-              </a:ext>
-            </a:extLst>
-          </p:cNvPr>
-          <p:cNvPicPr>
-            <a:picLocks noChangeAspect="1"/>
-          </p:cNvPicPr>
-          <p:nvPr/>
-        </p:nvPicPr>
-        <p:blipFill>
-          <a:blip r:embed="rId3"/>
-          <a:stretch>
-            <a:fillRect/>
-          </a:stretch>
-        </p:blipFill>
-        <p:spPr>
-          <a:xfrm>
-            <a:off x="11499477" y="0"/>
-            <a:ext cx="692523" cy="692523"/>
-          </a:xfrm>
-          <a:prstGeom prst="rect">
-            <a:avLst/>
-          </a:prstGeom>
-        </p:spPr>
-      </p:pic>
-    </p:spTree>
-    <p:extLst>
-      <p:ext uri="{BB962C8B-B14F-4D97-AF65-F5344CB8AC3E}">
-        <p14:creationId xmlns:p14="http://schemas.microsoft.com/office/powerpoint/2010/main" val="1473363505"/>
-      </p:ext>
-    </p:extLst>
-  </p:cSld>
-  <p:clrMapOvr>
-    <a:masterClrMapping/>
-  </p:clrMapOvr>
-</p:sld>
-</file>
-
-<file path=ppt/slides/slide16.xml><?xml version="1.0" encoding="utf-8"?>
-<p:sld xmlns:a="http://schemas.openxmlformats.org/drawingml/2006/main" xmlns:r="http://schemas.openxmlformats.org/officeDocument/2006/relationships" xmlns:p="http://schemas.openxmlformats.org/presentationml/2006/main">
-  <p:cSld>
-    <p:bg>
-      <p:bgPr>
-        <a:solidFill>
-          <a:schemeClr val="bg1"/>
-        </a:solidFill>
-        <a:effectLst/>
-      </p:bgPr>
-    </p:bg>
-    <p:spTree>
-      <p:nvGrpSpPr>
-        <p:cNvPr id="1" name=""/>
-        <p:cNvGrpSpPr/>
-        <p:nvPr/>
-      </p:nvGrpSpPr>
-      <p:grpSpPr>
-        <a:xfrm>
-          <a:off x="0" y="0"/>
-          <a:ext cx="0" cy="0"/>
-          <a:chOff x="0" y="0"/>
-          <a:chExt cx="0" cy="0"/>
-        </a:xfrm>
-      </p:grpSpPr>
-      <p:sp useBgFill="1">
-        <p:nvSpPr>
-          <p:cNvPr id="32" name="Rectangle 31">
-            <a:extLst>
-              <a:ext uri="{FF2B5EF4-FFF2-40B4-BE49-F238E27FC236}">
-                <a16:creationId xmlns:a16="http://schemas.microsoft.com/office/drawing/2014/main" id="{058A14AF-9FB5-4CC7-BA35-E8E85D3EDF0E}"/>
-              </a:ext>
-              <a:ext uri="{C183D7F6-B498-43B3-948B-1728B52AA6E4}">
-                <adec:decorative xmlns:adec="http://schemas.microsoft.com/office/drawing/2017/decorative" val="1"/>
-              </a:ext>
-            </a:extLst>
-          </p:cNvPr>
-          <p:cNvSpPr>
-            <a:spLocks noGrp="1" noRot="1" noChangeAspect="1" noMove="1" noResize="1" noEditPoints="1" noAdjustHandles="1" noChangeArrowheads="1" noChangeShapeType="1" noTextEdit="1"/>
-          </p:cNvSpPr>
-          <p:nvPr>
-            <p:extLst>
-              <p:ext uri="{386F3935-93C4-4BCD-93E2-E3B085C9AB24}">
-                <p16:designElem xmlns:p16="http://schemas.microsoft.com/office/powerpoint/2015/main" val="1"/>
-              </p:ext>
-            </p:extLst>
-          </p:nvPr>
-        </p:nvSpPr>
-        <p:spPr>
-          <a:xfrm>
-            <a:off x="0" y="0"/>
-            <a:ext cx="12191999" cy="6857365"/>
-          </a:xfrm>
-          <a:prstGeom prst="rect">
-            <a:avLst/>
-          </a:prstGeom>
-          <a:ln>
-            <a:noFill/>
-          </a:ln>
-        </p:spPr>
-        <p:style>
-          <a:lnRef idx="2">
-            <a:schemeClr val="accent1">
-              <a:shade val="50000"/>
-            </a:schemeClr>
-          </a:lnRef>
-          <a:fillRef idx="1">
-            <a:schemeClr val="accent1"/>
-          </a:fillRef>
-          <a:effectRef idx="0">
-            <a:schemeClr val="accent1"/>
-          </a:effectRef>
-          <a:fontRef idx="minor">
-            <a:schemeClr val="lt1"/>
-          </a:fontRef>
-        </p:style>
-        <p:txBody>
-          <a:bodyPr rtlCol="0" anchor="ctr"/>
-          <a:lstStyle/>
-          <a:p>
-            <a:pPr algn="ctr"/>
-            <a:endParaRPr lang="en-US"/>
-          </a:p>
-        </p:txBody>
-      </p:sp>
-      <p:sp>
-        <p:nvSpPr>
-          <p:cNvPr id="2" name="Title 1">
-            <a:extLst>
-              <a:ext uri="{FF2B5EF4-FFF2-40B4-BE49-F238E27FC236}">
-                <a16:creationId xmlns:a16="http://schemas.microsoft.com/office/drawing/2014/main" id="{B787A6F9-B30A-33FD-E99A-08849E472CC7}"/>
-              </a:ext>
-            </a:extLst>
-          </p:cNvPr>
-          <p:cNvSpPr>
-            <a:spLocks noGrp="1"/>
-          </p:cNvSpPr>
-          <p:nvPr>
-            <p:ph type="title"/>
-          </p:nvPr>
-        </p:nvSpPr>
-        <p:spPr>
-          <a:xfrm>
-            <a:off x="793662" y="386930"/>
-            <a:ext cx="10066122" cy="1298448"/>
-          </a:xfrm>
-        </p:spPr>
-        <p:txBody>
-          <a:bodyPr anchor="b">
-            <a:normAutofit/>
-          </a:bodyPr>
-          <a:lstStyle/>
-          <a:p>
-            <a:r>
-              <a:rPr lang="en-US" sz="4800"/>
-              <a:t>Stop words</a:t>
-            </a:r>
-          </a:p>
-        </p:txBody>
-      </p:sp>
-      <p:sp>
-        <p:nvSpPr>
-          <p:cNvPr id="34" name="Rectangle 33">
-            <a:extLst>
-              <a:ext uri="{FF2B5EF4-FFF2-40B4-BE49-F238E27FC236}">
-                <a16:creationId xmlns:a16="http://schemas.microsoft.com/office/drawing/2014/main" id="{3A9A4357-BD1D-4622-A4FE-766E6AB8DE84}"/>
-              </a:ext>
-              <a:ext uri="{C183D7F6-B498-43B3-948B-1728B52AA6E4}">
-                <adec:decorative xmlns:adec="http://schemas.microsoft.com/office/drawing/2017/decorative" val="1"/>
-              </a:ext>
-            </a:extLst>
-          </p:cNvPr>
-          <p:cNvSpPr>
-            <a:spLocks noGrp="1" noRot="1" noChangeAspect="1" noMove="1" noResize="1" noEditPoints="1" noAdjustHandles="1" noChangeArrowheads="1" noChangeShapeType="1" noTextEdit="1"/>
-          </p:cNvSpPr>
-          <p:nvPr>
-            <p:extLst>
-              <p:ext uri="{386F3935-93C4-4BCD-93E2-E3B085C9AB24}">
-                <p16:designElem xmlns:p16="http://schemas.microsoft.com/office/powerpoint/2015/main" val="1"/>
-              </p:ext>
-            </p:extLst>
-          </p:nvPr>
-        </p:nvSpPr>
-        <p:spPr>
-          <a:xfrm flipH="1" flipV="1">
-            <a:off x="-2" y="1998845"/>
-            <a:ext cx="11454595" cy="781699"/>
-          </a:xfrm>
-          <a:prstGeom prst="rect">
-            <a:avLst/>
-          </a:prstGeom>
-          <a:solidFill>
-            <a:schemeClr val="accent4"/>
-          </a:solidFill>
-          <a:ln>
-            <a:noFill/>
-          </a:ln>
-        </p:spPr>
-        <p:style>
-          <a:lnRef idx="2">
-            <a:schemeClr val="accent1">
-              <a:shade val="50000"/>
-            </a:schemeClr>
-          </a:lnRef>
-          <a:fillRef idx="1">
-            <a:schemeClr val="accent1"/>
-          </a:fillRef>
-          <a:effectRef idx="0">
-            <a:schemeClr val="accent1"/>
-          </a:effectRef>
-          <a:fontRef idx="minor">
-            <a:schemeClr val="lt1"/>
-          </a:fontRef>
-        </p:style>
-        <p:txBody>
-          <a:bodyPr rtlCol="0" anchor="ctr"/>
-          <a:lstStyle/>
-          <a:p>
-            <a:pPr algn="ctr"/>
-            <a:endParaRPr lang="en-US"/>
-          </a:p>
-        </p:txBody>
-      </p:sp>
-      <p:sp>
-        <p:nvSpPr>
-          <p:cNvPr id="36" name="Rectangle 35">
-            <a:extLst>
-              <a:ext uri="{FF2B5EF4-FFF2-40B4-BE49-F238E27FC236}">
-                <a16:creationId xmlns:a16="http://schemas.microsoft.com/office/drawing/2014/main" id="{E659831F-0D9A-4C63-9EBB-8435B85A440F}"/>
-              </a:ext>
-              <a:ext uri="{C183D7F6-B498-43B3-948B-1728B52AA6E4}">
-                <adec:decorative xmlns:adec="http://schemas.microsoft.com/office/drawing/2017/decorative" val="1"/>
-              </a:ext>
-            </a:extLst>
-          </p:cNvPr>
-          <p:cNvSpPr>
-            <a:spLocks noGrp="1" noRot="1" noChangeAspect="1" noMove="1" noResize="1" noEditPoints="1" noAdjustHandles="1" noChangeArrowheads="1" noChangeShapeType="1" noTextEdit="1"/>
-          </p:cNvSpPr>
-          <p:nvPr>
-            <p:extLst>
-              <p:ext uri="{386F3935-93C4-4BCD-93E2-E3B085C9AB24}">
-                <p16:designElem xmlns:p16="http://schemas.microsoft.com/office/powerpoint/2015/main" val="1"/>
-              </p:ext>
-            </p:extLst>
-          </p:nvPr>
-        </p:nvSpPr>
-        <p:spPr>
-          <a:xfrm>
-            <a:off x="0" y="2203079"/>
-            <a:ext cx="11383362" cy="4267991"/>
-          </a:xfrm>
-          <a:prstGeom prst="rect">
-            <a:avLst/>
-          </a:prstGeom>
-          <a:solidFill>
-            <a:schemeClr val="bg1"/>
-          </a:solidFill>
-          <a:ln>
-            <a:noFill/>
-          </a:ln>
-          <a:effectLst>
-            <a:outerShdw blurRad="139700" dist="127000" dir="5400000" algn="t" rotWithShape="0">
-              <a:prstClr val="black">
-                <a:alpha val="15000"/>
-              </a:prstClr>
-            </a:outerShdw>
-          </a:effectLst>
-        </p:spPr>
-        <p:style>
-          <a:lnRef idx="2">
-            <a:schemeClr val="accent1">
-              <a:shade val="50000"/>
-            </a:schemeClr>
-          </a:lnRef>
-          <a:fillRef idx="1">
-            <a:schemeClr val="accent1"/>
-          </a:fillRef>
-          <a:effectRef idx="0">
-            <a:schemeClr val="accent1"/>
-          </a:effectRef>
-          <a:fontRef idx="minor">
-            <a:schemeClr val="lt1"/>
-          </a:fontRef>
-        </p:style>
-        <p:txBody>
-          <a:bodyPr rtlCol="0" anchor="ctr"/>
-          <a:lstStyle/>
-          <a:p>
-            <a:pPr algn="ctr"/>
-            <a:endParaRPr lang="en-US"/>
-          </a:p>
-        </p:txBody>
-      </p:sp>
-      <p:sp>
-        <p:nvSpPr>
-          <p:cNvPr id="3" name="Content Placeholder 2">
-            <a:extLst>
-              <a:ext uri="{FF2B5EF4-FFF2-40B4-BE49-F238E27FC236}">
-                <a16:creationId xmlns:a16="http://schemas.microsoft.com/office/drawing/2014/main" id="{F791CCFE-CC57-3322-B6CA-18C4AFB5062B}"/>
-              </a:ext>
-            </a:extLst>
-          </p:cNvPr>
-          <p:cNvSpPr>
-            <a:spLocks noGrp="1"/>
-          </p:cNvSpPr>
-          <p:nvPr>
-            <p:ph idx="1"/>
-          </p:nvPr>
-        </p:nvSpPr>
-        <p:spPr>
-          <a:xfrm>
-            <a:off x="793661" y="2599509"/>
-            <a:ext cx="4530898" cy="3639450"/>
-          </a:xfrm>
-        </p:spPr>
-        <p:txBody>
-          <a:bodyPr anchor="ctr">
-            <a:normAutofit/>
-          </a:bodyPr>
-          <a:lstStyle/>
-          <a:p>
-            <a:r>
-              <a:rPr lang="en-US" sz="1900"/>
-              <a:t>Stop words are words that are thrown out of the text during text processing. When we apply machine learning to texts, such words can add a lot of noise, so it is necessary to get rid of irrelevant words.</a:t>
-            </a:r>
-          </a:p>
-          <a:p>
-            <a:r>
-              <a:rPr lang="en-US" sz="1900"/>
-              <a:t>Stop words are usually articles, interjections, conjunctions, etc., which do not carry a semantic meaning. </a:t>
-            </a:r>
-          </a:p>
-          <a:p>
-            <a:r>
-              <a:rPr lang="en-US" sz="1900"/>
-              <a:t>At the same time, one must understand that there is no universal list of stop words, everything depends on the specific case.</a:t>
-            </a:r>
-          </a:p>
-        </p:txBody>
-      </p:sp>
-      <p:pic>
-        <p:nvPicPr>
-          <p:cNvPr id="5" name="Picture 4" descr="A diagram of a twinkling night&#10;&#10;Description automatically generated">
-            <a:extLst>
-              <a:ext uri="{FF2B5EF4-FFF2-40B4-BE49-F238E27FC236}">
-                <a16:creationId xmlns:a16="http://schemas.microsoft.com/office/drawing/2014/main" id="{24E6960B-1351-7092-56E1-41009949DD02}"/>
-              </a:ext>
-            </a:extLst>
-          </p:cNvPr>
-          <p:cNvPicPr>
-            <a:picLocks noChangeAspect="1"/>
-          </p:cNvPicPr>
-          <p:nvPr/>
-        </p:nvPicPr>
-        <p:blipFill>
-          <a:blip r:embed="rId2"/>
-          <a:stretch>
-            <a:fillRect/>
-          </a:stretch>
-        </p:blipFill>
-        <p:spPr>
-          <a:xfrm>
-            <a:off x="5911532" y="3407890"/>
-            <a:ext cx="5150277" cy="1866974"/>
-          </a:xfrm>
-          <a:prstGeom prst="rect">
-            <a:avLst/>
-          </a:prstGeom>
-        </p:spPr>
-      </p:pic>
-      <p:sp>
-        <p:nvSpPr>
-          <p:cNvPr id="38" name="Rectangle 37">
-            <a:extLst>
-              <a:ext uri="{FF2B5EF4-FFF2-40B4-BE49-F238E27FC236}">
-                <a16:creationId xmlns:a16="http://schemas.microsoft.com/office/drawing/2014/main" id="{E6995CE5-F890-4ABA-82A2-26507CE8D2A3}"/>
-              </a:ext>
-              <a:ext uri="{C183D7F6-B498-43B3-948B-1728B52AA6E4}">
-                <adec:decorative xmlns:adec="http://schemas.microsoft.com/office/drawing/2017/decorative" val="1"/>
-              </a:ext>
-            </a:extLst>
-          </p:cNvPr>
-          <p:cNvSpPr>
-            <a:spLocks noGrp="1" noRot="1" noChangeAspect="1" noMove="1" noResize="1" noEditPoints="1" noAdjustHandles="1" noChangeArrowheads="1" noChangeShapeType="1" noTextEdit="1"/>
-          </p:cNvSpPr>
-          <p:nvPr>
-            <p:extLst>
-              <p:ext uri="{386F3935-93C4-4BCD-93E2-E3B085C9AB24}">
-                <p16:designElem xmlns:p16="http://schemas.microsoft.com/office/powerpoint/2015/main" val="1"/>
-              </p:ext>
-            </p:extLst>
-          </p:nvPr>
-        </p:nvSpPr>
-        <p:spPr>
-          <a:xfrm rot="5400000">
-            <a:off x="11228040" y="2313027"/>
-            <a:ext cx="781700" cy="152382"/>
-          </a:xfrm>
-          <a:prstGeom prst="rect">
-            <a:avLst/>
-          </a:prstGeom>
-          <a:solidFill>
-            <a:schemeClr val="accent4"/>
-          </a:solidFill>
-          <a:ln>
-            <a:noFill/>
-          </a:ln>
-        </p:spPr>
-        <p:style>
-          <a:lnRef idx="2">
-            <a:schemeClr val="accent1">
-              <a:shade val="50000"/>
-            </a:schemeClr>
-          </a:lnRef>
-          <a:fillRef idx="1">
-            <a:schemeClr val="accent1"/>
-          </a:fillRef>
-          <a:effectRef idx="0">
-            <a:schemeClr val="accent1"/>
-          </a:effectRef>
-          <a:fontRef idx="minor">
-            <a:schemeClr val="lt1"/>
-          </a:fontRef>
-        </p:style>
-        <p:txBody>
-          <a:bodyPr rtlCol="0" anchor="ctr"/>
-          <a:lstStyle/>
-          <a:p>
-            <a:pPr algn="ctr"/>
-            <a:endParaRPr lang="en-US"/>
-          </a:p>
-        </p:txBody>
-      </p:sp>
-    </p:spTree>
-    <p:extLst>
-      <p:ext uri="{BB962C8B-B14F-4D97-AF65-F5344CB8AC3E}">
-        <p14:creationId xmlns:p14="http://schemas.microsoft.com/office/powerpoint/2010/main" val="1988332757"/>
-      </p:ext>
-    </p:extLst>
-  </p:cSld>
-  <p:clrMapOvr>
-    <a:masterClrMapping/>
-  </p:clrMapOvr>
-</p:sld>
-</file>
-
 <file path=ppt/slides/slide17.xml><?xml version="1.0" encoding="utf-8"?>
 <p:sld xmlns:a="http://schemas.openxmlformats.org/drawingml/2006/main" xmlns:r="http://schemas.openxmlformats.org/officeDocument/2006/relationships" xmlns:p="http://schemas.openxmlformats.org/presentationml/2006/main">
   <p:cSld>
@@ -7932,10 +7308,10 @@
       </p:grpSpPr>
       <p:sp useBgFill="1">
         <p:nvSpPr>
-          <p:cNvPr id="37" name="Rectangle 36">
-            <a:extLst>
-              <a:ext uri="{FF2B5EF4-FFF2-40B4-BE49-F238E27FC236}">
-                <a16:creationId xmlns:a16="http://schemas.microsoft.com/office/drawing/2014/main" id="{058A14AF-9FB5-4CC7-BA35-E8E85D3EDF0E}"/>
+          <p:cNvPr id="35" name="Rectangle 25">
+            <a:extLst>
+              <a:ext uri="{FF2B5EF4-FFF2-40B4-BE49-F238E27FC236}">
+                <a16:creationId xmlns:a16="http://schemas.microsoft.com/office/drawing/2014/main" id="{DBC6133C-0615-4CE4-9132-37E609A9BDFA}"/>
               </a:ext>
               <a:ext uri="{C183D7F6-B498-43B3-948B-1728B52AA6E4}">
                 <adec:decorative xmlns:adec="http://schemas.microsoft.com/office/drawing/2017/decorative" val="1"/>
@@ -7995,7 +7371,7 @@
           <p:cNvPr id="2" name="Title 1">
             <a:extLst>
               <a:ext uri="{FF2B5EF4-FFF2-40B4-BE49-F238E27FC236}">
-                <a16:creationId xmlns:a16="http://schemas.microsoft.com/office/drawing/2014/main" id="{8C08CD1F-889E-6763-4E6E-6E3A041C6575}"/>
+                <a16:creationId xmlns:a16="http://schemas.microsoft.com/office/drawing/2014/main" id="{65489DE3-9517-D3A7-4BAC-72DCBE10542F}"/>
               </a:ext>
             </a:extLst>
           </p:cNvPr>
@@ -8008,8 +7384,8 @@
         </p:nvSpPr>
         <p:spPr>
           <a:xfrm>
-            <a:off x="793662" y="386930"/>
-            <a:ext cx="10066122" cy="1298448"/>
+            <a:off x="645064" y="525982"/>
+            <a:ext cx="4282983" cy="1200361"/>
           </a:xfrm>
         </p:spPr>
         <p:txBody>
@@ -8019,18 +7395,18 @@
           <a:lstStyle/>
           <a:p>
             <a:r>
-              <a:rPr lang="en-US" sz="4800"/>
-              <a:t>Word normalization</a:t>
-            </a:r>
-          </a:p>
-        </p:txBody>
-      </p:sp>
-      <p:sp>
-        <p:nvSpPr>
-          <p:cNvPr id="39" name="Rectangle 38">
-            <a:extLst>
-              <a:ext uri="{FF2B5EF4-FFF2-40B4-BE49-F238E27FC236}">
-                <a16:creationId xmlns:a16="http://schemas.microsoft.com/office/drawing/2014/main" id="{3A9A4357-BD1D-4622-A4FE-766E6AB8DE84}"/>
+              <a:rPr lang="en-US" sz="3600"/>
+              <a:t>Types of text preprocessing</a:t>
+            </a:r>
+          </a:p>
+        </p:txBody>
+      </p:sp>
+      <p:sp>
+        <p:nvSpPr>
+          <p:cNvPr id="36" name="Rectangle 27">
+            <a:extLst>
+              <a:ext uri="{FF2B5EF4-FFF2-40B4-BE49-F238E27FC236}">
+                <a16:creationId xmlns:a16="http://schemas.microsoft.com/office/drawing/2014/main" id="{169CC832-2974-4E8D-90ED-3E2941BA7336}"/>
               </a:ext>
               <a:ext uri="{C183D7F6-B498-43B3-948B-1728B52AA6E4}">
                 <adec:decorative xmlns:adec="http://schemas.microsoft.com/office/drawing/2017/decorative" val="1"/>
@@ -8049,9 +7425,9 @@
           </p:nvPr>
         </p:nvSpPr>
         <p:spPr>
-          <a:xfrm flipH="1" flipV="1">
-            <a:off x="-2" y="1998845"/>
-            <a:ext cx="11454595" cy="781699"/>
+          <a:xfrm flipH="1">
+            <a:off x="616533" y="1944913"/>
+            <a:ext cx="4023360" cy="27432"/>
           </a:xfrm>
           <a:prstGeom prst="rect">
             <a:avLst/>
@@ -8090,10 +7466,173 @@
       </p:sp>
       <p:sp>
         <p:nvSpPr>
-          <p:cNvPr id="41" name="Rectangle 40">
-            <a:extLst>
-              <a:ext uri="{FF2B5EF4-FFF2-40B4-BE49-F238E27FC236}">
-                <a16:creationId xmlns:a16="http://schemas.microsoft.com/office/drawing/2014/main" id="{E659831F-0D9A-4C63-9EBB-8435B85A440F}"/>
+          <p:cNvPr id="3" name="Content Placeholder 2">
+            <a:extLst>
+              <a:ext uri="{FF2B5EF4-FFF2-40B4-BE49-F238E27FC236}">
+                <a16:creationId xmlns:a16="http://schemas.microsoft.com/office/drawing/2014/main" id="{D1427EF2-CCF9-923C-D4FE-75FA82C87654}"/>
+              </a:ext>
+            </a:extLst>
+          </p:cNvPr>
+          <p:cNvSpPr>
+            <a:spLocks noGrp="1"/>
+          </p:cNvSpPr>
+          <p:nvPr>
+            <p:ph idx="1"/>
+          </p:nvPr>
+        </p:nvSpPr>
+        <p:spPr>
+          <a:xfrm>
+            <a:off x="645066" y="2031101"/>
+            <a:ext cx="4282984" cy="3511943"/>
+          </a:xfrm>
+        </p:spPr>
+        <p:txBody>
+          <a:bodyPr anchor="ctr">
+            <a:normAutofit lnSpcReduction="10000"/>
+          </a:bodyPr>
+          <a:lstStyle/>
+          <a:p>
+            <a:pPr>
+              <a:buFont typeface="Arial" panose="020B0604020202020204" pitchFamily="34" charset="0"/>
+              <a:buChar char="•"/>
+            </a:pPr>
+            <a:r>
+              <a:rPr lang="en-US" sz="1800" dirty="0">
+                <a:latin typeface="IBM Plex Sans" panose="020B0503050203000203" pitchFamily="34" charset="0"/>
+              </a:rPr>
+              <a:t>T</a:t>
+            </a:r>
+            <a:r>
+              <a:rPr lang="en-US" sz="1800" b="0" i="0" dirty="0">
+                <a:effectLst/>
+                <a:latin typeface="IBM Plex Sans" panose="020B0503050203000203" pitchFamily="34" charset="0"/>
+              </a:rPr>
+              <a:t>okenization, </a:t>
+            </a:r>
+          </a:p>
+          <a:p>
+            <a:r>
+              <a:rPr lang="en-US" sz="1800" dirty="0">
+                <a:latin typeface="IBM Plex Sans" panose="020B0503050203000203" pitchFamily="34" charset="0"/>
+              </a:rPr>
+              <a:t>Noise removal (s</a:t>
+            </a:r>
+            <a:r>
+              <a:rPr lang="en-US" sz="1800" b="0" i="0" dirty="0">
+                <a:effectLst/>
+                <a:latin typeface="IBM Plex Sans" panose="020B0503050203000203" pitchFamily="34" charset="0"/>
+              </a:rPr>
+              <a:t>top words, lowercasing, punctuation, </a:t>
+            </a:r>
+            <a:r>
+              <a:rPr lang="en-US" sz="1800" b="0" i="0" dirty="0" err="1">
+                <a:effectLst/>
+                <a:latin typeface="IBM Plex Sans" panose="020B0503050203000203" pitchFamily="34" charset="0"/>
+              </a:rPr>
+              <a:t>etc</a:t>
+            </a:r>
+            <a:r>
+              <a:rPr lang="en-US" sz="1800" b="0" i="0" dirty="0">
+                <a:effectLst/>
+                <a:latin typeface="IBM Plex Sans" panose="020B0503050203000203" pitchFamily="34" charset="0"/>
+              </a:rPr>
+              <a:t>) </a:t>
+            </a:r>
+          </a:p>
+          <a:p>
+            <a:pPr>
+              <a:buFont typeface="Arial" panose="020B0604020202020204" pitchFamily="34" charset="0"/>
+              <a:buChar char="•"/>
+            </a:pPr>
+            <a:r>
+              <a:rPr lang="en-US" sz="1800" b="0" i="0" dirty="0">
+                <a:effectLst/>
+                <a:latin typeface="IBM Plex Sans" panose="020B0503050203000203" pitchFamily="34" charset="0"/>
+              </a:rPr>
+              <a:t>Stemmin</a:t>
+            </a:r>
+            <a:r>
+              <a:rPr lang="en-US" sz="1800" dirty="0">
+                <a:latin typeface="IBM Plex Sans" panose="020B0503050203000203" pitchFamily="34" charset="0"/>
+              </a:rPr>
+              <a:t>g,</a:t>
+            </a:r>
+          </a:p>
+          <a:p>
+            <a:pPr>
+              <a:buFont typeface="Arial" panose="020B0604020202020204" pitchFamily="34" charset="0"/>
+              <a:buChar char="•"/>
+            </a:pPr>
+            <a:r>
+              <a:rPr lang="en-US" sz="1800" b="0" i="0" dirty="0">
+                <a:effectLst/>
+                <a:latin typeface="IBM Plex Sans" panose="020B0503050203000203" pitchFamily="34" charset="0"/>
+              </a:rPr>
+              <a:t>Lemmatization.</a:t>
+            </a:r>
+          </a:p>
+          <a:p>
+            <a:pPr marL="0" indent="0">
+              <a:buNone/>
+            </a:pPr>
+            <a:endParaRPr lang="en-US" sz="1800" dirty="0"/>
+          </a:p>
+          <a:p>
+            <a:pPr marL="0" indent="0">
+              <a:buNone/>
+            </a:pPr>
+            <a:r>
+              <a:rPr lang="en-US" sz="1800" dirty="0"/>
+              <a:t>Most important – </a:t>
+            </a:r>
+            <a:r>
+              <a:rPr lang="en-US" sz="1800" dirty="0">
+                <a:solidFill>
+                  <a:srgbClr val="0070C0"/>
+                </a:solidFill>
+              </a:rPr>
+              <a:t>tokenization</a:t>
+            </a:r>
+            <a:r>
+              <a:rPr lang="en-US" sz="1800" dirty="0"/>
+              <a:t>. </a:t>
+            </a:r>
+          </a:p>
+          <a:p>
+            <a:pPr marL="0" indent="0">
+              <a:buNone/>
+            </a:pPr>
+            <a:r>
+              <a:rPr lang="en-US" sz="1800" b="0" i="0" dirty="0">
+                <a:effectLst/>
+                <a:latin typeface="IBM Plex Sans" panose="020B0503050203000203" pitchFamily="34" charset="0"/>
+              </a:rPr>
+              <a:t>It’s the process of breaking a stream of textual data into words, terms, sentences, symbols, or some other meaningful elements called </a:t>
+            </a:r>
+            <a:r>
+              <a:rPr lang="en-US" sz="1800" b="0" i="0" dirty="0">
+                <a:solidFill>
+                  <a:srgbClr val="0070C0"/>
+                </a:solidFill>
+                <a:effectLst/>
+                <a:latin typeface="IBM Plex Sans" panose="020B0503050203000203" pitchFamily="34" charset="0"/>
+              </a:rPr>
+              <a:t>tokens</a:t>
+            </a:r>
+            <a:endParaRPr lang="en-US" sz="1800" dirty="0">
+              <a:solidFill>
+                <a:srgbClr val="0070C0"/>
+              </a:solidFill>
+            </a:endParaRPr>
+          </a:p>
+        </p:txBody>
+      </p:sp>
+      <p:sp>
+        <p:nvSpPr>
+          <p:cNvPr id="37" name="Rectangle 29">
+            <a:extLst>
+              <a:ext uri="{FF2B5EF4-FFF2-40B4-BE49-F238E27FC236}">
+                <a16:creationId xmlns:a16="http://schemas.microsoft.com/office/drawing/2014/main" id="{55222F96-971A-4F90-B841-6BAB416C7AC1}"/>
               </a:ext>
               <a:ext uri="{C183D7F6-B498-43B3-948B-1728B52AA6E4}">
                 <adec:decorative xmlns:adec="http://schemas.microsoft.com/office/drawing/2017/decorative" val="1"/>
@@ -8112,9 +7651,135 @@
           </p:nvPr>
         </p:nvSpPr>
         <p:spPr>
-          <a:xfrm>
-            <a:off x="0" y="2203079"/>
-            <a:ext cx="11383362" cy="4267991"/>
+          <a:xfrm rot="5400000">
+            <a:off x="-225843" y="6053360"/>
+            <a:ext cx="740664" cy="154124"/>
+          </a:xfrm>
+          <a:prstGeom prst="rect">
+            <a:avLst/>
+          </a:prstGeom>
+          <a:solidFill>
+            <a:schemeClr val="accent4"/>
+          </a:solidFill>
+          <a:ln>
+            <a:noFill/>
+          </a:ln>
+        </p:spPr>
+        <p:style>
+          <a:lnRef idx="2">
+            <a:schemeClr val="accent1">
+              <a:shade val="50000"/>
+            </a:schemeClr>
+          </a:lnRef>
+          <a:fillRef idx="1">
+            <a:schemeClr val="accent1"/>
+          </a:fillRef>
+          <a:effectRef idx="0">
+            <a:schemeClr val="accent1"/>
+          </a:effectRef>
+          <a:fontRef idx="minor">
+            <a:schemeClr val="lt1"/>
+          </a:fontRef>
+        </p:style>
+        <p:txBody>
+          <a:bodyPr rtlCol="0" anchor="ctr"/>
+          <a:lstStyle/>
+          <a:p>
+            <a:pPr algn="ctr"/>
+            <a:endParaRPr lang="en-US"/>
+          </a:p>
+        </p:txBody>
+      </p:sp>
+      <p:sp>
+        <p:nvSpPr>
+          <p:cNvPr id="38" name="Rectangle 31">
+            <a:extLst>
+              <a:ext uri="{FF2B5EF4-FFF2-40B4-BE49-F238E27FC236}">
+                <a16:creationId xmlns:a16="http://schemas.microsoft.com/office/drawing/2014/main" id="{08980754-6F4B-43C9-B9BE-127B6BED6586}"/>
+              </a:ext>
+              <a:ext uri="{C183D7F6-B498-43B3-948B-1728B52AA6E4}">
+                <adec:decorative xmlns:adec="http://schemas.microsoft.com/office/drawing/2017/decorative" val="1"/>
+              </a:ext>
+            </a:extLst>
+          </p:cNvPr>
+          <p:cNvSpPr>
+            <a:spLocks noGrp="1" noRot="1" noChangeAspect="1" noMove="1" noResize="1" noEditPoints="1" noAdjustHandles="1" noChangeArrowheads="1" noChangeShapeType="1" noTextEdit="1"/>
+          </p:cNvSpPr>
+          <p:nvPr>
+            <p:extLst>
+              <p:ext uri="{386F3935-93C4-4BCD-93E2-E3B085C9AB24}">
+                <p16:designElem xmlns:p16="http://schemas.microsoft.com/office/powerpoint/2015/main" val="1"/>
+              </p:ext>
+            </p:extLst>
+          </p:nvPr>
+        </p:nvSpPr>
+        <p:spPr>
+          <a:xfrm rot="5400000">
+            <a:off x="5904923" y="215201"/>
+            <a:ext cx="740664" cy="11833491"/>
+          </a:xfrm>
+          <a:prstGeom prst="rect">
+            <a:avLst/>
+          </a:prstGeom>
+          <a:solidFill>
+            <a:schemeClr val="accent4"/>
+          </a:solidFill>
+          <a:ln>
+            <a:noFill/>
+          </a:ln>
+        </p:spPr>
+        <p:style>
+          <a:lnRef idx="2">
+            <a:schemeClr val="accent1">
+              <a:shade val="50000"/>
+            </a:schemeClr>
+          </a:lnRef>
+          <a:fillRef idx="1">
+            <a:schemeClr val="accent1"/>
+          </a:fillRef>
+          <a:effectRef idx="0">
+            <a:schemeClr val="accent1"/>
+          </a:effectRef>
+          <a:fontRef idx="minor">
+            <a:schemeClr val="lt1"/>
+          </a:fontRef>
+        </p:style>
+        <p:txBody>
+          <a:bodyPr rtlCol="0" anchor="ctr"/>
+          <a:lstStyle/>
+          <a:p>
+            <a:pPr algn="ctr"/>
+            <a:endParaRPr lang="en-US"/>
+          </a:p>
+        </p:txBody>
+      </p:sp>
+      <p:sp>
+        <p:nvSpPr>
+          <p:cNvPr id="34" name="Rectangle 33">
+            <a:extLst>
+              <a:ext uri="{FF2B5EF4-FFF2-40B4-BE49-F238E27FC236}">
+                <a16:creationId xmlns:a16="http://schemas.microsoft.com/office/drawing/2014/main" id="{2C1BBA94-3F40-40AA-8BB9-E69E25E537C1}"/>
+              </a:ext>
+              <a:ext uri="{C183D7F6-B498-43B3-948B-1728B52AA6E4}">
+                <adec:decorative xmlns:adec="http://schemas.microsoft.com/office/drawing/2017/decorative" val="1"/>
+              </a:ext>
+            </a:extLst>
+          </p:cNvPr>
+          <p:cNvSpPr>
+            <a:spLocks noGrp="1" noRot="1" noChangeAspect="1" noMove="1" noResize="1" noEditPoints="1" noAdjustHandles="1" noChangeArrowheads="1" noChangeShapeType="1" noTextEdit="1"/>
+          </p:cNvSpPr>
+          <p:nvPr>
+            <p:extLst>
+              <p:ext uri="{386F3935-93C4-4BCD-93E2-E3B085C9AB24}">
+                <p16:designElem xmlns:p16="http://schemas.microsoft.com/office/powerpoint/2015/main" val="1"/>
+              </p:ext>
+            </p:extLst>
+          </p:nvPr>
+        </p:nvSpPr>
+        <p:spPr>
+          <a:xfrm>
+            <a:off x="5696793" y="354959"/>
+            <a:ext cx="6184973" cy="5915212"/>
           </a:xfrm>
           <a:prstGeom prst="rect">
             <a:avLst/>
@@ -8158,6 +7823,768 @@
           </a:p>
         </p:txBody>
       </p:sp>
+      <p:pic>
+        <p:nvPicPr>
+          <p:cNvPr id="5" name="Picture 4" descr="A diagram of a foreign language process&#10;&#10;Description automatically generated">
+            <a:extLst>
+              <a:ext uri="{FF2B5EF4-FFF2-40B4-BE49-F238E27FC236}">
+                <a16:creationId xmlns:a16="http://schemas.microsoft.com/office/drawing/2014/main" id="{8A881E2D-E05E-28B0-B1B0-43A9F9401903}"/>
+              </a:ext>
+            </a:extLst>
+          </p:cNvPr>
+          <p:cNvPicPr>
+            <a:picLocks noChangeAspect="1"/>
+          </p:cNvPicPr>
+          <p:nvPr/>
+        </p:nvPicPr>
+        <p:blipFill>
+          <a:blip r:embed="rId2"/>
+          <a:stretch>
+            <a:fillRect/>
+          </a:stretch>
+        </p:blipFill>
+        <p:spPr>
+          <a:xfrm>
+            <a:off x="5987738" y="1919631"/>
+            <a:ext cx="5628018" cy="2785868"/>
+          </a:xfrm>
+          <a:prstGeom prst="rect">
+            <a:avLst/>
+          </a:prstGeom>
+        </p:spPr>
+      </p:pic>
+      <p:pic>
+        <p:nvPicPr>
+          <p:cNvPr id="4" name="Picture 3" descr="A white snake on a green background&#10;&#10;Description automatically generated">
+            <a:extLst>
+              <a:ext uri="{FF2B5EF4-FFF2-40B4-BE49-F238E27FC236}">
+                <a16:creationId xmlns:a16="http://schemas.microsoft.com/office/drawing/2014/main" id="{0B3ACA40-D491-F61C-3297-4CDC5DE919C7}"/>
+              </a:ext>
+            </a:extLst>
+          </p:cNvPr>
+          <p:cNvPicPr>
+            <a:picLocks noChangeAspect="1"/>
+          </p:cNvPicPr>
+          <p:nvPr/>
+        </p:nvPicPr>
+        <p:blipFill>
+          <a:blip r:embed="rId3"/>
+          <a:stretch>
+            <a:fillRect/>
+          </a:stretch>
+        </p:blipFill>
+        <p:spPr>
+          <a:xfrm>
+            <a:off x="11499477" y="0"/>
+            <a:ext cx="692523" cy="692523"/>
+          </a:xfrm>
+          <a:prstGeom prst="rect">
+            <a:avLst/>
+          </a:prstGeom>
+        </p:spPr>
+      </p:pic>
+    </p:spTree>
+    <p:extLst>
+      <p:ext uri="{BB962C8B-B14F-4D97-AF65-F5344CB8AC3E}">
+        <p14:creationId xmlns:p14="http://schemas.microsoft.com/office/powerpoint/2010/main" val="1473363505"/>
+      </p:ext>
+    </p:extLst>
+  </p:cSld>
+  <p:clrMapOvr>
+    <a:masterClrMapping/>
+  </p:clrMapOvr>
+</p:sld>
+</file>
+
+<file path=ppt/slides/slide18.xml><?xml version="1.0" encoding="utf-8"?>
+<p:sld xmlns:a="http://schemas.openxmlformats.org/drawingml/2006/main" xmlns:r="http://schemas.openxmlformats.org/officeDocument/2006/relationships" xmlns:p="http://schemas.openxmlformats.org/presentationml/2006/main">
+  <p:cSld>
+    <p:bg>
+      <p:bgPr>
+        <a:solidFill>
+          <a:schemeClr val="bg1"/>
+        </a:solidFill>
+        <a:effectLst/>
+      </p:bgPr>
+    </p:bg>
+    <p:spTree>
+      <p:nvGrpSpPr>
+        <p:cNvPr id="1" name=""/>
+        <p:cNvGrpSpPr/>
+        <p:nvPr/>
+      </p:nvGrpSpPr>
+      <p:grpSpPr>
+        <a:xfrm>
+          <a:off x="0" y="0"/>
+          <a:ext cx="0" cy="0"/>
+          <a:chOff x="0" y="0"/>
+          <a:chExt cx="0" cy="0"/>
+        </a:xfrm>
+      </p:grpSpPr>
+      <p:sp useBgFill="1">
+        <p:nvSpPr>
+          <p:cNvPr id="32" name="Rectangle 31">
+            <a:extLst>
+              <a:ext uri="{FF2B5EF4-FFF2-40B4-BE49-F238E27FC236}">
+                <a16:creationId xmlns:a16="http://schemas.microsoft.com/office/drawing/2014/main" id="{058A14AF-9FB5-4CC7-BA35-E8E85D3EDF0E}"/>
+              </a:ext>
+              <a:ext uri="{C183D7F6-B498-43B3-948B-1728B52AA6E4}">
+                <adec:decorative xmlns:adec="http://schemas.microsoft.com/office/drawing/2017/decorative" val="1"/>
+              </a:ext>
+            </a:extLst>
+          </p:cNvPr>
+          <p:cNvSpPr>
+            <a:spLocks noGrp="1" noRot="1" noChangeAspect="1" noMove="1" noResize="1" noEditPoints="1" noAdjustHandles="1" noChangeArrowheads="1" noChangeShapeType="1" noTextEdit="1"/>
+          </p:cNvSpPr>
+          <p:nvPr>
+            <p:extLst>
+              <p:ext uri="{386F3935-93C4-4BCD-93E2-E3B085C9AB24}">
+                <p16:designElem xmlns:p16="http://schemas.microsoft.com/office/powerpoint/2015/main" val="1"/>
+              </p:ext>
+            </p:extLst>
+          </p:nvPr>
+        </p:nvSpPr>
+        <p:spPr>
+          <a:xfrm>
+            <a:off x="0" y="0"/>
+            <a:ext cx="12191999" cy="6857365"/>
+          </a:xfrm>
+          <a:prstGeom prst="rect">
+            <a:avLst/>
+          </a:prstGeom>
+          <a:ln>
+            <a:noFill/>
+          </a:ln>
+        </p:spPr>
+        <p:style>
+          <a:lnRef idx="2">
+            <a:schemeClr val="accent1">
+              <a:shade val="50000"/>
+            </a:schemeClr>
+          </a:lnRef>
+          <a:fillRef idx="1">
+            <a:schemeClr val="accent1"/>
+          </a:fillRef>
+          <a:effectRef idx="0">
+            <a:schemeClr val="accent1"/>
+          </a:effectRef>
+          <a:fontRef idx="minor">
+            <a:schemeClr val="lt1"/>
+          </a:fontRef>
+        </p:style>
+        <p:txBody>
+          <a:bodyPr rtlCol="0" anchor="ctr"/>
+          <a:lstStyle/>
+          <a:p>
+            <a:pPr algn="ctr"/>
+            <a:endParaRPr lang="en-US"/>
+          </a:p>
+        </p:txBody>
+      </p:sp>
+      <p:sp>
+        <p:nvSpPr>
+          <p:cNvPr id="2" name="Title 1">
+            <a:extLst>
+              <a:ext uri="{FF2B5EF4-FFF2-40B4-BE49-F238E27FC236}">
+                <a16:creationId xmlns:a16="http://schemas.microsoft.com/office/drawing/2014/main" id="{B787A6F9-B30A-33FD-E99A-08849E472CC7}"/>
+              </a:ext>
+            </a:extLst>
+          </p:cNvPr>
+          <p:cNvSpPr>
+            <a:spLocks noGrp="1"/>
+          </p:cNvSpPr>
+          <p:nvPr>
+            <p:ph type="title"/>
+          </p:nvPr>
+        </p:nvSpPr>
+        <p:spPr>
+          <a:xfrm>
+            <a:off x="793662" y="386930"/>
+            <a:ext cx="10066122" cy="1298448"/>
+          </a:xfrm>
+        </p:spPr>
+        <p:txBody>
+          <a:bodyPr anchor="b">
+            <a:normAutofit/>
+          </a:bodyPr>
+          <a:lstStyle/>
+          <a:p>
+            <a:r>
+              <a:rPr lang="en-US" sz="4800"/>
+              <a:t>Stop words</a:t>
+            </a:r>
+          </a:p>
+        </p:txBody>
+      </p:sp>
+      <p:sp>
+        <p:nvSpPr>
+          <p:cNvPr id="34" name="Rectangle 33">
+            <a:extLst>
+              <a:ext uri="{FF2B5EF4-FFF2-40B4-BE49-F238E27FC236}">
+                <a16:creationId xmlns:a16="http://schemas.microsoft.com/office/drawing/2014/main" id="{3A9A4357-BD1D-4622-A4FE-766E6AB8DE84}"/>
+              </a:ext>
+              <a:ext uri="{C183D7F6-B498-43B3-948B-1728B52AA6E4}">
+                <adec:decorative xmlns:adec="http://schemas.microsoft.com/office/drawing/2017/decorative" val="1"/>
+              </a:ext>
+            </a:extLst>
+          </p:cNvPr>
+          <p:cNvSpPr>
+            <a:spLocks noGrp="1" noRot="1" noChangeAspect="1" noMove="1" noResize="1" noEditPoints="1" noAdjustHandles="1" noChangeArrowheads="1" noChangeShapeType="1" noTextEdit="1"/>
+          </p:cNvSpPr>
+          <p:nvPr>
+            <p:extLst>
+              <p:ext uri="{386F3935-93C4-4BCD-93E2-E3B085C9AB24}">
+                <p16:designElem xmlns:p16="http://schemas.microsoft.com/office/powerpoint/2015/main" val="1"/>
+              </p:ext>
+            </p:extLst>
+          </p:nvPr>
+        </p:nvSpPr>
+        <p:spPr>
+          <a:xfrm flipH="1" flipV="1">
+            <a:off x="-2" y="1998845"/>
+            <a:ext cx="11454595" cy="781699"/>
+          </a:xfrm>
+          <a:prstGeom prst="rect">
+            <a:avLst/>
+          </a:prstGeom>
+          <a:solidFill>
+            <a:schemeClr val="accent4"/>
+          </a:solidFill>
+          <a:ln>
+            <a:noFill/>
+          </a:ln>
+        </p:spPr>
+        <p:style>
+          <a:lnRef idx="2">
+            <a:schemeClr val="accent1">
+              <a:shade val="50000"/>
+            </a:schemeClr>
+          </a:lnRef>
+          <a:fillRef idx="1">
+            <a:schemeClr val="accent1"/>
+          </a:fillRef>
+          <a:effectRef idx="0">
+            <a:schemeClr val="accent1"/>
+          </a:effectRef>
+          <a:fontRef idx="minor">
+            <a:schemeClr val="lt1"/>
+          </a:fontRef>
+        </p:style>
+        <p:txBody>
+          <a:bodyPr rtlCol="0" anchor="ctr"/>
+          <a:lstStyle/>
+          <a:p>
+            <a:pPr algn="ctr"/>
+            <a:endParaRPr lang="en-US"/>
+          </a:p>
+        </p:txBody>
+      </p:sp>
+      <p:sp>
+        <p:nvSpPr>
+          <p:cNvPr id="36" name="Rectangle 35">
+            <a:extLst>
+              <a:ext uri="{FF2B5EF4-FFF2-40B4-BE49-F238E27FC236}">
+                <a16:creationId xmlns:a16="http://schemas.microsoft.com/office/drawing/2014/main" id="{E659831F-0D9A-4C63-9EBB-8435B85A440F}"/>
+              </a:ext>
+              <a:ext uri="{C183D7F6-B498-43B3-948B-1728B52AA6E4}">
+                <adec:decorative xmlns:adec="http://schemas.microsoft.com/office/drawing/2017/decorative" val="1"/>
+              </a:ext>
+            </a:extLst>
+          </p:cNvPr>
+          <p:cNvSpPr>
+            <a:spLocks noGrp="1" noRot="1" noChangeAspect="1" noMove="1" noResize="1" noEditPoints="1" noAdjustHandles="1" noChangeArrowheads="1" noChangeShapeType="1" noTextEdit="1"/>
+          </p:cNvSpPr>
+          <p:nvPr>
+            <p:extLst>
+              <p:ext uri="{386F3935-93C4-4BCD-93E2-E3B085C9AB24}">
+                <p16:designElem xmlns:p16="http://schemas.microsoft.com/office/powerpoint/2015/main" val="1"/>
+              </p:ext>
+            </p:extLst>
+          </p:nvPr>
+        </p:nvSpPr>
+        <p:spPr>
+          <a:xfrm>
+            <a:off x="0" y="2203079"/>
+            <a:ext cx="11383362" cy="4267991"/>
+          </a:xfrm>
+          <a:prstGeom prst="rect">
+            <a:avLst/>
+          </a:prstGeom>
+          <a:solidFill>
+            <a:schemeClr val="bg1"/>
+          </a:solidFill>
+          <a:ln>
+            <a:noFill/>
+          </a:ln>
+          <a:effectLst>
+            <a:outerShdw blurRad="139700" dist="127000" dir="5400000" algn="t" rotWithShape="0">
+              <a:prstClr val="black">
+                <a:alpha val="15000"/>
+              </a:prstClr>
+            </a:outerShdw>
+          </a:effectLst>
+        </p:spPr>
+        <p:style>
+          <a:lnRef idx="2">
+            <a:schemeClr val="accent1">
+              <a:shade val="50000"/>
+            </a:schemeClr>
+          </a:lnRef>
+          <a:fillRef idx="1">
+            <a:schemeClr val="accent1"/>
+          </a:fillRef>
+          <a:effectRef idx="0">
+            <a:schemeClr val="accent1"/>
+          </a:effectRef>
+          <a:fontRef idx="minor">
+            <a:schemeClr val="lt1"/>
+          </a:fontRef>
+        </p:style>
+        <p:txBody>
+          <a:bodyPr rtlCol="0" anchor="ctr"/>
+          <a:lstStyle/>
+          <a:p>
+            <a:pPr algn="ctr"/>
+            <a:endParaRPr lang="en-US"/>
+          </a:p>
+        </p:txBody>
+      </p:sp>
+      <p:sp>
+        <p:nvSpPr>
+          <p:cNvPr id="3" name="Content Placeholder 2">
+            <a:extLst>
+              <a:ext uri="{FF2B5EF4-FFF2-40B4-BE49-F238E27FC236}">
+                <a16:creationId xmlns:a16="http://schemas.microsoft.com/office/drawing/2014/main" id="{F791CCFE-CC57-3322-B6CA-18C4AFB5062B}"/>
+              </a:ext>
+            </a:extLst>
+          </p:cNvPr>
+          <p:cNvSpPr>
+            <a:spLocks noGrp="1"/>
+          </p:cNvSpPr>
+          <p:nvPr>
+            <p:ph idx="1"/>
+          </p:nvPr>
+        </p:nvSpPr>
+        <p:spPr>
+          <a:xfrm>
+            <a:off x="793661" y="2599509"/>
+            <a:ext cx="4530898" cy="3639450"/>
+          </a:xfrm>
+        </p:spPr>
+        <p:txBody>
+          <a:bodyPr anchor="ctr">
+            <a:normAutofit/>
+          </a:bodyPr>
+          <a:lstStyle/>
+          <a:p>
+            <a:r>
+              <a:rPr lang="en-US" sz="1900"/>
+              <a:t>Stop words are words that are thrown out of the text during text processing. When we apply machine learning to texts, such words can add a lot of noise, so it is necessary to get rid of irrelevant words.</a:t>
+            </a:r>
+          </a:p>
+          <a:p>
+            <a:r>
+              <a:rPr lang="en-US" sz="1900"/>
+              <a:t>Stop words are usually articles, interjections, conjunctions, etc., which do not carry a semantic meaning. </a:t>
+            </a:r>
+          </a:p>
+          <a:p>
+            <a:r>
+              <a:rPr lang="en-US" sz="1900"/>
+              <a:t>At the same time, one must understand that there is no universal list of stop words, everything depends on the specific case.</a:t>
+            </a:r>
+          </a:p>
+        </p:txBody>
+      </p:sp>
+      <p:pic>
+        <p:nvPicPr>
+          <p:cNvPr id="5" name="Picture 4" descr="A diagram of a twinkling night&#10;&#10;Description automatically generated">
+            <a:extLst>
+              <a:ext uri="{FF2B5EF4-FFF2-40B4-BE49-F238E27FC236}">
+                <a16:creationId xmlns:a16="http://schemas.microsoft.com/office/drawing/2014/main" id="{24E6960B-1351-7092-56E1-41009949DD02}"/>
+              </a:ext>
+            </a:extLst>
+          </p:cNvPr>
+          <p:cNvPicPr>
+            <a:picLocks noChangeAspect="1"/>
+          </p:cNvPicPr>
+          <p:nvPr/>
+        </p:nvPicPr>
+        <p:blipFill>
+          <a:blip r:embed="rId2"/>
+          <a:stretch>
+            <a:fillRect/>
+          </a:stretch>
+        </p:blipFill>
+        <p:spPr>
+          <a:xfrm>
+            <a:off x="5911532" y="3407890"/>
+            <a:ext cx="5150277" cy="1866974"/>
+          </a:xfrm>
+          <a:prstGeom prst="rect">
+            <a:avLst/>
+          </a:prstGeom>
+        </p:spPr>
+      </p:pic>
+      <p:sp>
+        <p:nvSpPr>
+          <p:cNvPr id="38" name="Rectangle 37">
+            <a:extLst>
+              <a:ext uri="{FF2B5EF4-FFF2-40B4-BE49-F238E27FC236}">
+                <a16:creationId xmlns:a16="http://schemas.microsoft.com/office/drawing/2014/main" id="{E6995CE5-F890-4ABA-82A2-26507CE8D2A3}"/>
+              </a:ext>
+              <a:ext uri="{C183D7F6-B498-43B3-948B-1728B52AA6E4}">
+                <adec:decorative xmlns:adec="http://schemas.microsoft.com/office/drawing/2017/decorative" val="1"/>
+              </a:ext>
+            </a:extLst>
+          </p:cNvPr>
+          <p:cNvSpPr>
+            <a:spLocks noGrp="1" noRot="1" noChangeAspect="1" noMove="1" noResize="1" noEditPoints="1" noAdjustHandles="1" noChangeArrowheads="1" noChangeShapeType="1" noTextEdit="1"/>
+          </p:cNvSpPr>
+          <p:nvPr>
+            <p:extLst>
+              <p:ext uri="{386F3935-93C4-4BCD-93E2-E3B085C9AB24}">
+                <p16:designElem xmlns:p16="http://schemas.microsoft.com/office/powerpoint/2015/main" val="1"/>
+              </p:ext>
+            </p:extLst>
+          </p:nvPr>
+        </p:nvSpPr>
+        <p:spPr>
+          <a:xfrm rot="5400000">
+            <a:off x="11228040" y="2313027"/>
+            <a:ext cx="781700" cy="152382"/>
+          </a:xfrm>
+          <a:prstGeom prst="rect">
+            <a:avLst/>
+          </a:prstGeom>
+          <a:solidFill>
+            <a:schemeClr val="accent4"/>
+          </a:solidFill>
+          <a:ln>
+            <a:noFill/>
+          </a:ln>
+        </p:spPr>
+        <p:style>
+          <a:lnRef idx="2">
+            <a:schemeClr val="accent1">
+              <a:shade val="50000"/>
+            </a:schemeClr>
+          </a:lnRef>
+          <a:fillRef idx="1">
+            <a:schemeClr val="accent1"/>
+          </a:fillRef>
+          <a:effectRef idx="0">
+            <a:schemeClr val="accent1"/>
+          </a:effectRef>
+          <a:fontRef idx="minor">
+            <a:schemeClr val="lt1"/>
+          </a:fontRef>
+        </p:style>
+        <p:txBody>
+          <a:bodyPr rtlCol="0" anchor="ctr"/>
+          <a:lstStyle/>
+          <a:p>
+            <a:pPr algn="ctr"/>
+            <a:endParaRPr lang="en-US"/>
+          </a:p>
+        </p:txBody>
+      </p:sp>
+      <p:pic>
+        <p:nvPicPr>
+          <p:cNvPr id="4" name="Picture 3" descr="A white snake on a green background&#10;&#10;Description automatically generated">
+            <a:extLst>
+              <a:ext uri="{FF2B5EF4-FFF2-40B4-BE49-F238E27FC236}">
+                <a16:creationId xmlns:a16="http://schemas.microsoft.com/office/drawing/2014/main" id="{3ABC4013-C0BB-A5C4-3EA8-D66573A57B4B}"/>
+              </a:ext>
+            </a:extLst>
+          </p:cNvPr>
+          <p:cNvPicPr>
+            <a:picLocks noChangeAspect="1"/>
+          </p:cNvPicPr>
+          <p:nvPr/>
+        </p:nvPicPr>
+        <p:blipFill>
+          <a:blip r:embed="rId3"/>
+          <a:stretch>
+            <a:fillRect/>
+          </a:stretch>
+        </p:blipFill>
+        <p:spPr>
+          <a:xfrm>
+            <a:off x="11499477" y="0"/>
+            <a:ext cx="692523" cy="692523"/>
+          </a:xfrm>
+          <a:prstGeom prst="rect">
+            <a:avLst/>
+          </a:prstGeom>
+        </p:spPr>
+      </p:pic>
+    </p:spTree>
+    <p:extLst>
+      <p:ext uri="{BB962C8B-B14F-4D97-AF65-F5344CB8AC3E}">
+        <p14:creationId xmlns:p14="http://schemas.microsoft.com/office/powerpoint/2010/main" val="1988332757"/>
+      </p:ext>
+    </p:extLst>
+  </p:cSld>
+  <p:clrMapOvr>
+    <a:masterClrMapping/>
+  </p:clrMapOvr>
+</p:sld>
+</file>
+
+<file path=ppt/slides/slide19.xml><?xml version="1.0" encoding="utf-8"?>
+<p:sld xmlns:a="http://schemas.openxmlformats.org/drawingml/2006/main" xmlns:r="http://schemas.openxmlformats.org/officeDocument/2006/relationships" xmlns:p="http://schemas.openxmlformats.org/presentationml/2006/main">
+  <p:cSld>
+    <p:bg>
+      <p:bgPr>
+        <a:solidFill>
+          <a:schemeClr val="bg1"/>
+        </a:solidFill>
+        <a:effectLst/>
+      </p:bgPr>
+    </p:bg>
+    <p:spTree>
+      <p:nvGrpSpPr>
+        <p:cNvPr id="1" name=""/>
+        <p:cNvGrpSpPr/>
+        <p:nvPr/>
+      </p:nvGrpSpPr>
+      <p:grpSpPr>
+        <a:xfrm>
+          <a:off x="0" y="0"/>
+          <a:ext cx="0" cy="0"/>
+          <a:chOff x="0" y="0"/>
+          <a:chExt cx="0" cy="0"/>
+        </a:xfrm>
+      </p:grpSpPr>
+      <p:sp useBgFill="1">
+        <p:nvSpPr>
+          <p:cNvPr id="37" name="Rectangle 36">
+            <a:extLst>
+              <a:ext uri="{FF2B5EF4-FFF2-40B4-BE49-F238E27FC236}">
+                <a16:creationId xmlns:a16="http://schemas.microsoft.com/office/drawing/2014/main" id="{058A14AF-9FB5-4CC7-BA35-E8E85D3EDF0E}"/>
+              </a:ext>
+              <a:ext uri="{C183D7F6-B498-43B3-948B-1728B52AA6E4}">
+                <adec:decorative xmlns:adec="http://schemas.microsoft.com/office/drawing/2017/decorative" val="1"/>
+              </a:ext>
+            </a:extLst>
+          </p:cNvPr>
+          <p:cNvSpPr>
+            <a:spLocks noGrp="1" noRot="1" noChangeAspect="1" noMove="1" noResize="1" noEditPoints="1" noAdjustHandles="1" noChangeArrowheads="1" noChangeShapeType="1" noTextEdit="1"/>
+          </p:cNvSpPr>
+          <p:nvPr>
+            <p:extLst>
+              <p:ext uri="{386F3935-93C4-4BCD-93E2-E3B085C9AB24}">
+                <p16:designElem xmlns:p16="http://schemas.microsoft.com/office/powerpoint/2015/main" val="1"/>
+              </p:ext>
+            </p:extLst>
+          </p:nvPr>
+        </p:nvSpPr>
+        <p:spPr>
+          <a:xfrm>
+            <a:off x="0" y="0"/>
+            <a:ext cx="12191999" cy="6857365"/>
+          </a:xfrm>
+          <a:prstGeom prst="rect">
+            <a:avLst/>
+          </a:prstGeom>
+          <a:ln>
+            <a:noFill/>
+          </a:ln>
+        </p:spPr>
+        <p:style>
+          <a:lnRef idx="2">
+            <a:schemeClr val="accent1">
+              <a:shade val="50000"/>
+            </a:schemeClr>
+          </a:lnRef>
+          <a:fillRef idx="1">
+            <a:schemeClr val="accent1"/>
+          </a:fillRef>
+          <a:effectRef idx="0">
+            <a:schemeClr val="accent1"/>
+          </a:effectRef>
+          <a:fontRef idx="minor">
+            <a:schemeClr val="lt1"/>
+          </a:fontRef>
+        </p:style>
+        <p:txBody>
+          <a:bodyPr rtlCol="0" anchor="ctr"/>
+          <a:lstStyle/>
+          <a:p>
+            <a:pPr algn="ctr"/>
+            <a:endParaRPr lang="en-US"/>
+          </a:p>
+        </p:txBody>
+      </p:sp>
+      <p:sp>
+        <p:nvSpPr>
+          <p:cNvPr id="2" name="Title 1">
+            <a:extLst>
+              <a:ext uri="{FF2B5EF4-FFF2-40B4-BE49-F238E27FC236}">
+                <a16:creationId xmlns:a16="http://schemas.microsoft.com/office/drawing/2014/main" id="{8C08CD1F-889E-6763-4E6E-6E3A041C6575}"/>
+              </a:ext>
+            </a:extLst>
+          </p:cNvPr>
+          <p:cNvSpPr>
+            <a:spLocks noGrp="1"/>
+          </p:cNvSpPr>
+          <p:nvPr>
+            <p:ph type="title"/>
+          </p:nvPr>
+        </p:nvSpPr>
+        <p:spPr>
+          <a:xfrm>
+            <a:off x="793662" y="386930"/>
+            <a:ext cx="10066122" cy="1298448"/>
+          </a:xfrm>
+        </p:spPr>
+        <p:txBody>
+          <a:bodyPr anchor="b">
+            <a:normAutofit/>
+          </a:bodyPr>
+          <a:lstStyle/>
+          <a:p>
+            <a:r>
+              <a:rPr lang="en-US" sz="4800"/>
+              <a:t>Word normalization</a:t>
+            </a:r>
+          </a:p>
+        </p:txBody>
+      </p:sp>
+      <p:sp>
+        <p:nvSpPr>
+          <p:cNvPr id="39" name="Rectangle 38">
+            <a:extLst>
+              <a:ext uri="{FF2B5EF4-FFF2-40B4-BE49-F238E27FC236}">
+                <a16:creationId xmlns:a16="http://schemas.microsoft.com/office/drawing/2014/main" id="{3A9A4357-BD1D-4622-A4FE-766E6AB8DE84}"/>
+              </a:ext>
+              <a:ext uri="{C183D7F6-B498-43B3-948B-1728B52AA6E4}">
+                <adec:decorative xmlns:adec="http://schemas.microsoft.com/office/drawing/2017/decorative" val="1"/>
+              </a:ext>
+            </a:extLst>
+          </p:cNvPr>
+          <p:cNvSpPr>
+            <a:spLocks noGrp="1" noRot="1" noChangeAspect="1" noMove="1" noResize="1" noEditPoints="1" noAdjustHandles="1" noChangeArrowheads="1" noChangeShapeType="1" noTextEdit="1"/>
+          </p:cNvSpPr>
+          <p:nvPr>
+            <p:extLst>
+              <p:ext uri="{386F3935-93C4-4BCD-93E2-E3B085C9AB24}">
+                <p16:designElem xmlns:p16="http://schemas.microsoft.com/office/powerpoint/2015/main" val="1"/>
+              </p:ext>
+            </p:extLst>
+          </p:nvPr>
+        </p:nvSpPr>
+        <p:spPr>
+          <a:xfrm flipH="1" flipV="1">
+            <a:off x="-2" y="1998845"/>
+            <a:ext cx="11454595" cy="781699"/>
+          </a:xfrm>
+          <a:prstGeom prst="rect">
+            <a:avLst/>
+          </a:prstGeom>
+          <a:solidFill>
+            <a:schemeClr val="accent4"/>
+          </a:solidFill>
+          <a:ln>
+            <a:noFill/>
+          </a:ln>
+        </p:spPr>
+        <p:style>
+          <a:lnRef idx="2">
+            <a:schemeClr val="accent1">
+              <a:shade val="50000"/>
+            </a:schemeClr>
+          </a:lnRef>
+          <a:fillRef idx="1">
+            <a:schemeClr val="accent1"/>
+          </a:fillRef>
+          <a:effectRef idx="0">
+            <a:schemeClr val="accent1"/>
+          </a:effectRef>
+          <a:fontRef idx="minor">
+            <a:schemeClr val="lt1"/>
+          </a:fontRef>
+        </p:style>
+        <p:txBody>
+          <a:bodyPr rtlCol="0" anchor="ctr"/>
+          <a:lstStyle/>
+          <a:p>
+            <a:pPr algn="ctr"/>
+            <a:endParaRPr lang="en-US"/>
+          </a:p>
+        </p:txBody>
+      </p:sp>
+      <p:sp>
+        <p:nvSpPr>
+          <p:cNvPr id="41" name="Rectangle 40">
+            <a:extLst>
+              <a:ext uri="{FF2B5EF4-FFF2-40B4-BE49-F238E27FC236}">
+                <a16:creationId xmlns:a16="http://schemas.microsoft.com/office/drawing/2014/main" id="{E659831F-0D9A-4C63-9EBB-8435B85A440F}"/>
+              </a:ext>
+              <a:ext uri="{C183D7F6-B498-43B3-948B-1728B52AA6E4}">
+                <adec:decorative xmlns:adec="http://schemas.microsoft.com/office/drawing/2017/decorative" val="1"/>
+              </a:ext>
+            </a:extLst>
+          </p:cNvPr>
+          <p:cNvSpPr>
+            <a:spLocks noGrp="1" noRot="1" noChangeAspect="1" noMove="1" noResize="1" noEditPoints="1" noAdjustHandles="1" noChangeArrowheads="1" noChangeShapeType="1" noTextEdit="1"/>
+          </p:cNvSpPr>
+          <p:nvPr>
+            <p:extLst>
+              <p:ext uri="{386F3935-93C4-4BCD-93E2-E3B085C9AB24}">
+                <p16:designElem xmlns:p16="http://schemas.microsoft.com/office/powerpoint/2015/main" val="1"/>
+              </p:ext>
+            </p:extLst>
+          </p:nvPr>
+        </p:nvSpPr>
+        <p:spPr>
+          <a:xfrm>
+            <a:off x="0" y="2203079"/>
+            <a:ext cx="11383362" cy="4267991"/>
+          </a:xfrm>
+          <a:prstGeom prst="rect">
+            <a:avLst/>
+          </a:prstGeom>
+          <a:solidFill>
+            <a:schemeClr val="bg1"/>
+          </a:solidFill>
+          <a:ln>
+            <a:noFill/>
+          </a:ln>
+          <a:effectLst>
+            <a:outerShdw blurRad="139700" dist="127000" dir="5400000" algn="t" rotWithShape="0">
+              <a:prstClr val="black">
+                <a:alpha val="15000"/>
+              </a:prstClr>
+            </a:outerShdw>
+          </a:effectLst>
+        </p:spPr>
+        <p:style>
+          <a:lnRef idx="2">
+            <a:schemeClr val="accent1">
+              <a:shade val="50000"/>
+            </a:schemeClr>
+          </a:lnRef>
+          <a:fillRef idx="1">
+            <a:schemeClr val="accent1"/>
+          </a:fillRef>
+          <a:effectRef idx="0">
+            <a:schemeClr val="accent1"/>
+          </a:effectRef>
+          <a:fontRef idx="minor">
+            <a:schemeClr val="lt1"/>
+          </a:fontRef>
+        </p:style>
+        <p:txBody>
+          <a:bodyPr rtlCol="0" anchor="ctr"/>
+          <a:lstStyle/>
+          <a:p>
+            <a:pPr algn="ctr"/>
+            <a:endParaRPr lang="en-US"/>
+          </a:p>
+        </p:txBody>
+      </p:sp>
       <p:sp>
         <p:nvSpPr>
           <p:cNvPr id="3" name="Content Placeholder 2">
@@ -8377,7 +8804,434 @@
 </p:sld>
 </file>
 
-<file path=ppt/slides/slide18.xml><?xml version="1.0" encoding="utf-8"?>
+<file path=ppt/slides/slide2.xml><?xml version="1.0" encoding="utf-8"?>
+<p:sld xmlns:a="http://schemas.openxmlformats.org/drawingml/2006/main" xmlns:r="http://schemas.openxmlformats.org/officeDocument/2006/relationships" xmlns:p="http://schemas.openxmlformats.org/presentationml/2006/main">
+  <p:cSld>
+    <p:bg>
+      <p:bgPr>
+        <a:solidFill>
+          <a:srgbClr val="13223D"/>
+        </a:solidFill>
+        <a:effectLst/>
+      </p:bgPr>
+    </p:bg>
+    <p:spTree>
+      <p:nvGrpSpPr>
+        <p:cNvPr id="1" name=""/>
+        <p:cNvGrpSpPr/>
+        <p:nvPr/>
+      </p:nvGrpSpPr>
+      <p:grpSpPr>
+        <a:xfrm>
+          <a:off x="0" y="0"/>
+          <a:ext cx="0" cy="0"/>
+          <a:chOff x="0" y="0"/>
+          <a:chExt cx="0" cy="0"/>
+        </a:xfrm>
+      </p:grpSpPr>
+      <p:pic>
+        <p:nvPicPr>
+          <p:cNvPr id="3" name="Picture 2" descr="A person smiling at the camera&#10;&#10;Description automatically generated">
+            <a:extLst>
+              <a:ext uri="{FF2B5EF4-FFF2-40B4-BE49-F238E27FC236}">
+                <a16:creationId xmlns:a16="http://schemas.microsoft.com/office/drawing/2014/main" id="{D56CD846-5A2B-9DB7-2E81-18A2BE573930}"/>
+              </a:ext>
+            </a:extLst>
+          </p:cNvPr>
+          <p:cNvPicPr>
+            <a:picLocks noChangeAspect="1"/>
+          </p:cNvPicPr>
+          <p:nvPr/>
+        </p:nvPicPr>
+        <p:blipFill>
+          <a:blip r:embed="rId2">
+            <a:extLst>
+              <a:ext uri="{28A0092B-C50C-407E-A947-70E740481C1C}">
+                <a14:useLocalDpi xmlns:a14="http://schemas.microsoft.com/office/drawing/2010/main" val="0"/>
+              </a:ext>
+            </a:extLst>
+          </a:blip>
+          <a:stretch>
+            <a:fillRect/>
+          </a:stretch>
+        </p:blipFill>
+        <p:spPr>
+          <a:xfrm>
+            <a:off x="2913610" y="2192759"/>
+            <a:ext cx="2000250" cy="2438400"/>
+          </a:xfrm>
+          <a:prstGeom prst="rect">
+            <a:avLst/>
+          </a:prstGeom>
+          <a:ln w="38100">
+            <a:solidFill>
+              <a:srgbClr val="FFC100"/>
+            </a:solidFill>
+          </a:ln>
+        </p:spPr>
+      </p:pic>
+      <p:sp>
+        <p:nvSpPr>
+          <p:cNvPr id="4" name="TextBox 3">
+            <a:extLst>
+              <a:ext uri="{FF2B5EF4-FFF2-40B4-BE49-F238E27FC236}">
+                <a16:creationId xmlns:a16="http://schemas.microsoft.com/office/drawing/2014/main" id="{1B2F1117-7AE0-BC01-9C25-8342A68FCAEC}"/>
+              </a:ext>
+            </a:extLst>
+          </p:cNvPr>
+          <p:cNvSpPr txBox="1"/>
+          <p:nvPr/>
+        </p:nvSpPr>
+        <p:spPr>
+          <a:xfrm>
+            <a:off x="2548285" y="5016223"/>
+            <a:ext cx="2746265" cy="1046440"/>
+          </a:xfrm>
+          <a:prstGeom prst="rect">
+            <a:avLst/>
+          </a:prstGeom>
+          <a:noFill/>
+        </p:spPr>
+        <p:txBody>
+          <a:bodyPr wrap="none" rtlCol="0">
+            <a:spAutoFit/>
+          </a:bodyPr>
+          <a:lstStyle/>
+          <a:p>
+            <a:pPr algn="ctr"/>
+            <a:r>
+              <a:rPr lang="en-GB" sz="1600" b="1" dirty="0">
+                <a:solidFill>
+                  <a:srgbClr val="FFC100"/>
+                </a:solidFill>
+                <a:latin typeface="Arial" panose="020B0604020202020204" pitchFamily="34" charset="0"/>
+                <a:cs typeface="Arial" panose="020B0604020202020204" pitchFamily="34" charset="0"/>
+              </a:rPr>
+              <a:t>Nabanita Roy</a:t>
+            </a:r>
+          </a:p>
+          <a:p>
+            <a:pPr algn="ctr"/>
+            <a:r>
+              <a:rPr lang="en-GB" sz="1200" i="1" dirty="0">
+                <a:solidFill>
+                  <a:schemeClr val="bg1"/>
+                </a:solidFill>
+                <a:latin typeface="Arial" panose="020B0604020202020204" pitchFamily="34" charset="0"/>
+                <a:cs typeface="Arial" panose="020B0604020202020204" pitchFamily="34" charset="0"/>
+              </a:rPr>
+              <a:t>Women in AI Ireland</a:t>
+            </a:r>
+          </a:p>
+          <a:p>
+            <a:pPr algn="ctr"/>
+            <a:r>
+              <a:rPr lang="en-GB" sz="1200" i="1" dirty="0">
+                <a:solidFill>
+                  <a:schemeClr val="bg1"/>
+                </a:solidFill>
+                <a:latin typeface="Arial" panose="020B0604020202020204" pitchFamily="34" charset="0"/>
+                <a:cs typeface="Arial" panose="020B0604020202020204" pitchFamily="34" charset="0"/>
+              </a:rPr>
+              <a:t>Senior Data Scientist at EY</a:t>
+            </a:r>
+          </a:p>
+          <a:p>
+            <a:pPr algn="ctr"/>
+            <a:endParaRPr lang="en-GB" sz="1100" dirty="0">
+              <a:solidFill>
+                <a:schemeClr val="bg1"/>
+              </a:solidFill>
+              <a:latin typeface="Arial" panose="020B0604020202020204" pitchFamily="34" charset="0"/>
+              <a:cs typeface="Arial" panose="020B0604020202020204" pitchFamily="34" charset="0"/>
+            </a:endParaRPr>
+          </a:p>
+          <a:p>
+            <a:pPr algn="ctr"/>
+            <a:r>
+              <a:rPr lang="en-GB" sz="1100" dirty="0">
+                <a:solidFill>
+                  <a:schemeClr val="bg1"/>
+                </a:solidFill>
+                <a:latin typeface="Arial" panose="020B0604020202020204" pitchFamily="34" charset="0"/>
+                <a:cs typeface="Arial" panose="020B0604020202020204" pitchFamily="34" charset="0"/>
+              </a:rPr>
+              <a:t>https://www.linkedin.com/in/nabanita-roy/</a:t>
+            </a:r>
+          </a:p>
+        </p:txBody>
+      </p:sp>
+      <p:sp>
+        <p:nvSpPr>
+          <p:cNvPr id="9" name="TextBox 8">
+            <a:extLst>
+              <a:ext uri="{FF2B5EF4-FFF2-40B4-BE49-F238E27FC236}">
+                <a16:creationId xmlns:a16="http://schemas.microsoft.com/office/drawing/2014/main" id="{E1A34289-5317-CC00-709F-49640A78EFC9}"/>
+              </a:ext>
+            </a:extLst>
+          </p:cNvPr>
+          <p:cNvSpPr txBox="1"/>
+          <p:nvPr/>
+        </p:nvSpPr>
+        <p:spPr>
+          <a:xfrm>
+            <a:off x="5487360" y="5016223"/>
+            <a:ext cx="6231750" cy="1046440"/>
+          </a:xfrm>
+          <a:prstGeom prst="rect">
+            <a:avLst/>
+          </a:prstGeom>
+          <a:noFill/>
+        </p:spPr>
+        <p:txBody>
+          <a:bodyPr wrap="square">
+            <a:spAutoFit/>
+          </a:bodyPr>
+          <a:lstStyle/>
+          <a:p>
+            <a:pPr algn="ctr"/>
+            <a:r>
+              <a:rPr lang="en-GB" sz="1600" b="1" dirty="0">
+                <a:solidFill>
+                  <a:srgbClr val="FFC100"/>
+                </a:solidFill>
+                <a:latin typeface="Arial" panose="020B0604020202020204" pitchFamily="34" charset="0"/>
+                <a:cs typeface="Arial" panose="020B0604020202020204" pitchFamily="34" charset="0"/>
+              </a:rPr>
+              <a:t>Liliya Akhtyamova</a:t>
+            </a:r>
+          </a:p>
+          <a:p>
+            <a:pPr algn="ctr"/>
+            <a:r>
+              <a:rPr lang="en-GB" sz="1200" i="1" dirty="0">
+                <a:solidFill>
+                  <a:schemeClr val="bg1"/>
+                </a:solidFill>
+                <a:latin typeface="Arial" panose="020B0604020202020204" pitchFamily="34" charset="0"/>
+                <a:cs typeface="Arial" panose="020B0604020202020204" pitchFamily="34" charset="0"/>
+              </a:rPr>
+              <a:t>Women in AI Ireland</a:t>
+            </a:r>
+          </a:p>
+          <a:p>
+            <a:pPr algn="ctr"/>
+            <a:r>
+              <a:rPr lang="en-GB" sz="1200" i="1" dirty="0">
+                <a:solidFill>
+                  <a:schemeClr val="bg1"/>
+                </a:solidFill>
+                <a:latin typeface="Arial" panose="020B0604020202020204" pitchFamily="34" charset="0"/>
+                <a:cs typeface="Arial" panose="020B0604020202020204" pitchFamily="34" charset="0"/>
+              </a:rPr>
+              <a:t>Senior Data Scientist &amp; ML Engineer at iCIMS</a:t>
+            </a:r>
+          </a:p>
+          <a:p>
+            <a:pPr algn="ctr"/>
+            <a:endParaRPr lang="en-GB" sz="1100" dirty="0">
+              <a:solidFill>
+                <a:schemeClr val="bg1"/>
+              </a:solidFill>
+              <a:latin typeface="Arial" panose="020B0604020202020204" pitchFamily="34" charset="0"/>
+              <a:cs typeface="Arial" panose="020B0604020202020204" pitchFamily="34" charset="0"/>
+            </a:endParaRPr>
+          </a:p>
+          <a:p>
+            <a:pPr algn="ctr"/>
+            <a:r>
+              <a:rPr lang="en-GB" sz="1100" dirty="0">
+                <a:solidFill>
+                  <a:schemeClr val="bg1"/>
+                </a:solidFill>
+                <a:latin typeface="Arial" panose="020B0604020202020204" pitchFamily="34" charset="0"/>
+                <a:cs typeface="Arial" panose="020B0604020202020204" pitchFamily="34" charset="0"/>
+              </a:rPr>
+              <a:t>https://www.linkedin.com/in/datawhizette/</a:t>
+            </a:r>
+          </a:p>
+        </p:txBody>
+      </p:sp>
+      <p:pic>
+        <p:nvPicPr>
+          <p:cNvPr id="12" name="Picture 11" descr="A person smiling at the camera&#10;&#10;Description automatically generated">
+            <a:extLst>
+              <a:ext uri="{FF2B5EF4-FFF2-40B4-BE49-F238E27FC236}">
+                <a16:creationId xmlns:a16="http://schemas.microsoft.com/office/drawing/2014/main" id="{348952CB-1C2B-55B0-ED62-43B8802955D1}"/>
+              </a:ext>
+            </a:extLst>
+          </p:cNvPr>
+          <p:cNvPicPr>
+            <a:picLocks noChangeAspect="1"/>
+          </p:cNvPicPr>
+          <p:nvPr/>
+        </p:nvPicPr>
+        <p:blipFill rotWithShape="1">
+          <a:blip r:embed="rId3">
+            <a:extLst>
+              <a:ext uri="{28A0092B-C50C-407E-A947-70E740481C1C}">
+                <a14:useLocalDpi xmlns:a14="http://schemas.microsoft.com/office/drawing/2010/main" val="0"/>
+              </a:ext>
+            </a:extLst>
+          </a:blip>
+          <a:srcRect l="9095" r="9095"/>
+          <a:stretch/>
+        </p:blipFill>
+        <p:spPr>
+          <a:xfrm>
+            <a:off x="7521467" y="2192759"/>
+            <a:ext cx="2000250" cy="2448023"/>
+          </a:xfrm>
+          <a:prstGeom prst="rect">
+            <a:avLst/>
+          </a:prstGeom>
+          <a:ln w="38100">
+            <a:solidFill>
+              <a:srgbClr val="FFC100"/>
+            </a:solidFill>
+          </a:ln>
+        </p:spPr>
+      </p:pic>
+      <p:sp>
+        <p:nvSpPr>
+          <p:cNvPr id="13" name="TextBox 12">
+            <a:extLst>
+              <a:ext uri="{FF2B5EF4-FFF2-40B4-BE49-F238E27FC236}">
+                <a16:creationId xmlns:a16="http://schemas.microsoft.com/office/drawing/2014/main" id="{5265F55D-7DD6-51CF-DAFF-90B36D5BF2C4}"/>
+              </a:ext>
+            </a:extLst>
+          </p:cNvPr>
+          <p:cNvSpPr txBox="1"/>
+          <p:nvPr/>
+        </p:nvSpPr>
+        <p:spPr>
+          <a:xfrm>
+            <a:off x="1303528" y="435092"/>
+            <a:ext cx="9831899" cy="874375"/>
+          </a:xfrm>
+          <a:prstGeom prst="rect">
+            <a:avLst/>
+          </a:prstGeom>
+        </p:spPr>
+        <p:txBody>
+          <a:bodyPr vert="horz" lIns="91440" tIns="45720" rIns="91440" bIns="45720" rtlCol="0" anchor="ctr">
+            <a:normAutofit/>
+          </a:bodyPr>
+          <a:lstStyle/>
+          <a:p>
+            <a:pPr algn="ctr">
+              <a:lnSpc>
+                <a:spcPct val="90000"/>
+              </a:lnSpc>
+              <a:spcBef>
+                <a:spcPct val="0"/>
+              </a:spcBef>
+              <a:spcAft>
+                <a:spcPts val="600"/>
+              </a:spcAft>
+            </a:pPr>
+            <a:r>
+              <a:rPr lang="en-US" sz="3600" b="1" dirty="0">
+                <a:solidFill>
+                  <a:srgbClr val="FFC100"/>
+                </a:solidFill>
+                <a:latin typeface="Arial" panose="020B0604020202020204" pitchFamily="34" charset="0"/>
+                <a:ea typeface="+mj-ea"/>
+                <a:cs typeface="Arial" panose="020B0604020202020204" pitchFamily="34" charset="0"/>
+              </a:rPr>
+              <a:t>The WAI TEAM today!</a:t>
+            </a:r>
+            <a:endParaRPr lang="en-US" sz="3600" b="1" kern="1200" dirty="0">
+              <a:solidFill>
+                <a:srgbClr val="FFC100"/>
+              </a:solidFill>
+              <a:latin typeface="Arial" panose="020B0604020202020204" pitchFamily="34" charset="0"/>
+              <a:ea typeface="+mj-ea"/>
+              <a:cs typeface="Arial" panose="020B0604020202020204" pitchFamily="34" charset="0"/>
+            </a:endParaRPr>
+          </a:p>
+        </p:txBody>
+      </p:sp>
+      <p:pic>
+        <p:nvPicPr>
+          <p:cNvPr id="14" name="Picture 13">
+            <a:extLst>
+              <a:ext uri="{FF2B5EF4-FFF2-40B4-BE49-F238E27FC236}">
+                <a16:creationId xmlns:a16="http://schemas.microsoft.com/office/drawing/2014/main" id="{D36FFF3D-CA20-D285-D27E-EBA216EB301A}"/>
+              </a:ext>
+            </a:extLst>
+          </p:cNvPr>
+          <p:cNvPicPr>
+            <a:picLocks noChangeAspect="1"/>
+          </p:cNvPicPr>
+          <p:nvPr/>
+        </p:nvPicPr>
+        <p:blipFill>
+          <a:blip r:embed="rId4">
+            <a:extLst>
+              <a:ext uri="{28A0092B-C50C-407E-A947-70E740481C1C}">
+                <a14:useLocalDpi xmlns:a14="http://schemas.microsoft.com/office/drawing/2010/main" val="0"/>
+              </a:ext>
+            </a:extLst>
+          </a:blip>
+          <a:stretch>
+            <a:fillRect/>
+          </a:stretch>
+        </p:blipFill>
+        <p:spPr>
+          <a:xfrm>
+            <a:off x="11219680" y="81495"/>
+            <a:ext cx="885818" cy="843538"/>
+          </a:xfrm>
+          <a:prstGeom prst="rect">
+            <a:avLst/>
+          </a:prstGeom>
+        </p:spPr>
+      </p:pic>
+      <p:pic>
+        <p:nvPicPr>
+          <p:cNvPr id="2" name="Picture 1" descr="A white snake on a green background&#10;&#10;Description automatically generated">
+            <a:extLst>
+              <a:ext uri="{FF2B5EF4-FFF2-40B4-BE49-F238E27FC236}">
+                <a16:creationId xmlns:a16="http://schemas.microsoft.com/office/drawing/2014/main" id="{C7130884-B4C6-7397-6152-8B3B056F1F90}"/>
+              </a:ext>
+            </a:extLst>
+          </p:cNvPr>
+          <p:cNvPicPr>
+            <a:picLocks noChangeAspect="1"/>
+          </p:cNvPicPr>
+          <p:nvPr/>
+        </p:nvPicPr>
+        <p:blipFill>
+          <a:blip r:embed="rId5"/>
+          <a:stretch>
+            <a:fillRect/>
+          </a:stretch>
+        </p:blipFill>
+        <p:spPr>
+          <a:xfrm>
+            <a:off x="1" y="4693"/>
+            <a:ext cx="692523" cy="692523"/>
+          </a:xfrm>
+          <a:prstGeom prst="rect">
+            <a:avLst/>
+          </a:prstGeom>
+        </p:spPr>
+      </p:pic>
+    </p:spTree>
+    <p:extLst>
+      <p:ext uri="{BB962C8B-B14F-4D97-AF65-F5344CB8AC3E}">
+        <p14:creationId xmlns:p14="http://schemas.microsoft.com/office/powerpoint/2010/main" val="1213805738"/>
+      </p:ext>
+    </p:extLst>
+  </p:cSld>
+  <p:clrMapOvr>
+    <a:masterClrMapping/>
+  </p:clrMapOvr>
+</p:sld>
+</file>
+
+<file path=ppt/slides/slide20.xml><?xml version="1.0" encoding="utf-8"?>
 <p:sld xmlns:a="http://schemas.openxmlformats.org/drawingml/2006/main" xmlns:r="http://schemas.openxmlformats.org/officeDocument/2006/relationships" xmlns:p="http://schemas.openxmlformats.org/presentationml/2006/main">
   <p:cSld>
     <p:bg>
@@ -9038,7 +9892,7 @@
 </p:sld>
 </file>
 
-<file path=ppt/slides/slide19.xml><?xml version="1.0" encoding="utf-8"?>
+<file path=ppt/slides/slide21.xml><?xml version="1.0" encoding="utf-8"?>
 <p:sld xmlns:a="http://schemas.openxmlformats.org/drawingml/2006/main" xmlns:r="http://schemas.openxmlformats.org/officeDocument/2006/relationships" xmlns:p="http://schemas.openxmlformats.org/presentationml/2006/main">
   <p:cSld>
     <p:bg>
@@ -9736,424 +10590,7 @@
 </p:sld>
 </file>
 
-<file path=ppt/slides/slide2.xml><?xml version="1.0" encoding="utf-8"?>
-<p:sld xmlns:a="http://schemas.openxmlformats.org/drawingml/2006/main" xmlns:r="http://schemas.openxmlformats.org/officeDocument/2006/relationships" xmlns:p="http://schemas.openxmlformats.org/presentationml/2006/main">
-  <p:cSld>
-    <p:bg>
-      <p:bgPr>
-        <a:solidFill>
-          <a:srgbClr val="13223D"/>
-        </a:solidFill>
-        <a:effectLst/>
-      </p:bgPr>
-    </p:bg>
-    <p:spTree>
-      <p:nvGrpSpPr>
-        <p:cNvPr id="1" name=""/>
-        <p:cNvGrpSpPr/>
-        <p:nvPr/>
-      </p:nvGrpSpPr>
-      <p:grpSpPr>
-        <a:xfrm>
-          <a:off x="0" y="0"/>
-          <a:ext cx="0" cy="0"/>
-          <a:chOff x="0" y="0"/>
-          <a:chExt cx="0" cy="0"/>
-        </a:xfrm>
-      </p:grpSpPr>
-      <p:pic>
-        <p:nvPicPr>
-          <p:cNvPr id="3" name="Picture 2" descr="A person smiling at the camera&#10;&#10;Description automatically generated">
-            <a:extLst>
-              <a:ext uri="{FF2B5EF4-FFF2-40B4-BE49-F238E27FC236}">
-                <a16:creationId xmlns:a16="http://schemas.microsoft.com/office/drawing/2014/main" id="{D56CD846-5A2B-9DB7-2E81-18A2BE573930}"/>
-              </a:ext>
-            </a:extLst>
-          </p:cNvPr>
-          <p:cNvPicPr>
-            <a:picLocks noChangeAspect="1"/>
-          </p:cNvPicPr>
-          <p:nvPr/>
-        </p:nvPicPr>
-        <p:blipFill>
-          <a:blip r:embed="rId2">
-            <a:extLst>
-              <a:ext uri="{28A0092B-C50C-407E-A947-70E740481C1C}">
-                <a14:useLocalDpi xmlns:a14="http://schemas.microsoft.com/office/drawing/2010/main" val="0"/>
-              </a:ext>
-            </a:extLst>
-          </a:blip>
-          <a:stretch>
-            <a:fillRect/>
-          </a:stretch>
-        </p:blipFill>
-        <p:spPr>
-          <a:xfrm>
-            <a:off x="2913610" y="2192759"/>
-            <a:ext cx="2000250" cy="2438400"/>
-          </a:xfrm>
-          <a:prstGeom prst="rect">
-            <a:avLst/>
-          </a:prstGeom>
-          <a:ln w="38100">
-            <a:solidFill>
-              <a:srgbClr val="FFC100"/>
-            </a:solidFill>
-          </a:ln>
-        </p:spPr>
-      </p:pic>
-      <p:sp>
-        <p:nvSpPr>
-          <p:cNvPr id="4" name="TextBox 3">
-            <a:extLst>
-              <a:ext uri="{FF2B5EF4-FFF2-40B4-BE49-F238E27FC236}">
-                <a16:creationId xmlns:a16="http://schemas.microsoft.com/office/drawing/2014/main" id="{1B2F1117-7AE0-BC01-9C25-8342A68FCAEC}"/>
-              </a:ext>
-            </a:extLst>
-          </p:cNvPr>
-          <p:cNvSpPr txBox="1"/>
-          <p:nvPr/>
-        </p:nvSpPr>
-        <p:spPr>
-          <a:xfrm>
-            <a:off x="2548285" y="5016223"/>
-            <a:ext cx="2746265" cy="1046440"/>
-          </a:xfrm>
-          <a:prstGeom prst="rect">
-            <a:avLst/>
-          </a:prstGeom>
-          <a:noFill/>
-        </p:spPr>
-        <p:txBody>
-          <a:bodyPr wrap="none" rtlCol="0">
-            <a:spAutoFit/>
-          </a:bodyPr>
-          <a:lstStyle/>
-          <a:p>
-            <a:pPr algn="ctr"/>
-            <a:r>
-              <a:rPr lang="en-GB" sz="1600" b="1" dirty="0">
-                <a:solidFill>
-                  <a:srgbClr val="FFC100"/>
-                </a:solidFill>
-                <a:latin typeface="Arial" panose="020B0604020202020204" pitchFamily="34" charset="0"/>
-                <a:cs typeface="Arial" panose="020B0604020202020204" pitchFamily="34" charset="0"/>
-              </a:rPr>
-              <a:t>Nabanita Roy</a:t>
-            </a:r>
-          </a:p>
-          <a:p>
-            <a:pPr algn="ctr"/>
-            <a:r>
-              <a:rPr lang="en-GB" sz="1200" i="1" dirty="0">
-                <a:solidFill>
-                  <a:schemeClr val="bg1"/>
-                </a:solidFill>
-                <a:latin typeface="Arial" panose="020B0604020202020204" pitchFamily="34" charset="0"/>
-                <a:cs typeface="Arial" panose="020B0604020202020204" pitchFamily="34" charset="0"/>
-              </a:rPr>
-              <a:t>Women in AI Ireland</a:t>
-            </a:r>
-          </a:p>
-          <a:p>
-            <a:pPr algn="ctr"/>
-            <a:r>
-              <a:rPr lang="en-GB" sz="1200" i="1" dirty="0">
-                <a:solidFill>
-                  <a:schemeClr val="bg1"/>
-                </a:solidFill>
-                <a:latin typeface="Arial" panose="020B0604020202020204" pitchFamily="34" charset="0"/>
-                <a:cs typeface="Arial" panose="020B0604020202020204" pitchFamily="34" charset="0"/>
-              </a:rPr>
-              <a:t>Senior Data Scientist at EY</a:t>
-            </a:r>
-          </a:p>
-          <a:p>
-            <a:pPr algn="ctr"/>
-            <a:endParaRPr lang="en-GB" sz="1100" dirty="0">
-              <a:solidFill>
-                <a:schemeClr val="bg1"/>
-              </a:solidFill>
-              <a:latin typeface="Arial" panose="020B0604020202020204" pitchFamily="34" charset="0"/>
-              <a:cs typeface="Arial" panose="020B0604020202020204" pitchFamily="34" charset="0"/>
-            </a:endParaRPr>
-          </a:p>
-          <a:p>
-            <a:pPr algn="ctr"/>
-            <a:r>
-              <a:rPr lang="en-GB" sz="1100" dirty="0">
-                <a:solidFill>
-                  <a:schemeClr val="bg1"/>
-                </a:solidFill>
-                <a:latin typeface="Arial" panose="020B0604020202020204" pitchFamily="34" charset="0"/>
-                <a:cs typeface="Arial" panose="020B0604020202020204" pitchFamily="34" charset="0"/>
-              </a:rPr>
-              <a:t>https://www.linkedin.com/in/nabanita-roy/</a:t>
-            </a:r>
-          </a:p>
-        </p:txBody>
-      </p:sp>
-      <p:sp>
-        <p:nvSpPr>
-          <p:cNvPr id="9" name="TextBox 8">
-            <a:extLst>
-              <a:ext uri="{FF2B5EF4-FFF2-40B4-BE49-F238E27FC236}">
-                <a16:creationId xmlns:a16="http://schemas.microsoft.com/office/drawing/2014/main" id="{E1A34289-5317-CC00-709F-49640A78EFC9}"/>
-              </a:ext>
-            </a:extLst>
-          </p:cNvPr>
-          <p:cNvSpPr txBox="1"/>
-          <p:nvPr/>
-        </p:nvSpPr>
-        <p:spPr>
-          <a:xfrm>
-            <a:off x="5487360" y="5016223"/>
-            <a:ext cx="6231750" cy="877163"/>
-          </a:xfrm>
-          <a:prstGeom prst="rect">
-            <a:avLst/>
-          </a:prstGeom>
-          <a:noFill/>
-        </p:spPr>
-        <p:txBody>
-          <a:bodyPr wrap="square">
-            <a:spAutoFit/>
-          </a:bodyPr>
-          <a:lstStyle/>
-          <a:p>
-            <a:pPr algn="ctr"/>
-            <a:r>
-              <a:rPr lang="en-GB" sz="1600" b="1" dirty="0">
-                <a:solidFill>
-                  <a:srgbClr val="FFC100"/>
-                </a:solidFill>
-                <a:latin typeface="Arial" panose="020B0604020202020204" pitchFamily="34" charset="0"/>
-                <a:cs typeface="Arial" panose="020B0604020202020204" pitchFamily="34" charset="0"/>
-              </a:rPr>
-              <a:t>Liliya Akhtyamova</a:t>
-            </a:r>
-          </a:p>
-          <a:p>
-            <a:pPr algn="ctr"/>
-            <a:r>
-              <a:rPr lang="en-GB" sz="1200" i="1" dirty="0">
-                <a:solidFill>
-                  <a:schemeClr val="bg1"/>
-                </a:solidFill>
-                <a:latin typeface="Arial" panose="020B0604020202020204" pitchFamily="34" charset="0"/>
-                <a:cs typeface="Arial" panose="020B0604020202020204" pitchFamily="34" charset="0"/>
-              </a:rPr>
-              <a:t>Women in AI Ireland</a:t>
-            </a:r>
-          </a:p>
-          <a:p>
-            <a:pPr algn="ctr"/>
-            <a:r>
-              <a:rPr lang="en-GB" sz="1200" i="1" dirty="0">
-                <a:solidFill>
-                  <a:schemeClr val="bg1"/>
-                </a:solidFill>
-                <a:latin typeface="Arial" panose="020B0604020202020204" pitchFamily="34" charset="0"/>
-                <a:cs typeface="Arial" panose="020B0604020202020204" pitchFamily="34" charset="0"/>
-              </a:rPr>
-              <a:t>Senior Data Scientist &amp; ML Engineer at iCIMS</a:t>
-            </a:r>
-          </a:p>
-          <a:p>
-            <a:pPr algn="ctr"/>
-            <a:r>
-              <a:rPr lang="en-GB" sz="1100" dirty="0">
-                <a:solidFill>
-                  <a:schemeClr val="bg1"/>
-                </a:solidFill>
-                <a:latin typeface="Arial" panose="020B0604020202020204" pitchFamily="34" charset="0"/>
-                <a:cs typeface="Arial" panose="020B0604020202020204" pitchFamily="34" charset="0"/>
-              </a:rPr>
-              <a:t>https://www.linkedin.com/in/datawhizette/</a:t>
-            </a:r>
-          </a:p>
-        </p:txBody>
-      </p:sp>
-      <p:pic>
-        <p:nvPicPr>
-          <p:cNvPr id="12" name="Picture 11" descr="A person smiling at the camera&#10;&#10;Description automatically generated">
-            <a:extLst>
-              <a:ext uri="{FF2B5EF4-FFF2-40B4-BE49-F238E27FC236}">
-                <a16:creationId xmlns:a16="http://schemas.microsoft.com/office/drawing/2014/main" id="{348952CB-1C2B-55B0-ED62-43B8802955D1}"/>
-              </a:ext>
-            </a:extLst>
-          </p:cNvPr>
-          <p:cNvPicPr>
-            <a:picLocks noChangeAspect="1"/>
-          </p:cNvPicPr>
-          <p:nvPr/>
-        </p:nvPicPr>
-        <p:blipFill rotWithShape="1">
-          <a:blip r:embed="rId3">
-            <a:extLst>
-              <a:ext uri="{28A0092B-C50C-407E-A947-70E740481C1C}">
-                <a14:useLocalDpi xmlns:a14="http://schemas.microsoft.com/office/drawing/2010/main" val="0"/>
-              </a:ext>
-            </a:extLst>
-          </a:blip>
-          <a:srcRect l="9095" r="9095"/>
-          <a:stretch/>
-        </p:blipFill>
-        <p:spPr>
-          <a:xfrm>
-            <a:off x="7521467" y="2192759"/>
-            <a:ext cx="2000250" cy="2448023"/>
-          </a:xfrm>
-          <a:prstGeom prst="rect">
-            <a:avLst/>
-          </a:prstGeom>
-          <a:ln w="38100">
-            <a:solidFill>
-              <a:srgbClr val="FFC100"/>
-            </a:solidFill>
-          </a:ln>
-        </p:spPr>
-      </p:pic>
-      <p:sp>
-        <p:nvSpPr>
-          <p:cNvPr id="13" name="TextBox 12">
-            <a:extLst>
-              <a:ext uri="{FF2B5EF4-FFF2-40B4-BE49-F238E27FC236}">
-                <a16:creationId xmlns:a16="http://schemas.microsoft.com/office/drawing/2014/main" id="{5265F55D-7DD6-51CF-DAFF-90B36D5BF2C4}"/>
-              </a:ext>
-            </a:extLst>
-          </p:cNvPr>
-          <p:cNvSpPr txBox="1"/>
-          <p:nvPr/>
-        </p:nvSpPr>
-        <p:spPr>
-          <a:xfrm>
-            <a:off x="1303528" y="435092"/>
-            <a:ext cx="9831899" cy="874375"/>
-          </a:xfrm>
-          <a:prstGeom prst="rect">
-            <a:avLst/>
-          </a:prstGeom>
-        </p:spPr>
-        <p:txBody>
-          <a:bodyPr vert="horz" lIns="91440" tIns="45720" rIns="91440" bIns="45720" rtlCol="0" anchor="ctr">
-            <a:normAutofit/>
-          </a:bodyPr>
-          <a:lstStyle/>
-          <a:p>
-            <a:pPr algn="ctr">
-              <a:lnSpc>
-                <a:spcPct val="90000"/>
-              </a:lnSpc>
-              <a:spcBef>
-                <a:spcPct val="0"/>
-              </a:spcBef>
-              <a:spcAft>
-                <a:spcPts val="600"/>
-              </a:spcAft>
-            </a:pPr>
-            <a:r>
-              <a:rPr lang="en-US" sz="3600" b="1" dirty="0">
-                <a:solidFill>
-                  <a:srgbClr val="FFC100"/>
-                </a:solidFill>
-                <a:latin typeface="Arial" panose="020B0604020202020204" pitchFamily="34" charset="0"/>
-                <a:ea typeface="+mj-ea"/>
-                <a:cs typeface="Arial" panose="020B0604020202020204" pitchFamily="34" charset="0"/>
-              </a:rPr>
-              <a:t>The WAI TEAM today!</a:t>
-            </a:r>
-            <a:endParaRPr lang="en-US" sz="3600" b="1" kern="1200" dirty="0">
-              <a:solidFill>
-                <a:srgbClr val="FFC100"/>
-              </a:solidFill>
-              <a:latin typeface="Arial" panose="020B0604020202020204" pitchFamily="34" charset="0"/>
-              <a:ea typeface="+mj-ea"/>
-              <a:cs typeface="Arial" panose="020B0604020202020204" pitchFamily="34" charset="0"/>
-            </a:endParaRPr>
-          </a:p>
-        </p:txBody>
-      </p:sp>
-      <p:pic>
-        <p:nvPicPr>
-          <p:cNvPr id="14" name="Picture 13">
-            <a:extLst>
-              <a:ext uri="{FF2B5EF4-FFF2-40B4-BE49-F238E27FC236}">
-                <a16:creationId xmlns:a16="http://schemas.microsoft.com/office/drawing/2014/main" id="{D36FFF3D-CA20-D285-D27E-EBA216EB301A}"/>
-              </a:ext>
-            </a:extLst>
-          </p:cNvPr>
-          <p:cNvPicPr>
-            <a:picLocks noChangeAspect="1"/>
-          </p:cNvPicPr>
-          <p:nvPr/>
-        </p:nvPicPr>
-        <p:blipFill>
-          <a:blip r:embed="rId4">
-            <a:extLst>
-              <a:ext uri="{28A0092B-C50C-407E-A947-70E740481C1C}">
-                <a14:useLocalDpi xmlns:a14="http://schemas.microsoft.com/office/drawing/2010/main" val="0"/>
-              </a:ext>
-            </a:extLst>
-          </a:blip>
-          <a:stretch>
-            <a:fillRect/>
-          </a:stretch>
-        </p:blipFill>
-        <p:spPr>
-          <a:xfrm>
-            <a:off x="11219680" y="81495"/>
-            <a:ext cx="885818" cy="843538"/>
-          </a:xfrm>
-          <a:prstGeom prst="rect">
-            <a:avLst/>
-          </a:prstGeom>
-        </p:spPr>
-      </p:pic>
-      <p:pic>
-        <p:nvPicPr>
-          <p:cNvPr id="2" name="Picture 1" descr="A white snake on a green background&#10;&#10;Description automatically generated">
-            <a:extLst>
-              <a:ext uri="{FF2B5EF4-FFF2-40B4-BE49-F238E27FC236}">
-                <a16:creationId xmlns:a16="http://schemas.microsoft.com/office/drawing/2014/main" id="{C7130884-B4C6-7397-6152-8B3B056F1F90}"/>
-              </a:ext>
-            </a:extLst>
-          </p:cNvPr>
-          <p:cNvPicPr>
-            <a:picLocks noChangeAspect="1"/>
-          </p:cNvPicPr>
-          <p:nvPr/>
-        </p:nvPicPr>
-        <p:blipFill>
-          <a:blip r:embed="rId5"/>
-          <a:stretch>
-            <a:fillRect/>
-          </a:stretch>
-        </p:blipFill>
-        <p:spPr>
-          <a:xfrm>
-            <a:off x="1" y="4693"/>
-            <a:ext cx="692523" cy="692523"/>
-          </a:xfrm>
-          <a:prstGeom prst="rect">
-            <a:avLst/>
-          </a:prstGeom>
-        </p:spPr>
-      </p:pic>
-    </p:spTree>
-    <p:extLst>
-      <p:ext uri="{BB962C8B-B14F-4D97-AF65-F5344CB8AC3E}">
-        <p14:creationId xmlns:p14="http://schemas.microsoft.com/office/powerpoint/2010/main" val="1213805738"/>
-      </p:ext>
-    </p:extLst>
-  </p:cSld>
-  <p:clrMapOvr>
-    <a:masterClrMapping/>
-  </p:clrMapOvr>
-</p:sld>
-</file>
-
-<file path=ppt/slides/slide20.xml><?xml version="1.0" encoding="utf-8"?>
+<file path=ppt/slides/slide22.xml><?xml version="1.0" encoding="utf-8"?>
 <p:sld xmlns:a="http://schemas.openxmlformats.org/drawingml/2006/main" xmlns:r="http://schemas.openxmlformats.org/officeDocument/2006/relationships" xmlns:p="http://schemas.openxmlformats.org/presentationml/2006/main">
   <p:cSld>
     <p:bg>
@@ -10582,7 +11019,7 @@
 </p:sld>
 </file>
 
-<file path=ppt/slides/slide21.xml><?xml version="1.0" encoding="utf-8"?>
+<file path=ppt/slides/slide23.xml><?xml version="1.0" encoding="utf-8"?>
 <p:sld xmlns:a="http://schemas.openxmlformats.org/drawingml/2006/main" xmlns:r="http://schemas.openxmlformats.org/officeDocument/2006/relationships" xmlns:p="http://schemas.openxmlformats.org/presentationml/2006/main">
   <p:cSld>
     <p:bg>
@@ -10732,44 +11169,6 @@
       </p:sp>
       <p:sp>
         <p:nvSpPr>
-          <p:cNvPr id="3" name="Content Placeholder 2">
-            <a:extLst>
-              <a:ext uri="{FF2B5EF4-FFF2-40B4-BE49-F238E27FC236}">
-                <a16:creationId xmlns:a16="http://schemas.microsoft.com/office/drawing/2014/main" id="{AC66F3FF-AA9F-7BC8-BC31-69AA1C4E5065}"/>
-              </a:ext>
-            </a:extLst>
-          </p:cNvPr>
-          <p:cNvSpPr>
-            <a:spLocks noGrp="1"/>
-          </p:cNvSpPr>
-          <p:nvPr>
-            <p:ph idx="1"/>
-          </p:nvPr>
-        </p:nvSpPr>
-        <p:spPr>
-          <a:xfrm>
-            <a:off x="645066" y="2031101"/>
-            <a:ext cx="4282984" cy="3511943"/>
-          </a:xfrm>
-        </p:spPr>
-        <p:txBody>
-          <a:bodyPr anchor="ctr">
-            <a:normAutofit/>
-          </a:bodyPr>
-          <a:lstStyle/>
-          <a:p>
-            <a:pPr marL="0" indent="0">
-              <a:buNone/>
-            </a:pPr>
-            <a:r>
-              <a:rPr lang="en-US" sz="3200" dirty="0"/>
-              <a:t>Let’s get practical!</a:t>
-            </a:r>
-          </a:p>
-        </p:txBody>
-      </p:sp>
-      <p:sp>
-        <p:nvSpPr>
           <p:cNvPr id="41" name="Rectangle 40">
             <a:extLst>
               <a:ext uri="{FF2B5EF4-FFF2-40B4-BE49-F238E27FC236}">
@@ -11024,6 +11423,112 @@
           </a:prstGeom>
         </p:spPr>
       </p:pic>
+      <p:sp>
+        <p:nvSpPr>
+          <p:cNvPr id="6" name="TextBox 5">
+            <a:extLst>
+              <a:ext uri="{FF2B5EF4-FFF2-40B4-BE49-F238E27FC236}">
+                <a16:creationId xmlns:a16="http://schemas.microsoft.com/office/drawing/2014/main" id="{2E44F563-B59E-E147-10CB-996F718FE69D}"/>
+              </a:ext>
+            </a:extLst>
+          </p:cNvPr>
+          <p:cNvSpPr txBox="1"/>
+          <p:nvPr/>
+        </p:nvSpPr>
+        <p:spPr>
+          <a:xfrm>
+            <a:off x="1672694" y="2432271"/>
+            <a:ext cx="2164985" cy="369332"/>
+          </a:xfrm>
+          <a:prstGeom prst="rect">
+            <a:avLst/>
+          </a:prstGeom>
+          <a:noFill/>
+        </p:spPr>
+        <p:txBody>
+          <a:bodyPr wrap="square">
+            <a:spAutoFit/>
+          </a:bodyPr>
+          <a:lstStyle/>
+          <a:p>
+            <a:r>
+              <a:rPr lang="en-US" sz="1800" dirty="0"/>
+              <a:t>QR – Code to GitHub</a:t>
+            </a:r>
+            <a:endParaRPr lang="en-GB" dirty="0"/>
+          </a:p>
+        </p:txBody>
+      </p:sp>
+      <p:pic>
+        <p:nvPicPr>
+          <p:cNvPr id="8" name="Picture 7">
+            <a:extLst>
+              <a:ext uri="{FF2B5EF4-FFF2-40B4-BE49-F238E27FC236}">
+                <a16:creationId xmlns:a16="http://schemas.microsoft.com/office/drawing/2014/main" id="{0802750A-0878-AF38-1CD2-A4A7152D4871}"/>
+              </a:ext>
+            </a:extLst>
+          </p:cNvPr>
+          <p:cNvPicPr>
+            <a:picLocks noChangeAspect="1"/>
+          </p:cNvPicPr>
+          <p:nvPr/>
+        </p:nvPicPr>
+        <p:blipFill>
+          <a:blip r:embed="rId4"/>
+          <a:stretch>
+            <a:fillRect/>
+          </a:stretch>
+        </p:blipFill>
+        <p:spPr>
+          <a:xfrm>
+            <a:off x="1503314" y="2771660"/>
+            <a:ext cx="2443353" cy="2500708"/>
+          </a:xfrm>
+          <a:prstGeom prst="rect">
+            <a:avLst/>
+          </a:prstGeom>
+        </p:spPr>
+      </p:pic>
+      <p:sp>
+        <p:nvSpPr>
+          <p:cNvPr id="10" name="TextBox 9">
+            <a:extLst>
+              <a:ext uri="{FF2B5EF4-FFF2-40B4-BE49-F238E27FC236}">
+                <a16:creationId xmlns:a16="http://schemas.microsoft.com/office/drawing/2014/main" id="{79A88DE6-7ECD-A912-41E9-096778035816}"/>
+              </a:ext>
+            </a:extLst>
+          </p:cNvPr>
+          <p:cNvSpPr txBox="1"/>
+          <p:nvPr/>
+        </p:nvSpPr>
+        <p:spPr>
+          <a:xfrm>
+            <a:off x="548477" y="1026330"/>
+            <a:ext cx="6279776" cy="584775"/>
+          </a:xfrm>
+          <a:prstGeom prst="rect">
+            <a:avLst/>
+          </a:prstGeom>
+          <a:noFill/>
+        </p:spPr>
+        <p:txBody>
+          <a:bodyPr wrap="square">
+            <a:spAutoFit/>
+          </a:bodyPr>
+          <a:lstStyle/>
+          <a:p>
+            <a:pPr marL="0" indent="0">
+              <a:buNone/>
+            </a:pPr>
+            <a:r>
+              <a:rPr lang="en-US" sz="3200" b="1" dirty="0">
+                <a:latin typeface="Amasis MT Pro Black" panose="020F0502020204030204" pitchFamily="18" charset="0"/>
+              </a:rPr>
+              <a:t>Let’s get practical!</a:t>
+            </a:r>
+          </a:p>
+        </p:txBody>
+      </p:sp>
     </p:spTree>
     <p:extLst>
       <p:ext uri="{BB962C8B-B14F-4D97-AF65-F5344CB8AC3E}">
@@ -11037,7 +11542,7 @@
 </p:sld>
 </file>
 
-<file path=ppt/slides/slide22.xml><?xml version="1.0" encoding="utf-8"?>
+<file path=ppt/slides/slide24.xml><?xml version="1.0" encoding="utf-8"?>
 <p:sld xmlns:a="http://schemas.openxmlformats.org/drawingml/2006/main" xmlns:r="http://schemas.openxmlformats.org/officeDocument/2006/relationships" xmlns:p="http://schemas.openxmlformats.org/presentationml/2006/main">
   <p:cSld>
     <p:bg>
@@ -11976,7 +12481,7 @@
         </p:nvSpPr>
         <p:spPr>
           <a:xfrm>
-            <a:off x="1075767" y="1188637"/>
+            <a:off x="1153918" y="1095504"/>
             <a:ext cx="2988234" cy="4480726"/>
           </a:xfrm>
         </p:spPr>
@@ -11986,11 +12491,28 @@
           </a:bodyPr>
           <a:lstStyle/>
           <a:p>
-            <a:pPr algn="r"/>
-            <a:r>
-              <a:rPr lang="en-US" sz="6600"/>
+            <a:pPr algn="ctr"/>
+            <a:r>
+              <a:rPr lang="en-US" sz="6600" dirty="0"/>
               <a:t>Agenda</a:t>
             </a:r>
+            <a:br>
+              <a:rPr lang="en-US" sz="1800" dirty="0"/>
+            </a:br>
+            <a:r>
+              <a:rPr lang="en-US" sz="1800" dirty="0"/>
+              <a:t>QR – Code to GitHub</a:t>
+            </a:r>
+            <a:br>
+              <a:rPr lang="en-US" sz="1800" dirty="0"/>
+            </a:br>
+            <a:br>
+              <a:rPr lang="en-US" sz="1800" dirty="0"/>
+            </a:br>
+            <a:br>
+              <a:rPr lang="en-US" sz="6600" dirty="0"/>
+            </a:br>
+            <a:endParaRPr lang="en-US" sz="6600" dirty="0"/>
           </a:p>
         </p:txBody>
       </p:sp>
@@ -12156,6 +12678,36 @@
           <a:xfrm>
             <a:off x="11044117" y="5728447"/>
             <a:ext cx="502710" cy="502710"/>
+          </a:xfrm>
+          <a:prstGeom prst="rect">
+            <a:avLst/>
+          </a:prstGeom>
+        </p:spPr>
+      </p:pic>
+      <p:pic>
+        <p:nvPicPr>
+          <p:cNvPr id="6" name="Picture 5">
+            <a:extLst>
+              <a:ext uri="{FF2B5EF4-FFF2-40B4-BE49-F238E27FC236}">
+                <a16:creationId xmlns:a16="http://schemas.microsoft.com/office/drawing/2014/main" id="{3C3E8700-FA5C-9CD8-C6D8-5795265C3059}"/>
+              </a:ext>
+            </a:extLst>
+          </p:cNvPr>
+          <p:cNvPicPr>
+            <a:picLocks noChangeAspect="1"/>
+          </p:cNvPicPr>
+          <p:nvPr/>
+        </p:nvPicPr>
+        <p:blipFill>
+          <a:blip r:embed="rId3"/>
+          <a:stretch>
+            <a:fillRect/>
+          </a:stretch>
+        </p:blipFill>
+        <p:spPr>
+          <a:xfrm>
+            <a:off x="1295415" y="2900621"/>
+            <a:ext cx="2705239" cy="2768742"/>
           </a:xfrm>
           <a:prstGeom prst="rect">
             <a:avLst/>
@@ -12588,10 +13140,10 @@
       </p:grpSpPr>
       <p:sp useBgFill="1">
         <p:nvSpPr>
-          <p:cNvPr id="23" name="Rectangle 22">
-            <a:extLst>
-              <a:ext uri="{FF2B5EF4-FFF2-40B4-BE49-F238E27FC236}">
-                <a16:creationId xmlns:a16="http://schemas.microsoft.com/office/drawing/2014/main" id="{50CEED20-A22C-4FC3-BC0E-F4FE53FDEB97}"/>
+          <p:cNvPr id="1031" name="Rectangle 1030">
+            <a:extLst>
+              <a:ext uri="{FF2B5EF4-FFF2-40B4-BE49-F238E27FC236}">
+                <a16:creationId xmlns:a16="http://schemas.microsoft.com/office/drawing/2014/main" id="{47942995-B07F-4636-9A06-C6A104B260A8}"/>
               </a:ext>
               <a:ext uri="{C183D7F6-B498-43B3-948B-1728B52AA6E4}">
                 <adec:decorative xmlns:adec="http://schemas.microsoft.com/office/drawing/2017/decorative" val="1"/>
@@ -12651,7 +13203,7 @@
           <p:cNvPr id="2" name="Title 1">
             <a:extLst>
               <a:ext uri="{FF2B5EF4-FFF2-40B4-BE49-F238E27FC236}">
-                <a16:creationId xmlns:a16="http://schemas.microsoft.com/office/drawing/2014/main" id="{65086653-F6D3-0E27-3DEA-7B88F8A2B56B}"/>
+                <a16:creationId xmlns:a16="http://schemas.microsoft.com/office/drawing/2014/main" id="{4CE0F433-5C4A-7D02-FD68-F3AAEB9035A4}"/>
               </a:ext>
             </a:extLst>
           </p:cNvPr>
@@ -12664,8 +13216,8 @@
         </p:nvSpPr>
         <p:spPr>
           <a:xfrm>
-            <a:off x="1113810" y="2825248"/>
-            <a:ext cx="3225434" cy="1804941"/>
+            <a:off x="1113810" y="2127922"/>
+            <a:ext cx="4036334" cy="2387600"/>
           </a:xfrm>
         </p:spPr>
         <p:txBody>
@@ -12675,7 +13227,1189 @@
           <a:lstStyle/>
           <a:p>
             <a:r>
-              <a:rPr lang="en-US" sz="3600" kern="1200" dirty="0">
+              <a:rPr lang="en-US" sz="5400" kern="1200" dirty="0">
+                <a:solidFill>
+                  <a:schemeClr val="tx1"/>
+                </a:solidFill>
+                <a:latin typeface="+mj-lt"/>
+                <a:ea typeface="+mj-ea"/>
+                <a:cs typeface="+mj-cs"/>
+              </a:rPr>
+              <a:t>Natural Language Processing</a:t>
+            </a:r>
+          </a:p>
+        </p:txBody>
+      </p:sp>
+      <p:grpSp>
+        <p:nvGrpSpPr>
+          <p:cNvPr id="1033" name="Group 1032">
+            <a:extLst>
+              <a:ext uri="{FF2B5EF4-FFF2-40B4-BE49-F238E27FC236}">
+                <a16:creationId xmlns:a16="http://schemas.microsoft.com/office/drawing/2014/main" id="{032D8612-31EB-44CF-A1D0-14FD4C705424}"/>
+              </a:ext>
+              <a:ext uri="{C183D7F6-B498-43B3-948B-1728B52AA6E4}">
+                <adec:decorative xmlns:adec="http://schemas.microsoft.com/office/drawing/2017/decorative" val="1"/>
+              </a:ext>
+            </a:extLst>
+          </p:cNvPr>
+          <p:cNvGrpSpPr>
+            <a:grpSpLocks noGrp="1" noUngrp="1" noRot="1" noChangeAspect="1" noMove="1" noResize="1"/>
+          </p:cNvGrpSpPr>
+          <p:nvPr>
+            <p:extLst>
+              <p:ext uri="{386F3935-93C4-4BCD-93E2-E3B085C9AB24}">
+                <p16:designElem xmlns:p16="http://schemas.microsoft.com/office/powerpoint/2015/main" val="1"/>
+              </p:ext>
+            </p:extLst>
+          </p:nvPr>
+        </p:nvGrpSpPr>
+        <p:grpSpPr>
+          <a:xfrm>
+            <a:off x="0" y="2984992"/>
+            <a:ext cx="731521" cy="673460"/>
+            <a:chOff x="3940602" y="308034"/>
+            <a:chExt cx="2116791" cy="3428999"/>
+          </a:xfrm>
+          <a:solidFill>
+            <a:schemeClr val="accent4"/>
+          </a:solidFill>
+        </p:grpSpPr>
+        <p:sp>
+          <p:nvSpPr>
+            <p:cNvPr id="1034" name="Rectangle 1033">
+              <a:extLst>
+                <a:ext uri="{FF2B5EF4-FFF2-40B4-BE49-F238E27FC236}">
+                  <a16:creationId xmlns:a16="http://schemas.microsoft.com/office/drawing/2014/main" id="{F19A4A0F-1B59-4DB0-9764-D10936E98770}"/>
+                </a:ext>
+                <a:ext uri="{C183D7F6-B498-43B3-948B-1728B52AA6E4}">
+                  <adec:decorative xmlns:adec="http://schemas.microsoft.com/office/drawing/2017/decorative" val="1"/>
+                </a:ext>
+              </a:extLst>
+            </p:cNvPr>
+            <p:cNvSpPr/>
+            <p:nvPr>
+              <p:extLst>
+                <p:ext uri="{386F3935-93C4-4BCD-93E2-E3B085C9AB24}">
+                  <p16:designElem xmlns:p16="http://schemas.microsoft.com/office/powerpoint/2015/main" val="1"/>
+                </p:ext>
+              </p:extLst>
+            </p:nvPr>
+          </p:nvSpPr>
+          <p:spPr>
+            <a:xfrm>
+              <a:off x="3940602" y="308034"/>
+              <a:ext cx="566743" cy="3428999"/>
+            </a:xfrm>
+            <a:prstGeom prst="rect">
+              <a:avLst/>
+            </a:prstGeom>
+            <a:grpFill/>
+            <a:ln>
+              <a:noFill/>
+            </a:ln>
+          </p:spPr>
+          <p:style>
+            <a:lnRef idx="2">
+              <a:schemeClr val="accent1">
+                <a:shade val="50000"/>
+              </a:schemeClr>
+            </a:lnRef>
+            <a:fillRef idx="1">
+              <a:schemeClr val="accent1"/>
+            </a:fillRef>
+            <a:effectRef idx="0">
+              <a:schemeClr val="accent1"/>
+            </a:effectRef>
+            <a:fontRef idx="minor">
+              <a:schemeClr val="lt1"/>
+            </a:fontRef>
+          </p:style>
+          <p:txBody>
+            <a:bodyPr rtlCol="0" anchor="ctr"/>
+            <a:lstStyle/>
+            <a:p>
+              <a:pPr algn="ctr"/>
+              <a:endParaRPr lang="en-US"/>
+            </a:p>
+          </p:txBody>
+        </p:sp>
+        <p:sp>
+          <p:nvSpPr>
+            <p:cNvPr id="1035" name="Rectangle 1034">
+              <a:extLst>
+                <a:ext uri="{FF2B5EF4-FFF2-40B4-BE49-F238E27FC236}">
+                  <a16:creationId xmlns:a16="http://schemas.microsoft.com/office/drawing/2014/main" id="{F399A70F-F8CD-4992-9EF5-6CF15472E73F}"/>
+                </a:ext>
+                <a:ext uri="{C183D7F6-B498-43B3-948B-1728B52AA6E4}">
+                  <adec:decorative xmlns:adec="http://schemas.microsoft.com/office/drawing/2017/decorative" val="1"/>
+                </a:ext>
+              </a:extLst>
+            </p:cNvPr>
+            <p:cNvSpPr/>
+            <p:nvPr>
+              <p:extLst>
+                <p:ext uri="{386F3935-93C4-4BCD-93E2-E3B085C9AB24}">
+                  <p16:designElem xmlns:p16="http://schemas.microsoft.com/office/powerpoint/2015/main" val="1"/>
+                </p:ext>
+              </p:extLst>
+            </p:nvPr>
+          </p:nvSpPr>
+          <p:spPr>
+            <a:xfrm>
+              <a:off x="4715626" y="308034"/>
+              <a:ext cx="566743" cy="3428999"/>
+            </a:xfrm>
+            <a:prstGeom prst="rect">
+              <a:avLst/>
+            </a:prstGeom>
+            <a:grpFill/>
+            <a:ln>
+              <a:noFill/>
+            </a:ln>
+          </p:spPr>
+          <p:style>
+            <a:lnRef idx="2">
+              <a:schemeClr val="accent1">
+                <a:shade val="50000"/>
+              </a:schemeClr>
+            </a:lnRef>
+            <a:fillRef idx="1">
+              <a:schemeClr val="accent1"/>
+            </a:fillRef>
+            <a:effectRef idx="0">
+              <a:schemeClr val="accent1"/>
+            </a:effectRef>
+            <a:fontRef idx="minor">
+              <a:schemeClr val="lt1"/>
+            </a:fontRef>
+          </p:style>
+          <p:txBody>
+            <a:bodyPr rtlCol="0" anchor="ctr"/>
+            <a:lstStyle/>
+            <a:p>
+              <a:pPr algn="ctr"/>
+              <a:endParaRPr lang="en-US"/>
+            </a:p>
+          </p:txBody>
+        </p:sp>
+        <p:sp>
+          <p:nvSpPr>
+            <p:cNvPr id="1036" name="Rectangle 1035">
+              <a:extLst>
+                <a:ext uri="{FF2B5EF4-FFF2-40B4-BE49-F238E27FC236}">
+                  <a16:creationId xmlns:a16="http://schemas.microsoft.com/office/drawing/2014/main" id="{48F4FEDC-6D80-458C-A665-075D9B9500FD}"/>
+                </a:ext>
+                <a:ext uri="{C183D7F6-B498-43B3-948B-1728B52AA6E4}">
+                  <adec:decorative xmlns:adec="http://schemas.microsoft.com/office/drawing/2017/decorative" val="1"/>
+                </a:ext>
+              </a:extLst>
+            </p:cNvPr>
+            <p:cNvSpPr/>
+            <p:nvPr>
+              <p:extLst>
+                <p:ext uri="{386F3935-93C4-4BCD-93E2-E3B085C9AB24}">
+                  <p16:designElem xmlns:p16="http://schemas.microsoft.com/office/powerpoint/2015/main" val="1"/>
+                </p:ext>
+              </p:extLst>
+            </p:nvPr>
+          </p:nvSpPr>
+          <p:spPr>
+            <a:xfrm>
+              <a:off x="5490650" y="308034"/>
+              <a:ext cx="566743" cy="3428999"/>
+            </a:xfrm>
+            <a:prstGeom prst="rect">
+              <a:avLst/>
+            </a:prstGeom>
+            <a:grpFill/>
+            <a:ln>
+              <a:noFill/>
+            </a:ln>
+          </p:spPr>
+          <p:style>
+            <a:lnRef idx="2">
+              <a:schemeClr val="accent1">
+                <a:shade val="50000"/>
+              </a:schemeClr>
+            </a:lnRef>
+            <a:fillRef idx="1">
+              <a:schemeClr val="accent1"/>
+            </a:fillRef>
+            <a:effectRef idx="0">
+              <a:schemeClr val="accent1"/>
+            </a:effectRef>
+            <a:fontRef idx="minor">
+              <a:schemeClr val="lt1"/>
+            </a:fontRef>
+          </p:style>
+          <p:txBody>
+            <a:bodyPr rtlCol="0" anchor="ctr"/>
+            <a:lstStyle/>
+            <a:p>
+              <a:pPr algn="ctr"/>
+              <a:endParaRPr lang="en-US"/>
+            </a:p>
+          </p:txBody>
+        </p:sp>
+      </p:grpSp>
+      <p:sp>
+        <p:nvSpPr>
+          <p:cNvPr id="1038" name="Rectangle 1037">
+            <a:extLst>
+              <a:ext uri="{FF2B5EF4-FFF2-40B4-BE49-F238E27FC236}">
+                <a16:creationId xmlns:a16="http://schemas.microsoft.com/office/drawing/2014/main" id="{B81933D1-5615-42C7-9C0B-4EB7105CCE2D}"/>
+              </a:ext>
+              <a:ext uri="{C183D7F6-B498-43B3-948B-1728B52AA6E4}">
+                <adec:decorative xmlns:adec="http://schemas.microsoft.com/office/drawing/2017/decorative" val="1"/>
+              </a:ext>
+            </a:extLst>
+          </p:cNvPr>
+          <p:cNvSpPr>
+            <a:spLocks noGrp="1" noRot="1" noChangeAspect="1" noMove="1" noResize="1" noEditPoints="1" noAdjustHandles="1" noChangeArrowheads="1" noChangeShapeType="1" noTextEdit="1"/>
+          </p:cNvSpPr>
+          <p:nvPr>
+            <p:extLst>
+              <p:ext uri="{386F3935-93C4-4BCD-93E2-E3B085C9AB24}">
+                <p16:designElem xmlns:p16="http://schemas.microsoft.com/office/powerpoint/2015/main" val="1"/>
+              </p:ext>
+            </p:extLst>
+          </p:nvPr>
+        </p:nvSpPr>
+        <p:spPr>
+          <a:xfrm flipH="1">
+            <a:off x="10697670" y="0"/>
+            <a:ext cx="1494330" cy="6858000"/>
+          </a:xfrm>
+          <a:prstGeom prst="rect">
+            <a:avLst/>
+          </a:prstGeom>
+          <a:solidFill>
+            <a:schemeClr val="accent4"/>
+          </a:solidFill>
+          <a:ln>
+            <a:noFill/>
+          </a:ln>
+        </p:spPr>
+        <p:style>
+          <a:lnRef idx="2">
+            <a:schemeClr val="accent1">
+              <a:shade val="50000"/>
+            </a:schemeClr>
+          </a:lnRef>
+          <a:fillRef idx="1">
+            <a:schemeClr val="accent1"/>
+          </a:fillRef>
+          <a:effectRef idx="0">
+            <a:schemeClr val="accent1"/>
+          </a:effectRef>
+          <a:fontRef idx="minor">
+            <a:schemeClr val="lt1"/>
+          </a:fontRef>
+        </p:style>
+        <p:txBody>
+          <a:bodyPr rtlCol="0" anchor="ctr"/>
+          <a:lstStyle/>
+          <a:p>
+            <a:pPr algn="ctr"/>
+            <a:endParaRPr lang="en-US"/>
+          </a:p>
+        </p:txBody>
+      </p:sp>
+      <p:sp>
+        <p:nvSpPr>
+          <p:cNvPr id="1040" name="Rectangle 1039">
+            <a:extLst>
+              <a:ext uri="{FF2B5EF4-FFF2-40B4-BE49-F238E27FC236}">
+                <a16:creationId xmlns:a16="http://schemas.microsoft.com/office/drawing/2014/main" id="{19C9EAEA-39D0-4B0E-A0EB-51E7B26740B1}"/>
+              </a:ext>
+              <a:ext uri="{C183D7F6-B498-43B3-948B-1728B52AA6E4}">
+                <adec:decorative xmlns:adec="http://schemas.microsoft.com/office/drawing/2017/decorative" val="1"/>
+              </a:ext>
+            </a:extLst>
+          </p:cNvPr>
+          <p:cNvSpPr>
+            <a:spLocks noGrp="1" noRot="1" noChangeAspect="1" noMove="1" noResize="1" noEditPoints="1" noAdjustHandles="1" noChangeArrowheads="1" noChangeShapeType="1" noTextEdit="1"/>
+          </p:cNvSpPr>
+          <p:nvPr>
+            <p:extLst>
+              <p:ext uri="{386F3935-93C4-4BCD-93E2-E3B085C9AB24}">
+                <p16:designElem xmlns:p16="http://schemas.microsoft.com/office/powerpoint/2015/main" val="1"/>
+              </p:ext>
+            </p:extLst>
+          </p:nvPr>
+        </p:nvSpPr>
+        <p:spPr>
+          <a:xfrm>
+            <a:off x="5685810" y="391886"/>
+            <a:ext cx="6009366" cy="6017078"/>
+          </a:xfrm>
+          <a:prstGeom prst="rect">
+            <a:avLst/>
+          </a:prstGeom>
+          <a:solidFill>
+            <a:schemeClr val="bg1"/>
+          </a:solidFill>
+          <a:ln>
+            <a:noFill/>
+          </a:ln>
+          <a:effectLst>
+            <a:outerShdw blurRad="139700" dist="127000" dir="5400000" algn="t" rotWithShape="0">
+              <a:prstClr val="black">
+                <a:alpha val="15000"/>
+              </a:prstClr>
+            </a:outerShdw>
+          </a:effectLst>
+        </p:spPr>
+        <p:style>
+          <a:lnRef idx="2">
+            <a:schemeClr val="accent1">
+              <a:shade val="50000"/>
+            </a:schemeClr>
+          </a:lnRef>
+          <a:fillRef idx="1">
+            <a:schemeClr val="accent1"/>
+          </a:fillRef>
+          <a:effectRef idx="0">
+            <a:schemeClr val="accent1"/>
+          </a:effectRef>
+          <a:fontRef idx="minor">
+            <a:schemeClr val="lt1"/>
+          </a:fontRef>
+        </p:style>
+        <p:txBody>
+          <a:bodyPr rtlCol="0" anchor="ctr"/>
+          <a:lstStyle/>
+          <a:p>
+            <a:pPr algn="ctr"/>
+            <a:endParaRPr lang="en-US"/>
+          </a:p>
+        </p:txBody>
+      </p:sp>
+      <p:pic>
+        <p:nvPicPr>
+          <p:cNvPr id="1026" name="Picture 2" descr="Solve your Scientific Search Problems: Easy-to-Use Web Access to Deep NLP  Text Mining Capabilities | Linguamatics">
+            <a:extLst>
+              <a:ext uri="{FF2B5EF4-FFF2-40B4-BE49-F238E27FC236}">
+                <a16:creationId xmlns:a16="http://schemas.microsoft.com/office/drawing/2014/main" id="{D2296F78-53FE-BBB1-BF31-A56AC0AB9858}"/>
+              </a:ext>
+            </a:extLst>
+          </p:cNvPr>
+          <p:cNvPicPr>
+            <a:picLocks noChangeAspect="1" noChangeArrowheads="1"/>
+          </p:cNvPicPr>
+          <p:nvPr/>
+        </p:nvPicPr>
+        <p:blipFill>
+          <a:blip r:embed="rId2">
+            <a:extLst>
+              <a:ext uri="{28A0092B-C50C-407E-A947-70E740481C1C}">
+                <a14:useLocalDpi xmlns:a14="http://schemas.microsoft.com/office/drawing/2010/main" val="0"/>
+              </a:ext>
+            </a:extLst>
+          </a:blip>
+          <a:stretch>
+            <a:fillRect/>
+          </a:stretch>
+        </p:blipFill>
+        <p:spPr bwMode="auto">
+          <a:xfrm>
+            <a:off x="5922492" y="1226743"/>
+            <a:ext cx="5536001" cy="4345760"/>
+          </a:xfrm>
+          <a:prstGeom prst="rect">
+            <a:avLst/>
+          </a:prstGeom>
+          <a:noFill/>
+          <a:extLst>
+            <a:ext uri="{909E8E84-426E-40DD-AFC4-6F175D3DCCD1}">
+              <a14:hiddenFill xmlns:a14="http://schemas.microsoft.com/office/drawing/2010/main">
+                <a:solidFill>
+                  <a:srgbClr val="FFFFFF"/>
+                </a:solidFill>
+              </a14:hiddenFill>
+            </a:ext>
+          </a:extLst>
+        </p:spPr>
+      </p:pic>
+      <p:pic>
+        <p:nvPicPr>
+          <p:cNvPr id="4" name="Picture 3" descr="A white snake on a green background&#10;&#10;Description automatically generated">
+            <a:extLst>
+              <a:ext uri="{FF2B5EF4-FFF2-40B4-BE49-F238E27FC236}">
+                <a16:creationId xmlns:a16="http://schemas.microsoft.com/office/drawing/2014/main" id="{6A88376B-CB70-364A-2C72-C11B7FA1AE97}"/>
+              </a:ext>
+            </a:extLst>
+          </p:cNvPr>
+          <p:cNvPicPr>
+            <a:picLocks noChangeAspect="1"/>
+          </p:cNvPicPr>
+          <p:nvPr/>
+        </p:nvPicPr>
+        <p:blipFill>
+          <a:blip r:embed="rId3"/>
+          <a:stretch>
+            <a:fillRect/>
+          </a:stretch>
+        </p:blipFill>
+        <p:spPr>
+          <a:xfrm>
+            <a:off x="11044117" y="5728447"/>
+            <a:ext cx="502710" cy="502710"/>
+          </a:xfrm>
+          <a:prstGeom prst="rect">
+            <a:avLst/>
+          </a:prstGeom>
+        </p:spPr>
+      </p:pic>
+    </p:spTree>
+    <p:extLst>
+      <p:ext uri="{BB962C8B-B14F-4D97-AF65-F5344CB8AC3E}">
+        <p14:creationId xmlns:p14="http://schemas.microsoft.com/office/powerpoint/2010/main" val="2847314005"/>
+      </p:ext>
+    </p:extLst>
+  </p:cSld>
+  <p:clrMapOvr>
+    <a:masterClrMapping/>
+  </p:clrMapOvr>
+</p:sld>
+</file>
+
+<file path=ppt/slides/slide7.xml><?xml version="1.0" encoding="utf-8"?>
+<p:sld xmlns:a="http://schemas.openxmlformats.org/drawingml/2006/main" xmlns:r="http://schemas.openxmlformats.org/officeDocument/2006/relationships" xmlns:p="http://schemas.openxmlformats.org/presentationml/2006/main">
+  <p:cSld>
+    <p:bg>
+      <p:bgPr>
+        <a:solidFill>
+          <a:schemeClr val="bg1"/>
+        </a:solidFill>
+        <a:effectLst/>
+      </p:bgPr>
+    </p:bg>
+    <p:spTree>
+      <p:nvGrpSpPr>
+        <p:cNvPr id="1" name=""/>
+        <p:cNvGrpSpPr/>
+        <p:nvPr/>
+      </p:nvGrpSpPr>
+      <p:grpSpPr>
+        <a:xfrm>
+          <a:off x="0" y="0"/>
+          <a:ext cx="0" cy="0"/>
+          <a:chOff x="0" y="0"/>
+          <a:chExt cx="0" cy="0"/>
+        </a:xfrm>
+      </p:grpSpPr>
+      <p:sp useBgFill="1">
+        <p:nvSpPr>
+          <p:cNvPr id="1031" name="Rectangle 1030">
+            <a:extLst>
+              <a:ext uri="{FF2B5EF4-FFF2-40B4-BE49-F238E27FC236}">
+                <a16:creationId xmlns:a16="http://schemas.microsoft.com/office/drawing/2014/main" id="{47942995-B07F-4636-9A06-C6A104B260A8}"/>
+              </a:ext>
+              <a:ext uri="{C183D7F6-B498-43B3-948B-1728B52AA6E4}">
+                <adec:decorative xmlns:adec="http://schemas.microsoft.com/office/drawing/2017/decorative" val="1"/>
+              </a:ext>
+            </a:extLst>
+          </p:cNvPr>
+          <p:cNvSpPr>
+            <a:spLocks noGrp="1" noRot="1" noChangeAspect="1" noMove="1" noResize="1" noEditPoints="1" noAdjustHandles="1" noChangeArrowheads="1" noChangeShapeType="1" noTextEdit="1"/>
+          </p:cNvSpPr>
+          <p:nvPr>
+            <p:extLst>
+              <p:ext uri="{386F3935-93C4-4BCD-93E2-E3B085C9AB24}">
+                <p16:designElem xmlns:p16="http://schemas.microsoft.com/office/powerpoint/2015/main" val="1"/>
+              </p:ext>
+            </p:extLst>
+          </p:nvPr>
+        </p:nvSpPr>
+        <p:spPr>
+          <a:xfrm>
+            <a:off x="0" y="0"/>
+            <a:ext cx="12191999" cy="6857365"/>
+          </a:xfrm>
+          <a:prstGeom prst="rect">
+            <a:avLst/>
+          </a:prstGeom>
+          <a:ln>
+            <a:noFill/>
+          </a:ln>
+        </p:spPr>
+        <p:style>
+          <a:lnRef idx="2">
+            <a:schemeClr val="accent1">
+              <a:shade val="50000"/>
+            </a:schemeClr>
+          </a:lnRef>
+          <a:fillRef idx="1">
+            <a:schemeClr val="accent1"/>
+          </a:fillRef>
+          <a:effectRef idx="0">
+            <a:schemeClr val="accent1"/>
+          </a:effectRef>
+          <a:fontRef idx="minor">
+            <a:schemeClr val="lt1"/>
+          </a:fontRef>
+        </p:style>
+        <p:txBody>
+          <a:bodyPr rtlCol="0" anchor="ctr"/>
+          <a:lstStyle/>
+          <a:p>
+            <a:pPr algn="ctr"/>
+            <a:endParaRPr lang="en-US"/>
+          </a:p>
+        </p:txBody>
+      </p:sp>
+      <p:sp>
+        <p:nvSpPr>
+          <p:cNvPr id="2" name="Title 1">
+            <a:extLst>
+              <a:ext uri="{FF2B5EF4-FFF2-40B4-BE49-F238E27FC236}">
+                <a16:creationId xmlns:a16="http://schemas.microsoft.com/office/drawing/2014/main" id="{4CE0F433-5C4A-7D02-FD68-F3AAEB9035A4}"/>
+              </a:ext>
+            </a:extLst>
+          </p:cNvPr>
+          <p:cNvSpPr>
+            <a:spLocks noGrp="1"/>
+          </p:cNvSpPr>
+          <p:nvPr>
+            <p:ph type="title"/>
+          </p:nvPr>
+        </p:nvSpPr>
+        <p:spPr>
+          <a:xfrm>
+            <a:off x="1057806" y="1791192"/>
+            <a:ext cx="4036334" cy="2387600"/>
+          </a:xfrm>
+        </p:spPr>
+        <p:txBody>
+          <a:bodyPr vert="horz" lIns="91440" tIns="45720" rIns="91440" bIns="45720" rtlCol="0" anchor="t">
+            <a:normAutofit fontScale="90000"/>
+          </a:bodyPr>
+          <a:lstStyle/>
+          <a:p>
+            <a:r>
+              <a:rPr lang="en-US" sz="5400" kern="1200" dirty="0">
+                <a:solidFill>
+                  <a:schemeClr val="tx1"/>
+                </a:solidFill>
+                <a:latin typeface="+mj-lt"/>
+                <a:ea typeface="+mj-ea"/>
+                <a:cs typeface="+mj-cs"/>
+              </a:rPr>
+              <a:t>Where does NLP fit here?</a:t>
+            </a:r>
+            <a:br>
+              <a:rPr lang="en-US" sz="5400" kern="1200" dirty="0">
+                <a:solidFill>
+                  <a:schemeClr val="tx1"/>
+                </a:solidFill>
+                <a:latin typeface="+mj-lt"/>
+                <a:ea typeface="+mj-ea"/>
+                <a:cs typeface="+mj-cs"/>
+              </a:rPr>
+            </a:br>
+            <a:br>
+              <a:rPr lang="en-US" sz="5400" kern="1200" dirty="0">
+                <a:solidFill>
+                  <a:schemeClr val="tx1"/>
+                </a:solidFill>
+                <a:latin typeface="+mj-lt"/>
+                <a:ea typeface="+mj-ea"/>
+                <a:cs typeface="+mj-cs"/>
+              </a:rPr>
+            </a:br>
+            <a:r>
+              <a:rPr lang="en-US" sz="3300" b="1" kern="1200" dirty="0">
+                <a:solidFill>
+                  <a:schemeClr val="tx1"/>
+                </a:solidFill>
+                <a:latin typeface="+mj-lt"/>
+                <a:ea typeface="+mj-ea"/>
+                <a:cs typeface="+mj-cs"/>
+              </a:rPr>
+              <a:t>Menti: 8215 9464</a:t>
+            </a:r>
+          </a:p>
+        </p:txBody>
+      </p:sp>
+      <p:grpSp>
+        <p:nvGrpSpPr>
+          <p:cNvPr id="1033" name="Group 1032">
+            <a:extLst>
+              <a:ext uri="{FF2B5EF4-FFF2-40B4-BE49-F238E27FC236}">
+                <a16:creationId xmlns:a16="http://schemas.microsoft.com/office/drawing/2014/main" id="{032D8612-31EB-44CF-A1D0-14FD4C705424}"/>
+              </a:ext>
+              <a:ext uri="{C183D7F6-B498-43B3-948B-1728B52AA6E4}">
+                <adec:decorative xmlns:adec="http://schemas.microsoft.com/office/drawing/2017/decorative" val="1"/>
+              </a:ext>
+            </a:extLst>
+          </p:cNvPr>
+          <p:cNvGrpSpPr>
+            <a:grpSpLocks noGrp="1" noUngrp="1" noRot="1" noChangeAspect="1" noMove="1" noResize="1"/>
+          </p:cNvGrpSpPr>
+          <p:nvPr>
+            <p:extLst>
+              <p:ext uri="{386F3935-93C4-4BCD-93E2-E3B085C9AB24}">
+                <p16:designElem xmlns:p16="http://schemas.microsoft.com/office/powerpoint/2015/main" val="1"/>
+              </p:ext>
+            </p:extLst>
+          </p:nvPr>
+        </p:nvGrpSpPr>
+        <p:grpSpPr>
+          <a:xfrm>
+            <a:off x="0" y="2984992"/>
+            <a:ext cx="731521" cy="673460"/>
+            <a:chOff x="3940602" y="308034"/>
+            <a:chExt cx="2116791" cy="3428999"/>
+          </a:xfrm>
+          <a:solidFill>
+            <a:schemeClr val="accent4"/>
+          </a:solidFill>
+        </p:grpSpPr>
+        <p:sp>
+          <p:nvSpPr>
+            <p:cNvPr id="1034" name="Rectangle 1033">
+              <a:extLst>
+                <a:ext uri="{FF2B5EF4-FFF2-40B4-BE49-F238E27FC236}">
+                  <a16:creationId xmlns:a16="http://schemas.microsoft.com/office/drawing/2014/main" id="{F19A4A0F-1B59-4DB0-9764-D10936E98770}"/>
+                </a:ext>
+                <a:ext uri="{C183D7F6-B498-43B3-948B-1728B52AA6E4}">
+                  <adec:decorative xmlns:adec="http://schemas.microsoft.com/office/drawing/2017/decorative" val="1"/>
+                </a:ext>
+              </a:extLst>
+            </p:cNvPr>
+            <p:cNvSpPr/>
+            <p:nvPr>
+              <p:extLst>
+                <p:ext uri="{386F3935-93C4-4BCD-93E2-E3B085C9AB24}">
+                  <p16:designElem xmlns:p16="http://schemas.microsoft.com/office/powerpoint/2015/main" val="1"/>
+                </p:ext>
+              </p:extLst>
+            </p:nvPr>
+          </p:nvSpPr>
+          <p:spPr>
+            <a:xfrm>
+              <a:off x="3940602" y="308034"/>
+              <a:ext cx="566743" cy="3428999"/>
+            </a:xfrm>
+            <a:prstGeom prst="rect">
+              <a:avLst/>
+            </a:prstGeom>
+            <a:grpFill/>
+            <a:ln>
+              <a:noFill/>
+            </a:ln>
+          </p:spPr>
+          <p:style>
+            <a:lnRef idx="2">
+              <a:schemeClr val="accent1">
+                <a:shade val="50000"/>
+              </a:schemeClr>
+            </a:lnRef>
+            <a:fillRef idx="1">
+              <a:schemeClr val="accent1"/>
+            </a:fillRef>
+            <a:effectRef idx="0">
+              <a:schemeClr val="accent1"/>
+            </a:effectRef>
+            <a:fontRef idx="minor">
+              <a:schemeClr val="lt1"/>
+            </a:fontRef>
+          </p:style>
+          <p:txBody>
+            <a:bodyPr rtlCol="0" anchor="ctr"/>
+            <a:lstStyle/>
+            <a:p>
+              <a:pPr algn="ctr"/>
+              <a:endParaRPr lang="en-US"/>
+            </a:p>
+          </p:txBody>
+        </p:sp>
+        <p:sp>
+          <p:nvSpPr>
+            <p:cNvPr id="1035" name="Rectangle 1034">
+              <a:extLst>
+                <a:ext uri="{FF2B5EF4-FFF2-40B4-BE49-F238E27FC236}">
+                  <a16:creationId xmlns:a16="http://schemas.microsoft.com/office/drawing/2014/main" id="{F399A70F-F8CD-4992-9EF5-6CF15472E73F}"/>
+                </a:ext>
+                <a:ext uri="{C183D7F6-B498-43B3-948B-1728B52AA6E4}">
+                  <adec:decorative xmlns:adec="http://schemas.microsoft.com/office/drawing/2017/decorative" val="1"/>
+                </a:ext>
+              </a:extLst>
+            </p:cNvPr>
+            <p:cNvSpPr/>
+            <p:nvPr>
+              <p:extLst>
+                <p:ext uri="{386F3935-93C4-4BCD-93E2-E3B085C9AB24}">
+                  <p16:designElem xmlns:p16="http://schemas.microsoft.com/office/powerpoint/2015/main" val="1"/>
+                </p:ext>
+              </p:extLst>
+            </p:nvPr>
+          </p:nvSpPr>
+          <p:spPr>
+            <a:xfrm>
+              <a:off x="4715626" y="308034"/>
+              <a:ext cx="566743" cy="3428999"/>
+            </a:xfrm>
+            <a:prstGeom prst="rect">
+              <a:avLst/>
+            </a:prstGeom>
+            <a:grpFill/>
+            <a:ln>
+              <a:noFill/>
+            </a:ln>
+          </p:spPr>
+          <p:style>
+            <a:lnRef idx="2">
+              <a:schemeClr val="accent1">
+                <a:shade val="50000"/>
+              </a:schemeClr>
+            </a:lnRef>
+            <a:fillRef idx="1">
+              <a:schemeClr val="accent1"/>
+            </a:fillRef>
+            <a:effectRef idx="0">
+              <a:schemeClr val="accent1"/>
+            </a:effectRef>
+            <a:fontRef idx="minor">
+              <a:schemeClr val="lt1"/>
+            </a:fontRef>
+          </p:style>
+          <p:txBody>
+            <a:bodyPr rtlCol="0" anchor="ctr"/>
+            <a:lstStyle/>
+            <a:p>
+              <a:pPr algn="ctr"/>
+              <a:endParaRPr lang="en-US"/>
+            </a:p>
+          </p:txBody>
+        </p:sp>
+        <p:sp>
+          <p:nvSpPr>
+            <p:cNvPr id="1036" name="Rectangle 1035">
+              <a:extLst>
+                <a:ext uri="{FF2B5EF4-FFF2-40B4-BE49-F238E27FC236}">
+                  <a16:creationId xmlns:a16="http://schemas.microsoft.com/office/drawing/2014/main" id="{48F4FEDC-6D80-458C-A665-075D9B9500FD}"/>
+                </a:ext>
+                <a:ext uri="{C183D7F6-B498-43B3-948B-1728B52AA6E4}">
+                  <adec:decorative xmlns:adec="http://schemas.microsoft.com/office/drawing/2017/decorative" val="1"/>
+                </a:ext>
+              </a:extLst>
+            </p:cNvPr>
+            <p:cNvSpPr/>
+            <p:nvPr>
+              <p:extLst>
+                <p:ext uri="{386F3935-93C4-4BCD-93E2-E3B085C9AB24}">
+                  <p16:designElem xmlns:p16="http://schemas.microsoft.com/office/powerpoint/2015/main" val="1"/>
+                </p:ext>
+              </p:extLst>
+            </p:nvPr>
+          </p:nvSpPr>
+          <p:spPr>
+            <a:xfrm>
+              <a:off x="5490650" y="308034"/>
+              <a:ext cx="566743" cy="3428999"/>
+            </a:xfrm>
+            <a:prstGeom prst="rect">
+              <a:avLst/>
+            </a:prstGeom>
+            <a:grpFill/>
+            <a:ln>
+              <a:noFill/>
+            </a:ln>
+          </p:spPr>
+          <p:style>
+            <a:lnRef idx="2">
+              <a:schemeClr val="accent1">
+                <a:shade val="50000"/>
+              </a:schemeClr>
+            </a:lnRef>
+            <a:fillRef idx="1">
+              <a:schemeClr val="accent1"/>
+            </a:fillRef>
+            <a:effectRef idx="0">
+              <a:schemeClr val="accent1"/>
+            </a:effectRef>
+            <a:fontRef idx="minor">
+              <a:schemeClr val="lt1"/>
+            </a:fontRef>
+          </p:style>
+          <p:txBody>
+            <a:bodyPr rtlCol="0" anchor="ctr"/>
+            <a:lstStyle/>
+            <a:p>
+              <a:pPr algn="ctr"/>
+              <a:endParaRPr lang="en-US"/>
+            </a:p>
+          </p:txBody>
+        </p:sp>
+      </p:grpSp>
+      <p:sp>
+        <p:nvSpPr>
+          <p:cNvPr id="1038" name="Rectangle 1037">
+            <a:extLst>
+              <a:ext uri="{FF2B5EF4-FFF2-40B4-BE49-F238E27FC236}">
+                <a16:creationId xmlns:a16="http://schemas.microsoft.com/office/drawing/2014/main" id="{B81933D1-5615-42C7-9C0B-4EB7105CCE2D}"/>
+              </a:ext>
+              <a:ext uri="{C183D7F6-B498-43B3-948B-1728B52AA6E4}">
+                <adec:decorative xmlns:adec="http://schemas.microsoft.com/office/drawing/2017/decorative" val="1"/>
+              </a:ext>
+            </a:extLst>
+          </p:cNvPr>
+          <p:cNvSpPr>
+            <a:spLocks noGrp="1" noRot="1" noChangeAspect="1" noMove="1" noResize="1" noEditPoints="1" noAdjustHandles="1" noChangeArrowheads="1" noChangeShapeType="1" noTextEdit="1"/>
+          </p:cNvSpPr>
+          <p:nvPr>
+            <p:extLst>
+              <p:ext uri="{386F3935-93C4-4BCD-93E2-E3B085C9AB24}">
+                <p16:designElem xmlns:p16="http://schemas.microsoft.com/office/powerpoint/2015/main" val="1"/>
+              </p:ext>
+            </p:extLst>
+          </p:nvPr>
+        </p:nvSpPr>
+        <p:spPr>
+          <a:xfrm flipH="1">
+            <a:off x="10697670" y="0"/>
+            <a:ext cx="1494330" cy="6858000"/>
+          </a:xfrm>
+          <a:prstGeom prst="rect">
+            <a:avLst/>
+          </a:prstGeom>
+          <a:solidFill>
+            <a:schemeClr val="accent4"/>
+          </a:solidFill>
+          <a:ln>
+            <a:noFill/>
+          </a:ln>
+        </p:spPr>
+        <p:style>
+          <a:lnRef idx="2">
+            <a:schemeClr val="accent1">
+              <a:shade val="50000"/>
+            </a:schemeClr>
+          </a:lnRef>
+          <a:fillRef idx="1">
+            <a:schemeClr val="accent1"/>
+          </a:fillRef>
+          <a:effectRef idx="0">
+            <a:schemeClr val="accent1"/>
+          </a:effectRef>
+          <a:fontRef idx="minor">
+            <a:schemeClr val="lt1"/>
+          </a:fontRef>
+        </p:style>
+        <p:txBody>
+          <a:bodyPr rtlCol="0" anchor="ctr"/>
+          <a:lstStyle/>
+          <a:p>
+            <a:pPr algn="ctr"/>
+            <a:endParaRPr lang="en-US"/>
+          </a:p>
+        </p:txBody>
+      </p:sp>
+      <p:sp>
+        <p:nvSpPr>
+          <p:cNvPr id="1040" name="Rectangle 1039">
+            <a:extLst>
+              <a:ext uri="{FF2B5EF4-FFF2-40B4-BE49-F238E27FC236}">
+                <a16:creationId xmlns:a16="http://schemas.microsoft.com/office/drawing/2014/main" id="{19C9EAEA-39D0-4B0E-A0EB-51E7B26740B1}"/>
+              </a:ext>
+              <a:ext uri="{C183D7F6-B498-43B3-948B-1728B52AA6E4}">
+                <adec:decorative xmlns:adec="http://schemas.microsoft.com/office/drawing/2017/decorative" val="1"/>
+              </a:ext>
+            </a:extLst>
+          </p:cNvPr>
+          <p:cNvSpPr>
+            <a:spLocks noGrp="1" noRot="1" noChangeAspect="1" noMove="1" noResize="1" noEditPoints="1" noAdjustHandles="1" noChangeArrowheads="1" noChangeShapeType="1" noTextEdit="1"/>
+          </p:cNvSpPr>
+          <p:nvPr>
+            <p:extLst>
+              <p:ext uri="{386F3935-93C4-4BCD-93E2-E3B085C9AB24}">
+                <p16:designElem xmlns:p16="http://schemas.microsoft.com/office/powerpoint/2015/main" val="1"/>
+              </p:ext>
+            </p:extLst>
+          </p:nvPr>
+        </p:nvSpPr>
+        <p:spPr>
+          <a:xfrm>
+            <a:off x="5685810" y="391886"/>
+            <a:ext cx="6009366" cy="6017078"/>
+          </a:xfrm>
+          <a:prstGeom prst="rect">
+            <a:avLst/>
+          </a:prstGeom>
+          <a:solidFill>
+            <a:schemeClr val="bg1"/>
+          </a:solidFill>
+          <a:ln>
+            <a:noFill/>
+          </a:ln>
+          <a:effectLst>
+            <a:outerShdw blurRad="139700" dist="127000" dir="5400000" algn="t" rotWithShape="0">
+              <a:prstClr val="black">
+                <a:alpha val="15000"/>
+              </a:prstClr>
+            </a:outerShdw>
+          </a:effectLst>
+        </p:spPr>
+        <p:style>
+          <a:lnRef idx="2">
+            <a:schemeClr val="accent1">
+              <a:shade val="50000"/>
+            </a:schemeClr>
+          </a:lnRef>
+          <a:fillRef idx="1">
+            <a:schemeClr val="accent1"/>
+          </a:fillRef>
+          <a:effectRef idx="0">
+            <a:schemeClr val="accent1"/>
+          </a:effectRef>
+          <a:fontRef idx="minor">
+            <a:schemeClr val="lt1"/>
+          </a:fontRef>
+        </p:style>
+        <p:txBody>
+          <a:bodyPr rtlCol="0" anchor="ctr"/>
+          <a:lstStyle/>
+          <a:p>
+            <a:pPr algn="ctr"/>
+            <a:endParaRPr lang="en-US"/>
+          </a:p>
+        </p:txBody>
+      </p:sp>
+      <p:pic>
+        <p:nvPicPr>
+          <p:cNvPr id="4" name="Picture 3" descr="A white snake on a green background&#10;&#10;Description automatically generated">
+            <a:extLst>
+              <a:ext uri="{FF2B5EF4-FFF2-40B4-BE49-F238E27FC236}">
+                <a16:creationId xmlns:a16="http://schemas.microsoft.com/office/drawing/2014/main" id="{6A88376B-CB70-364A-2C72-C11B7FA1AE97}"/>
+              </a:ext>
+            </a:extLst>
+          </p:cNvPr>
+          <p:cNvPicPr>
+            <a:picLocks noChangeAspect="1"/>
+          </p:cNvPicPr>
+          <p:nvPr/>
+        </p:nvPicPr>
+        <p:blipFill>
+          <a:blip r:embed="rId2"/>
+          <a:stretch>
+            <a:fillRect/>
+          </a:stretch>
+        </p:blipFill>
+        <p:spPr>
+          <a:xfrm>
+            <a:off x="11044117" y="5728447"/>
+            <a:ext cx="502710" cy="502710"/>
+          </a:xfrm>
+          <a:prstGeom prst="rect">
+            <a:avLst/>
+          </a:prstGeom>
+        </p:spPr>
+      </p:pic>
+      <p:pic>
+        <p:nvPicPr>
+          <p:cNvPr id="2050" name="Picture 2" descr="Generative AI — The Intro. For the past few months tools like… | by  Sasidharturaga | Medium">
+            <a:extLst>
+              <a:ext uri="{FF2B5EF4-FFF2-40B4-BE49-F238E27FC236}">
+                <a16:creationId xmlns:a16="http://schemas.microsoft.com/office/drawing/2014/main" id="{949DD112-387D-617E-BCD7-C45AACACB1FB}"/>
+              </a:ext>
+            </a:extLst>
+          </p:cNvPr>
+          <p:cNvPicPr>
+            <a:picLocks noChangeAspect="1" noChangeArrowheads="1"/>
+          </p:cNvPicPr>
+          <p:nvPr/>
+        </p:nvPicPr>
+        <p:blipFill rotWithShape="1">
+          <a:blip r:embed="rId3">
+            <a:extLst>
+              <a:ext uri="{28A0092B-C50C-407E-A947-70E740481C1C}">
+                <a14:useLocalDpi xmlns:a14="http://schemas.microsoft.com/office/drawing/2010/main" val="0"/>
+              </a:ext>
+            </a:extLst>
+          </a:blip>
+          <a:srcRect r="46581"/>
+          <a:stretch/>
+        </p:blipFill>
+        <p:spPr bwMode="auto">
+          <a:xfrm>
+            <a:off x="6335051" y="746218"/>
+            <a:ext cx="4960421" cy="4914993"/>
+          </a:xfrm>
+          <a:prstGeom prst="rect">
+            <a:avLst/>
+          </a:prstGeom>
+          <a:noFill/>
+          <a:extLst>
+            <a:ext uri="{909E8E84-426E-40DD-AFC4-6F175D3DCCD1}">
+              <a14:hiddenFill xmlns:a14="http://schemas.microsoft.com/office/drawing/2010/main">
+                <a:solidFill>
+                  <a:srgbClr val="FFFFFF"/>
+                </a:solidFill>
+              </a14:hiddenFill>
+            </a:ext>
+          </a:extLst>
+        </p:spPr>
+      </p:pic>
+      <p:pic>
+        <p:nvPicPr>
+          <p:cNvPr id="6" name="Picture 5">
+            <a:extLst>
+              <a:ext uri="{FF2B5EF4-FFF2-40B4-BE49-F238E27FC236}">
+                <a16:creationId xmlns:a16="http://schemas.microsoft.com/office/drawing/2014/main" id="{AFEE6179-8966-F67F-EF25-B975A7506081}"/>
+              </a:ext>
+            </a:extLst>
+          </p:cNvPr>
+          <p:cNvPicPr>
+            <a:picLocks noChangeAspect="1"/>
+          </p:cNvPicPr>
+          <p:nvPr/>
+        </p:nvPicPr>
+        <p:blipFill>
+          <a:blip r:embed="rId4"/>
+          <a:stretch>
+            <a:fillRect/>
+          </a:stretch>
+        </p:blipFill>
+        <p:spPr>
+          <a:xfrm>
+            <a:off x="1164025" y="4265823"/>
+            <a:ext cx="1366317" cy="1395388"/>
+          </a:xfrm>
+          <a:prstGeom prst="rect">
+            <a:avLst/>
+          </a:prstGeom>
+        </p:spPr>
+      </p:pic>
+    </p:spTree>
+    <p:extLst>
+      <p:ext uri="{BB962C8B-B14F-4D97-AF65-F5344CB8AC3E}">
+        <p14:creationId xmlns:p14="http://schemas.microsoft.com/office/powerpoint/2010/main" val="2130825944"/>
+      </p:ext>
+    </p:extLst>
+  </p:cSld>
+  <p:clrMapOvr>
+    <a:masterClrMapping/>
+  </p:clrMapOvr>
+</p:sld>
+</file>
+
+<file path=ppt/slides/slide8.xml><?xml version="1.0" encoding="utf-8"?>
+<p:sld xmlns:a="http://schemas.openxmlformats.org/drawingml/2006/main" xmlns:r="http://schemas.openxmlformats.org/officeDocument/2006/relationships" xmlns:p="http://schemas.openxmlformats.org/presentationml/2006/main">
+  <p:cSld>
+    <p:bg>
+      <p:bgPr>
+        <a:solidFill>
+          <a:schemeClr val="bg1"/>
+        </a:solidFill>
+        <a:effectLst/>
+      </p:bgPr>
+    </p:bg>
+    <p:spTree>
+      <p:nvGrpSpPr>
+        <p:cNvPr id="1" name=""/>
+        <p:cNvGrpSpPr/>
+        <p:nvPr/>
+      </p:nvGrpSpPr>
+      <p:grpSpPr>
+        <a:xfrm>
+          <a:off x="0" y="0"/>
+          <a:ext cx="0" cy="0"/>
+          <a:chOff x="0" y="0"/>
+          <a:chExt cx="0" cy="0"/>
+        </a:xfrm>
+      </p:grpSpPr>
+      <p:sp useBgFill="1">
+        <p:nvSpPr>
+          <p:cNvPr id="23" name="Rectangle 22">
+            <a:extLst>
+              <a:ext uri="{FF2B5EF4-FFF2-40B4-BE49-F238E27FC236}">
+                <a16:creationId xmlns:a16="http://schemas.microsoft.com/office/drawing/2014/main" id="{50CEED20-A22C-4FC3-BC0E-F4FE53FDEB97}"/>
+              </a:ext>
+              <a:ext uri="{C183D7F6-B498-43B3-948B-1728B52AA6E4}">
+                <adec:decorative xmlns:adec="http://schemas.microsoft.com/office/drawing/2017/decorative" val="1"/>
+              </a:ext>
+            </a:extLst>
+          </p:cNvPr>
+          <p:cNvSpPr>
+            <a:spLocks noGrp="1" noRot="1" noChangeAspect="1" noMove="1" noResize="1" noEditPoints="1" noAdjustHandles="1" noChangeArrowheads="1" noChangeShapeType="1" noTextEdit="1"/>
+          </p:cNvSpPr>
+          <p:nvPr>
+            <p:extLst>
+              <p:ext uri="{386F3935-93C4-4BCD-93E2-E3B085C9AB24}">
+                <p16:designElem xmlns:p16="http://schemas.microsoft.com/office/powerpoint/2015/main" val="1"/>
+              </p:ext>
+            </p:extLst>
+          </p:nvPr>
+        </p:nvSpPr>
+        <p:spPr>
+          <a:xfrm>
+            <a:off x="0" y="0"/>
+            <a:ext cx="12191999" cy="6857365"/>
+          </a:xfrm>
+          <a:prstGeom prst="rect">
+            <a:avLst/>
+          </a:prstGeom>
+          <a:ln>
+            <a:noFill/>
+          </a:ln>
+        </p:spPr>
+        <p:style>
+          <a:lnRef idx="2">
+            <a:schemeClr val="accent1">
+              <a:shade val="50000"/>
+            </a:schemeClr>
+          </a:lnRef>
+          <a:fillRef idx="1">
+            <a:schemeClr val="accent1"/>
+          </a:fillRef>
+          <a:effectRef idx="0">
+            <a:schemeClr val="accent1"/>
+          </a:effectRef>
+          <a:fontRef idx="minor">
+            <a:schemeClr val="lt1"/>
+          </a:fontRef>
+        </p:style>
+        <p:txBody>
+          <a:bodyPr rtlCol="0" anchor="ctr"/>
+          <a:lstStyle/>
+          <a:p>
+            <a:pPr algn="ctr"/>
+            <a:endParaRPr lang="en-US"/>
+          </a:p>
+        </p:txBody>
+      </p:sp>
+      <p:sp>
+        <p:nvSpPr>
+          <p:cNvPr id="2" name="Title 1">
+            <a:extLst>
+              <a:ext uri="{FF2B5EF4-FFF2-40B4-BE49-F238E27FC236}">
+                <a16:creationId xmlns:a16="http://schemas.microsoft.com/office/drawing/2014/main" id="{65086653-F6D3-0E27-3DEA-7B88F8A2B56B}"/>
+              </a:ext>
+            </a:extLst>
+          </p:cNvPr>
+          <p:cNvSpPr>
+            <a:spLocks noGrp="1"/>
+          </p:cNvSpPr>
+          <p:nvPr>
+            <p:ph type="title"/>
+          </p:nvPr>
+        </p:nvSpPr>
+        <p:spPr>
+          <a:xfrm>
+            <a:off x="1053299" y="679732"/>
+            <a:ext cx="3225434" cy="1804941"/>
+          </a:xfrm>
+        </p:spPr>
+        <p:txBody>
+          <a:bodyPr vert="horz" lIns="91440" tIns="45720" rIns="91440" bIns="45720" rtlCol="0" anchor="t">
+            <a:normAutofit/>
+          </a:bodyPr>
+          <a:lstStyle/>
+          <a:p>
+            <a:r>
+              <a:rPr lang="en-US" sz="4800" b="1" kern="1200" dirty="0">
                 <a:solidFill>
                   <a:schemeClr val="tx1"/>
                 </a:solidFill>
@@ -13183,263 +14917,55 @@
           </a:prstGeom>
         </p:spPr>
       </p:pic>
-    </p:spTree>
-    <p:extLst>
-      <p:ext uri="{BB962C8B-B14F-4D97-AF65-F5344CB8AC3E}">
-        <p14:creationId xmlns:p14="http://schemas.microsoft.com/office/powerpoint/2010/main" val="3164388379"/>
-      </p:ext>
-    </p:extLst>
-  </p:cSld>
-  <p:clrMapOvr>
-    <a:masterClrMapping/>
-  </p:clrMapOvr>
-</p:sld>
-</file>
-
-<file path=ppt/slides/slide7.xml><?xml version="1.0" encoding="utf-8"?>
-<p:sld xmlns:a="http://schemas.openxmlformats.org/drawingml/2006/main" xmlns:r="http://schemas.openxmlformats.org/officeDocument/2006/relationships" xmlns:p="http://schemas.openxmlformats.org/presentationml/2006/main">
-  <p:cSld>
-    <p:bg>
-      <p:bgPr>
-        <a:solidFill>
-          <a:schemeClr val="bg1"/>
-        </a:solidFill>
-        <a:effectLst/>
-      </p:bgPr>
-    </p:bg>
-    <p:spTree>
-      <p:nvGrpSpPr>
-        <p:cNvPr id="1" name=""/>
-        <p:cNvGrpSpPr/>
-        <p:nvPr/>
-      </p:nvGrpSpPr>
-      <p:grpSpPr>
-        <a:xfrm>
-          <a:off x="0" y="0"/>
-          <a:ext cx="0" cy="0"/>
-          <a:chOff x="0" y="0"/>
-          <a:chExt cx="0" cy="0"/>
-        </a:xfrm>
-      </p:grpSpPr>
-      <p:sp>
-        <p:nvSpPr>
-          <p:cNvPr id="2" name="Title 1">
-            <a:extLst>
-              <a:ext uri="{FF2B5EF4-FFF2-40B4-BE49-F238E27FC236}">
-                <a16:creationId xmlns:a16="http://schemas.microsoft.com/office/drawing/2014/main" id="{30CE975E-2273-D93B-5C57-1C0961ACCAA8}"/>
-              </a:ext>
-            </a:extLst>
-          </p:cNvPr>
-          <p:cNvSpPr>
-            <a:spLocks noGrp="1"/>
-          </p:cNvSpPr>
-          <p:nvPr>
-            <p:ph type="title"/>
-          </p:nvPr>
-        </p:nvSpPr>
-        <p:spPr>
-          <a:xfrm>
-            <a:off x="7384130" y="1128094"/>
-            <a:ext cx="4087493" cy="1415270"/>
-          </a:xfrm>
-        </p:spPr>
-        <p:txBody>
-          <a:bodyPr anchor="t">
-            <a:normAutofit/>
-          </a:bodyPr>
-          <a:lstStyle/>
-          <a:p>
-            <a:r>
-              <a:rPr lang="en-US" sz="3200"/>
-              <a:t>NLP Tasks</a:t>
-            </a:r>
-          </a:p>
-        </p:txBody>
-      </p:sp>
-      <p:sp>
-        <p:nvSpPr>
-          <p:cNvPr id="52" name="Rectangle 51">
-            <a:extLst>
-              <a:ext uri="{FF2B5EF4-FFF2-40B4-BE49-F238E27FC236}">
-                <a16:creationId xmlns:a16="http://schemas.microsoft.com/office/drawing/2014/main" id="{1DBBFE1F-E21D-6F33-FA39-7ED7133F8534}"/>
-              </a:ext>
-              <a:ext uri="{C183D7F6-B498-43B3-948B-1728B52AA6E4}">
-                <adec:decorative xmlns:adec="http://schemas.microsoft.com/office/drawing/2017/decorative" val="1"/>
-              </a:ext>
-            </a:extLst>
-          </p:cNvPr>
-          <p:cNvSpPr>
-            <a:spLocks noGrp="1" noRot="1" noChangeAspect="1" noMove="1" noResize="1" noEditPoints="1" noAdjustHandles="1" noChangeArrowheads="1" noChangeShapeType="1" noTextEdit="1"/>
-          </p:cNvSpPr>
-          <p:nvPr>
-            <p:extLst>
-              <p:ext uri="{386F3935-93C4-4BCD-93E2-E3B085C9AB24}">
-                <p16:designElem xmlns:p16="http://schemas.microsoft.com/office/powerpoint/2015/main" val="1"/>
-              </p:ext>
-            </p:extLst>
-          </p:nvPr>
-        </p:nvSpPr>
-        <p:spPr>
-          <a:xfrm>
-            <a:off x="0" y="0"/>
-            <a:ext cx="6892068" cy="6858000"/>
+      <p:sp>
+        <p:nvSpPr>
+          <p:cNvPr id="8" name="TextBox 7">
+            <a:extLst>
+              <a:ext uri="{FF2B5EF4-FFF2-40B4-BE49-F238E27FC236}">
+                <a16:creationId xmlns:a16="http://schemas.microsoft.com/office/drawing/2014/main" id="{B8C0B826-F6E3-B96B-3DAD-85ABD2A4E777}"/>
+              </a:ext>
+            </a:extLst>
+          </p:cNvPr>
+          <p:cNvSpPr txBox="1"/>
+          <p:nvPr/>
+        </p:nvSpPr>
+        <p:spPr>
+          <a:xfrm>
+            <a:off x="1060832" y="2309458"/>
+            <a:ext cx="6094878" cy="400110"/>
           </a:xfrm>
           <a:prstGeom prst="rect">
             <a:avLst/>
           </a:prstGeom>
-          <a:solidFill>
-            <a:schemeClr val="bg1">
-              <a:lumMod val="95000"/>
-              <a:alpha val="65000"/>
-            </a:schemeClr>
-          </a:solidFill>
-          <a:ln>
-            <a:noFill/>
-          </a:ln>
-        </p:spPr>
-        <p:style>
-          <a:lnRef idx="2">
-            <a:schemeClr val="accent1">
-              <a:shade val="50000"/>
-            </a:schemeClr>
-          </a:lnRef>
-          <a:fillRef idx="1">
-            <a:schemeClr val="accent1"/>
-          </a:fillRef>
-          <a:effectRef idx="0">
-            <a:schemeClr val="accent1"/>
-          </a:effectRef>
-          <a:fontRef idx="minor">
-            <a:schemeClr val="lt1"/>
-          </a:fontRef>
-        </p:style>
-        <p:txBody>
-          <a:bodyPr rtlCol="0" anchor="ctr"/>
-          <a:lstStyle/>
-          <a:p>
-            <a:pPr algn="ctr"/>
-            <a:endParaRPr lang="en-US"/>
+          <a:noFill/>
+        </p:spPr>
+        <p:txBody>
+          <a:bodyPr wrap="square">
+            <a:spAutoFit/>
+          </a:bodyPr>
+          <a:lstStyle/>
+          <a:p>
+            <a:r>
+              <a:rPr lang="en-US" sz="2000" b="1" kern="1200" dirty="0">
+                <a:solidFill>
+                  <a:schemeClr val="tx1"/>
+                </a:solidFill>
+                <a:latin typeface="+mj-lt"/>
+                <a:ea typeface="+mj-ea"/>
+                <a:cs typeface="+mj-cs"/>
+              </a:rPr>
+              <a:t>Menti: 8215 9464</a:t>
+            </a:r>
+            <a:endParaRPr lang="en-GB" sz="2000" b="1" dirty="0"/>
           </a:p>
         </p:txBody>
       </p:sp>
       <p:pic>
         <p:nvPicPr>
-          <p:cNvPr id="23" name="Picture 22" descr="A diagram of a person with a diagram&#10;&#10;Description automatically generated with medium confidence">
-            <a:extLst>
-              <a:ext uri="{FF2B5EF4-FFF2-40B4-BE49-F238E27FC236}">
-                <a16:creationId xmlns:a16="http://schemas.microsoft.com/office/drawing/2014/main" id="{6E989867-98A8-33D9-5DE6-43DF66C9D88B}"/>
-              </a:ext>
-            </a:extLst>
-          </p:cNvPr>
-          <p:cNvPicPr>
-            <a:picLocks noChangeAspect="1"/>
-          </p:cNvPicPr>
-          <p:nvPr/>
-        </p:nvPicPr>
-        <p:blipFill>
-          <a:blip r:embed="rId2"/>
-          <a:stretch>
-            <a:fillRect/>
-          </a:stretch>
-        </p:blipFill>
-        <p:spPr>
-          <a:xfrm>
-            <a:off x="2914339" y="3543927"/>
-            <a:ext cx="3123666" cy="1866389"/>
-          </a:xfrm>
-          <a:prstGeom prst="rect">
-            <a:avLst/>
-          </a:prstGeom>
-        </p:spPr>
-      </p:pic>
-      <p:pic>
-        <p:nvPicPr>
-          <p:cNvPr id="27" name="Picture 26" descr="A screenshot of a social media post&#10;&#10;Description automatically generated">
-            <a:extLst>
-              <a:ext uri="{FF2B5EF4-FFF2-40B4-BE49-F238E27FC236}">
-                <a16:creationId xmlns:a16="http://schemas.microsoft.com/office/drawing/2014/main" id="{0E0C8332-385C-9735-A9A6-5FCFBD0D3D82}"/>
-              </a:ext>
-            </a:extLst>
-          </p:cNvPr>
-          <p:cNvPicPr>
-            <a:picLocks noChangeAspect="1"/>
-          </p:cNvPicPr>
-          <p:nvPr/>
-        </p:nvPicPr>
-        <p:blipFill>
-          <a:blip r:embed="rId3"/>
-          <a:stretch>
-            <a:fillRect/>
-          </a:stretch>
-        </p:blipFill>
-        <p:spPr>
-          <a:xfrm>
-            <a:off x="2577508" y="5410316"/>
-            <a:ext cx="3797328" cy="1253117"/>
-          </a:xfrm>
-          <a:prstGeom prst="rect">
-            <a:avLst/>
-          </a:prstGeom>
-        </p:spPr>
-      </p:pic>
-      <p:cxnSp>
-        <p:nvCxnSpPr>
-          <p:cNvPr id="53" name="Straight Connector 52">
-            <a:extLst>
-              <a:ext uri="{FF2B5EF4-FFF2-40B4-BE49-F238E27FC236}">
-                <a16:creationId xmlns:a16="http://schemas.microsoft.com/office/drawing/2014/main" id="{249EDD1B-F94D-B4E6-ACAA-566B9A26FDE3}"/>
-              </a:ext>
-              <a:ext uri="{C183D7F6-B498-43B3-948B-1728B52AA6E4}">
-                <adec:decorative xmlns:adec="http://schemas.microsoft.com/office/drawing/2017/decorative" val="1"/>
-              </a:ext>
-            </a:extLst>
-          </p:cNvPr>
-          <p:cNvCxnSpPr>
-            <a:cxnSpLocks noGrp="1" noRot="1" noChangeAspect="1" noMove="1" noResize="1" noEditPoints="1" noAdjustHandles="1" noChangeArrowheads="1" noChangeShapeType="1"/>
-          </p:cNvCxnSpPr>
-          <p:nvPr>
-            <p:extLst>
-              <p:ext uri="{386F3935-93C4-4BCD-93E2-E3B085C9AB24}">
-                <p16:designElem xmlns:p16="http://schemas.microsoft.com/office/powerpoint/2015/main" val="1"/>
-              </p:ext>
-            </p:extLst>
-          </p:nvPr>
-        </p:nvCxnSpPr>
-        <p:spPr>
-          <a:xfrm>
-            <a:off x="7478854" y="871146"/>
-            <a:ext cx="736939" cy="0"/>
-          </a:xfrm>
-          <a:prstGeom prst="line">
-            <a:avLst/>
-          </a:prstGeom>
-          <a:ln w="57150">
-            <a:solidFill>
-              <a:schemeClr val="accent4"/>
-            </a:solidFill>
-          </a:ln>
-        </p:spPr>
-        <p:style>
-          <a:lnRef idx="1">
-            <a:schemeClr val="accent1"/>
-          </a:lnRef>
-          <a:fillRef idx="0">
-            <a:schemeClr val="accent1"/>
-          </a:fillRef>
-          <a:effectRef idx="0">
-            <a:schemeClr val="accent1"/>
-          </a:effectRef>
-          <a:fontRef idx="minor">
-            <a:schemeClr val="tx1"/>
-          </a:fontRef>
-        </p:style>
-      </p:cxnSp>
-      <p:pic>
-        <p:nvPicPr>
-          <p:cNvPr id="21" name="Picture 20" descr="A screenshot of a phone&#10;&#10;Description automatically generated">
-            <a:extLst>
-              <a:ext uri="{FF2B5EF4-FFF2-40B4-BE49-F238E27FC236}">
-                <a16:creationId xmlns:a16="http://schemas.microsoft.com/office/drawing/2014/main" id="{C592166B-A982-A20E-C0BE-6EA63C31FB40}"/>
+          <p:cNvPr id="10" name="Picture 9">
+            <a:extLst>
+              <a:ext uri="{FF2B5EF4-FFF2-40B4-BE49-F238E27FC236}">
+                <a16:creationId xmlns:a16="http://schemas.microsoft.com/office/drawing/2014/main" id="{86D596F0-03B3-FF7E-D575-97EC97448D4C}"/>
               </a:ext>
             </a:extLst>
           </p:cNvPr>
@@ -13456,146 +14982,8 @@
         </p:blipFill>
         <p:spPr>
           <a:xfrm>
-            <a:off x="753970" y="3429000"/>
-            <a:ext cx="2017354" cy="2096245"/>
-          </a:xfrm>
-          <a:prstGeom prst="rect">
-            <a:avLst/>
-          </a:prstGeom>
-        </p:spPr>
-      </p:pic>
-      <p:pic>
-        <p:nvPicPr>
-          <p:cNvPr id="19" name="Picture 18" descr="A screenshot of a phone&#10;&#10;Description automatically generated">
-            <a:extLst>
-              <a:ext uri="{FF2B5EF4-FFF2-40B4-BE49-F238E27FC236}">
-                <a16:creationId xmlns:a16="http://schemas.microsoft.com/office/drawing/2014/main" id="{986A41AA-6EE1-2DCE-DC12-B83E910A23D9}"/>
-              </a:ext>
-            </a:extLst>
-          </p:cNvPr>
-          <p:cNvPicPr>
-            <a:picLocks noChangeAspect="1"/>
-          </p:cNvPicPr>
-          <p:nvPr/>
-        </p:nvPicPr>
-        <p:blipFill>
-          <a:blip r:embed="rId5"/>
-          <a:stretch>
-            <a:fillRect/>
-          </a:stretch>
-        </p:blipFill>
-        <p:spPr>
-          <a:xfrm>
-            <a:off x="508340" y="1805650"/>
-            <a:ext cx="6188244" cy="1253117"/>
-          </a:xfrm>
-          <a:prstGeom prst="rect">
-            <a:avLst/>
-          </a:prstGeom>
-        </p:spPr>
-      </p:pic>
-      <p:sp>
-        <p:nvSpPr>
-          <p:cNvPr id="3" name="Content Placeholder 2">
-            <a:extLst>
-              <a:ext uri="{FF2B5EF4-FFF2-40B4-BE49-F238E27FC236}">
-                <a16:creationId xmlns:a16="http://schemas.microsoft.com/office/drawing/2014/main" id="{5E9195AB-7275-B9C8-D310-1E2AF36BEA04}"/>
-              </a:ext>
-            </a:extLst>
-          </p:cNvPr>
-          <p:cNvSpPr>
-            <a:spLocks noGrp="1"/>
-          </p:cNvSpPr>
-          <p:nvPr>
-            <p:ph idx="1"/>
-          </p:nvPr>
-        </p:nvSpPr>
-        <p:spPr>
-          <a:xfrm>
-            <a:off x="7384131" y="2543364"/>
-            <a:ext cx="4087492" cy="3599019"/>
-          </a:xfrm>
-        </p:spPr>
-        <p:txBody>
-          <a:bodyPr>
-            <a:normAutofit/>
-          </a:bodyPr>
-          <a:lstStyle/>
-          <a:p>
-            <a:r>
-              <a:rPr lang="en-US" sz="2000" dirty="0"/>
-              <a:t>Machine Translation</a:t>
-            </a:r>
-          </a:p>
-          <a:p>
-            <a:endParaRPr lang="en-US" sz="2000" dirty="0"/>
-          </a:p>
-          <a:p>
-            <a:endParaRPr lang="en-US" sz="2000" dirty="0"/>
-          </a:p>
-          <a:p>
-            <a:r>
-              <a:rPr lang="en-US" sz="2000" dirty="0"/>
-              <a:t>Classification</a:t>
-            </a:r>
-          </a:p>
-          <a:p>
-            <a:pPr lvl="1"/>
-            <a:r>
-              <a:rPr lang="en-US" sz="2000" dirty="0"/>
-              <a:t>Spam filtration</a:t>
-            </a:r>
-          </a:p>
-          <a:p>
-            <a:pPr lvl="1"/>
-            <a:r>
-              <a:rPr lang="en-US" sz="2000" dirty="0"/>
-              <a:t>Sentiment analysis</a:t>
-            </a:r>
-          </a:p>
-          <a:p>
-            <a:pPr lvl="1"/>
-            <a:r>
-              <a:rPr lang="en-US" sz="2000" dirty="0"/>
-              <a:t>Spoiler detection</a:t>
-            </a:r>
-          </a:p>
-          <a:p>
-            <a:pPr lvl="1"/>
-            <a:endParaRPr lang="en-US" sz="2000" dirty="0"/>
-          </a:p>
-          <a:p>
-            <a:pPr marL="457200" lvl="1" indent="0">
-              <a:buNone/>
-            </a:pPr>
-            <a:endParaRPr lang="en-US" sz="2000" dirty="0"/>
-          </a:p>
-        </p:txBody>
-      </p:sp>
-      <p:pic>
-        <p:nvPicPr>
-          <p:cNvPr id="4" name="Picture 3" descr="A white snake on a green background&#10;&#10;Description automatically generated">
-            <a:extLst>
-              <a:ext uri="{FF2B5EF4-FFF2-40B4-BE49-F238E27FC236}">
-                <a16:creationId xmlns:a16="http://schemas.microsoft.com/office/drawing/2014/main" id="{CFB31B3C-6D39-514E-3479-1B1C0D0330C0}"/>
-              </a:ext>
-            </a:extLst>
-          </p:cNvPr>
-          <p:cNvPicPr>
-            <a:picLocks noChangeAspect="1"/>
-          </p:cNvPicPr>
-          <p:nvPr/>
-        </p:nvPicPr>
-        <p:blipFill>
-          <a:blip r:embed="rId6"/>
-          <a:stretch>
-            <a:fillRect/>
-          </a:stretch>
-        </p:blipFill>
-        <p:spPr>
-          <a:xfrm>
-            <a:off x="11499477" y="0"/>
-            <a:ext cx="692523" cy="692523"/>
+            <a:off x="1141551" y="2786916"/>
+            <a:ext cx="1081654" cy="1104668"/>
           </a:xfrm>
           <a:prstGeom prst="rect">
             <a:avLst/>
@@ -13605,451 +14993,7 @@
     </p:spTree>
     <p:extLst>
       <p:ext uri="{BB962C8B-B14F-4D97-AF65-F5344CB8AC3E}">
-        <p14:creationId xmlns:p14="http://schemas.microsoft.com/office/powerpoint/2010/main" val="3266510486"/>
-      </p:ext>
-    </p:extLst>
-  </p:cSld>
-  <p:clrMapOvr>
-    <a:masterClrMapping/>
-  </p:clrMapOvr>
-</p:sld>
-</file>
-
-<file path=ppt/slides/slide8.xml><?xml version="1.0" encoding="utf-8"?>
-<p:sld xmlns:a="http://schemas.openxmlformats.org/drawingml/2006/main" xmlns:r="http://schemas.openxmlformats.org/officeDocument/2006/relationships" xmlns:p="http://schemas.openxmlformats.org/presentationml/2006/main">
-  <p:cSld>
-    <p:bg>
-      <p:bgPr>
-        <a:solidFill>
-          <a:schemeClr val="bg1"/>
-        </a:solidFill>
-        <a:effectLst/>
-      </p:bgPr>
-    </p:bg>
-    <p:spTree>
-      <p:nvGrpSpPr>
-        <p:cNvPr id="1" name=""/>
-        <p:cNvGrpSpPr/>
-        <p:nvPr/>
-      </p:nvGrpSpPr>
-      <p:grpSpPr>
-        <a:xfrm>
-          <a:off x="0" y="0"/>
-          <a:ext cx="0" cy="0"/>
-          <a:chOff x="0" y="0"/>
-          <a:chExt cx="0" cy="0"/>
-        </a:xfrm>
-      </p:grpSpPr>
-      <p:sp>
-        <p:nvSpPr>
-          <p:cNvPr id="2" name="Title 1">
-            <a:extLst>
-              <a:ext uri="{FF2B5EF4-FFF2-40B4-BE49-F238E27FC236}">
-                <a16:creationId xmlns:a16="http://schemas.microsoft.com/office/drawing/2014/main" id="{D6D39373-4DDE-9A99-A7BD-319462C394B2}"/>
-              </a:ext>
-            </a:extLst>
-          </p:cNvPr>
-          <p:cNvSpPr>
-            <a:spLocks noGrp="1"/>
-          </p:cNvSpPr>
-          <p:nvPr>
-            <p:ph type="title"/>
-          </p:nvPr>
-        </p:nvSpPr>
-        <p:spPr>
-          <a:xfrm>
-            <a:off x="762000" y="1138036"/>
-            <a:ext cx="3962400" cy="1402470"/>
-          </a:xfrm>
-        </p:spPr>
-        <p:txBody>
-          <a:bodyPr anchor="t">
-            <a:normAutofit/>
-          </a:bodyPr>
-          <a:lstStyle/>
-          <a:p>
-            <a:r>
-              <a:rPr lang="en-US" sz="3200"/>
-              <a:t>NLP Tasks</a:t>
-            </a:r>
-          </a:p>
-        </p:txBody>
-      </p:sp>
-      <p:cxnSp>
-        <p:nvCxnSpPr>
-          <p:cNvPr id="46" name="Straight Connector 45">
-            <a:extLst>
-              <a:ext uri="{FF2B5EF4-FFF2-40B4-BE49-F238E27FC236}">
-                <a16:creationId xmlns:a16="http://schemas.microsoft.com/office/drawing/2014/main" id="{1503BFE4-729B-D9D0-C17B-501E6AF1127A}"/>
-              </a:ext>
-              <a:ext uri="{C183D7F6-B498-43B3-948B-1728B52AA6E4}">
-                <adec:decorative xmlns:adec="http://schemas.microsoft.com/office/drawing/2017/decorative" val="1"/>
-              </a:ext>
-            </a:extLst>
-          </p:cNvPr>
-          <p:cNvCxnSpPr>
-            <a:cxnSpLocks noGrp="1" noRot="1" noChangeAspect="1" noMove="1" noResize="1" noEditPoints="1" noAdjustHandles="1" noChangeArrowheads="1" noChangeShapeType="1"/>
-          </p:cNvCxnSpPr>
-          <p:nvPr>
-            <p:extLst>
-              <p:ext uri="{386F3935-93C4-4BCD-93E2-E3B085C9AB24}">
-                <p16:designElem xmlns:p16="http://schemas.microsoft.com/office/powerpoint/2015/main" val="1"/>
-              </p:ext>
-            </p:extLst>
-          </p:nvPr>
-        </p:nvCxnSpPr>
-        <p:spPr>
-          <a:xfrm>
-            <a:off x="865140" y="871146"/>
-            <a:ext cx="736939" cy="0"/>
-          </a:xfrm>
-          <a:prstGeom prst="line">
-            <a:avLst/>
-          </a:prstGeom>
-          <a:ln w="57150">
-            <a:solidFill>
-              <a:schemeClr val="accent4"/>
-            </a:solidFill>
-          </a:ln>
-        </p:spPr>
-        <p:style>
-          <a:lnRef idx="1">
-            <a:schemeClr val="accent1"/>
-          </a:lnRef>
-          <a:fillRef idx="0">
-            <a:schemeClr val="accent1"/>
-          </a:fillRef>
-          <a:effectRef idx="0">
-            <a:schemeClr val="accent1"/>
-          </a:effectRef>
-          <a:fontRef idx="minor">
-            <a:schemeClr val="tx1"/>
-          </a:fontRef>
-        </p:style>
-      </p:cxnSp>
-      <p:sp>
-        <p:nvSpPr>
-          <p:cNvPr id="3" name="Content Placeholder 2">
-            <a:extLst>
-              <a:ext uri="{FF2B5EF4-FFF2-40B4-BE49-F238E27FC236}">
-                <a16:creationId xmlns:a16="http://schemas.microsoft.com/office/drawing/2014/main" id="{05BF0B88-2CC1-4F38-B4C2-10598F886B69}"/>
-              </a:ext>
-            </a:extLst>
-          </p:cNvPr>
-          <p:cNvSpPr>
-            <a:spLocks noGrp="1"/>
-          </p:cNvSpPr>
-          <p:nvPr>
-            <p:ph idx="1"/>
-          </p:nvPr>
-        </p:nvSpPr>
-        <p:spPr>
-          <a:xfrm>
-            <a:off x="762001" y="2551176"/>
-            <a:ext cx="3962400" cy="3591207"/>
-          </a:xfrm>
-        </p:spPr>
-        <p:txBody>
-          <a:bodyPr>
-            <a:normAutofit/>
-          </a:bodyPr>
-          <a:lstStyle/>
-          <a:p>
-            <a:endParaRPr lang="en-US" sz="1700" dirty="0"/>
-          </a:p>
-          <a:p>
-            <a:r>
-              <a:rPr lang="en-US" sz="1700" dirty="0"/>
-              <a:t>Autocompletion</a:t>
-            </a:r>
-            <a:br>
-              <a:rPr lang="en-US" sz="1700" dirty="0"/>
-            </a:br>
-            <a:br>
-              <a:rPr lang="en-US" sz="1700" dirty="0"/>
-            </a:br>
-            <a:br>
-              <a:rPr lang="en-US" sz="1700" dirty="0"/>
-            </a:br>
-            <a:br>
-              <a:rPr lang="en-US" sz="1700" dirty="0"/>
-            </a:br>
-            <a:endParaRPr lang="en-US" sz="1700" dirty="0"/>
-          </a:p>
-          <a:p>
-            <a:r>
-              <a:rPr lang="en-US" sz="1700" dirty="0"/>
-              <a:t>Autocorrection</a:t>
-            </a:r>
-          </a:p>
-          <a:p>
-            <a:endParaRPr lang="en-US" sz="1700" dirty="0"/>
-          </a:p>
-          <a:p>
-            <a:endParaRPr lang="en-US" sz="1700" dirty="0"/>
-          </a:p>
-          <a:p>
-            <a:pPr marL="0" indent="0">
-              <a:buNone/>
-            </a:pPr>
-            <a:endParaRPr lang="en-US" sz="1700" dirty="0"/>
-          </a:p>
-          <a:p>
-            <a:r>
-              <a:rPr lang="en-US" sz="1700" dirty="0"/>
-              <a:t>Chatbots - </a:t>
-            </a:r>
-            <a:r>
-              <a:rPr lang="en-US" sz="1700" dirty="0" err="1"/>
-              <a:t>GenAI</a:t>
-            </a:r>
-            <a:r>
-              <a:rPr lang="en-US" sz="1700" dirty="0"/>
-              <a:t> (</a:t>
-            </a:r>
-            <a:r>
-              <a:rPr lang="en-US" sz="1700" dirty="0" err="1"/>
-              <a:t>Wohoo</a:t>
-            </a:r>
-            <a:r>
-              <a:rPr lang="en-US" sz="1700" dirty="0"/>
-              <a:t>!)</a:t>
-            </a:r>
-          </a:p>
-        </p:txBody>
-      </p:sp>
-      <p:sp>
-        <p:nvSpPr>
-          <p:cNvPr id="48" name="Rectangle 47">
-            <a:extLst>
-              <a:ext uri="{FF2B5EF4-FFF2-40B4-BE49-F238E27FC236}">
-                <a16:creationId xmlns:a16="http://schemas.microsoft.com/office/drawing/2014/main" id="{2AB11B05-5E59-5B88-D8DB-0E975DEAE49E}"/>
-              </a:ext>
-              <a:ext uri="{C183D7F6-B498-43B3-948B-1728B52AA6E4}">
-                <adec:decorative xmlns:adec="http://schemas.microsoft.com/office/drawing/2017/decorative" val="1"/>
-              </a:ext>
-            </a:extLst>
-          </p:cNvPr>
-          <p:cNvSpPr>
-            <a:spLocks noGrp="1" noRot="1" noChangeAspect="1" noMove="1" noResize="1" noEditPoints="1" noAdjustHandles="1" noChangeArrowheads="1" noChangeShapeType="1" noTextEdit="1"/>
-          </p:cNvSpPr>
-          <p:nvPr>
-            <p:extLst>
-              <p:ext uri="{386F3935-93C4-4BCD-93E2-E3B085C9AB24}">
-                <p16:designElem xmlns:p16="http://schemas.microsoft.com/office/powerpoint/2015/main" val="1"/>
-              </p:ext>
-            </p:extLst>
-          </p:nvPr>
-        </p:nvSpPr>
-        <p:spPr>
-          <a:xfrm>
-            <a:off x="5264727" y="0"/>
-            <a:ext cx="6927273" cy="6876532"/>
-          </a:xfrm>
-          <a:prstGeom prst="rect">
-            <a:avLst/>
-          </a:prstGeom>
-          <a:solidFill>
-            <a:schemeClr val="bg1">
-              <a:lumMod val="95000"/>
-              <a:alpha val="65000"/>
-            </a:schemeClr>
-          </a:solidFill>
-          <a:ln>
-            <a:noFill/>
-          </a:ln>
-        </p:spPr>
-        <p:style>
-          <a:lnRef idx="2">
-            <a:schemeClr val="accent1">
-              <a:shade val="50000"/>
-            </a:schemeClr>
-          </a:lnRef>
-          <a:fillRef idx="1">
-            <a:schemeClr val="accent1"/>
-          </a:fillRef>
-          <a:effectRef idx="0">
-            <a:schemeClr val="accent1"/>
-          </a:effectRef>
-          <a:fontRef idx="minor">
-            <a:schemeClr val="lt1"/>
-          </a:fontRef>
-        </p:style>
-        <p:txBody>
-          <a:bodyPr rtlCol="0" anchor="ctr"/>
-          <a:lstStyle/>
-          <a:p>
-            <a:pPr algn="ctr"/>
-            <a:endParaRPr lang="en-US"/>
-          </a:p>
-        </p:txBody>
-      </p:sp>
-      <p:pic>
-        <p:nvPicPr>
-          <p:cNvPr id="9" name="Picture 8" descr="A screenshot of a phone&#10;&#10;Description automatically generated">
-            <a:extLst>
-              <a:ext uri="{FF2B5EF4-FFF2-40B4-BE49-F238E27FC236}">
-                <a16:creationId xmlns:a16="http://schemas.microsoft.com/office/drawing/2014/main" id="{A78152B3-B538-B7E2-84E5-25B9DBC2D6DD}"/>
-              </a:ext>
-            </a:extLst>
-          </p:cNvPr>
-          <p:cNvPicPr>
-            <a:picLocks noChangeAspect="1"/>
-          </p:cNvPicPr>
-          <p:nvPr/>
-        </p:nvPicPr>
-        <p:blipFill>
-          <a:blip r:embed="rId2"/>
-          <a:stretch>
-            <a:fillRect/>
-          </a:stretch>
-        </p:blipFill>
-        <p:spPr>
-          <a:xfrm>
-            <a:off x="7581947" y="613565"/>
-            <a:ext cx="2939523" cy="5849797"/>
-          </a:xfrm>
-          <a:prstGeom prst="rect">
-            <a:avLst/>
-          </a:prstGeom>
-        </p:spPr>
-      </p:pic>
-      <p:pic>
-        <p:nvPicPr>
-          <p:cNvPr id="5" name="Picture 4" descr="A screenshot of a phone&#10;&#10;Description automatically generated">
-            <a:extLst>
-              <a:ext uri="{FF2B5EF4-FFF2-40B4-BE49-F238E27FC236}">
-                <a16:creationId xmlns:a16="http://schemas.microsoft.com/office/drawing/2014/main" id="{7B61084B-0DF6-DCB8-1993-2280C225AE24}"/>
-              </a:ext>
-            </a:extLst>
-          </p:cNvPr>
-          <p:cNvPicPr>
-            <a:picLocks noChangeAspect="1"/>
-          </p:cNvPicPr>
-          <p:nvPr/>
-        </p:nvPicPr>
-        <p:blipFill>
-          <a:blip r:embed="rId3"/>
-          <a:stretch>
-            <a:fillRect/>
-          </a:stretch>
-        </p:blipFill>
-        <p:spPr>
-          <a:xfrm>
-            <a:off x="2771137" y="4155614"/>
-            <a:ext cx="3140027" cy="1342361"/>
-          </a:xfrm>
-          <a:prstGeom prst="rect">
-            <a:avLst/>
-          </a:prstGeom>
-        </p:spPr>
-      </p:pic>
-      <p:pic>
-        <p:nvPicPr>
-          <p:cNvPr id="7" name="Picture 6" descr="A screenshot of a phone&#10;&#10;Description automatically generated">
-            <a:extLst>
-              <a:ext uri="{FF2B5EF4-FFF2-40B4-BE49-F238E27FC236}">
-                <a16:creationId xmlns:a16="http://schemas.microsoft.com/office/drawing/2014/main" id="{83CFE3F3-023F-1DCC-7895-47593E6C2AEC}"/>
-              </a:ext>
-            </a:extLst>
-          </p:cNvPr>
-          <p:cNvPicPr>
-            <a:picLocks noChangeAspect="1"/>
-          </p:cNvPicPr>
-          <p:nvPr/>
-        </p:nvPicPr>
-        <p:blipFill>
-          <a:blip r:embed="rId4"/>
-          <a:stretch>
-            <a:fillRect/>
-          </a:stretch>
-        </p:blipFill>
-        <p:spPr>
-          <a:xfrm>
-            <a:off x="3465100" y="264555"/>
-            <a:ext cx="2175901" cy="3626504"/>
-          </a:xfrm>
-          <a:prstGeom prst="rect">
-            <a:avLst/>
-          </a:prstGeom>
-        </p:spPr>
-      </p:pic>
-      <p:cxnSp>
-        <p:nvCxnSpPr>
-          <p:cNvPr id="11" name="Straight Connector 10">
-            <a:extLst>
-              <a:ext uri="{FF2B5EF4-FFF2-40B4-BE49-F238E27FC236}">
-                <a16:creationId xmlns:a16="http://schemas.microsoft.com/office/drawing/2014/main" id="{AC0676F0-C2EA-CA79-6B43-24F5582426C3}"/>
-              </a:ext>
-            </a:extLst>
-          </p:cNvPr>
-          <p:cNvCxnSpPr>
-            <a:cxnSpLocks/>
-          </p:cNvCxnSpPr>
-          <p:nvPr/>
-        </p:nvCxnSpPr>
-        <p:spPr>
-          <a:xfrm>
-            <a:off x="3564731" y="5793186"/>
-            <a:ext cx="3877218" cy="0"/>
-          </a:xfrm>
-          <a:prstGeom prst="line">
-            <a:avLst/>
-          </a:prstGeom>
-          <a:ln w="38100">
-            <a:headEnd type="none" w="med" len="med"/>
-            <a:tailEnd type="triangle" w="med" len="med"/>
-          </a:ln>
-        </p:spPr>
-        <p:style>
-          <a:lnRef idx="1">
-            <a:schemeClr val="accent1"/>
-          </a:lnRef>
-          <a:fillRef idx="0">
-            <a:schemeClr val="accent1"/>
-          </a:fillRef>
-          <a:effectRef idx="0">
-            <a:schemeClr val="accent1"/>
-          </a:effectRef>
-          <a:fontRef idx="minor">
-            <a:schemeClr val="tx1"/>
-          </a:fontRef>
-        </p:style>
-      </p:cxnSp>
-      <p:pic>
-        <p:nvPicPr>
-          <p:cNvPr id="8" name="Picture 7" descr="A white snake on a green background&#10;&#10;Description automatically generated">
-            <a:extLst>
-              <a:ext uri="{FF2B5EF4-FFF2-40B4-BE49-F238E27FC236}">
-                <a16:creationId xmlns:a16="http://schemas.microsoft.com/office/drawing/2014/main" id="{EE96577D-6AD7-7F73-3DD6-CE2C67956FDB}"/>
-              </a:ext>
-            </a:extLst>
-          </p:cNvPr>
-          <p:cNvPicPr>
-            <a:picLocks noChangeAspect="1"/>
-          </p:cNvPicPr>
-          <p:nvPr/>
-        </p:nvPicPr>
-        <p:blipFill>
-          <a:blip r:embed="rId5"/>
-          <a:stretch>
-            <a:fillRect/>
-          </a:stretch>
-        </p:blipFill>
-        <p:spPr>
-          <a:xfrm>
-            <a:off x="11499477" y="0"/>
-            <a:ext cx="692523" cy="692523"/>
-          </a:xfrm>
-          <a:prstGeom prst="rect">
-            <a:avLst/>
-          </a:prstGeom>
-        </p:spPr>
-      </p:pic>
-    </p:spTree>
-    <p:extLst>
-      <p:ext uri="{BB962C8B-B14F-4D97-AF65-F5344CB8AC3E}">
-        <p14:creationId xmlns:p14="http://schemas.microsoft.com/office/powerpoint/2010/main" val="2192532014"/>
+        <p14:creationId xmlns:p14="http://schemas.microsoft.com/office/powerpoint/2010/main" val="3164388379"/>
       </p:ext>
     </p:extLst>
   </p:cSld>
@@ -14084,12 +15028,47 @@
           <a:chExt cx="0" cy="0"/>
         </a:xfrm>
       </p:grpSpPr>
-      <p:sp useBgFill="1">
-        <p:nvSpPr>
-          <p:cNvPr id="17" name="Rectangle 16">
-            <a:extLst>
-              <a:ext uri="{FF2B5EF4-FFF2-40B4-BE49-F238E27FC236}">
-                <a16:creationId xmlns:a16="http://schemas.microsoft.com/office/drawing/2014/main" id="{DBC6133C-0615-4CE4-9132-37E609A9BDFA}"/>
+      <p:sp>
+        <p:nvSpPr>
+          <p:cNvPr id="2" name="Title 1">
+            <a:extLst>
+              <a:ext uri="{FF2B5EF4-FFF2-40B4-BE49-F238E27FC236}">
+                <a16:creationId xmlns:a16="http://schemas.microsoft.com/office/drawing/2014/main" id="{30CE975E-2273-D93B-5C57-1C0961ACCAA8}"/>
+              </a:ext>
+            </a:extLst>
+          </p:cNvPr>
+          <p:cNvSpPr>
+            <a:spLocks noGrp="1"/>
+          </p:cNvSpPr>
+          <p:nvPr>
+            <p:ph type="title"/>
+          </p:nvPr>
+        </p:nvSpPr>
+        <p:spPr>
+          <a:xfrm>
+            <a:off x="7384130" y="1128094"/>
+            <a:ext cx="4087493" cy="1415270"/>
+          </a:xfrm>
+        </p:spPr>
+        <p:txBody>
+          <a:bodyPr anchor="t">
+            <a:normAutofit/>
+          </a:bodyPr>
+          <a:lstStyle/>
+          <a:p>
+            <a:r>
+              <a:rPr lang="en-US" sz="3200"/>
+              <a:t>NLP Tasks</a:t>
+            </a:r>
+          </a:p>
+        </p:txBody>
+      </p:sp>
+      <p:sp>
+        <p:nvSpPr>
+          <p:cNvPr id="52" name="Rectangle 51">
+            <a:extLst>
+              <a:ext uri="{FF2B5EF4-FFF2-40B4-BE49-F238E27FC236}">
+                <a16:creationId xmlns:a16="http://schemas.microsoft.com/office/drawing/2014/main" id="{1DBBFE1F-E21D-6F33-FA39-7ED7133F8534}"/>
               </a:ext>
               <a:ext uri="{C183D7F6-B498-43B3-948B-1728B52AA6E4}">
                 <adec:decorative xmlns:adec="http://schemas.microsoft.com/office/drawing/2017/decorative" val="1"/>
@@ -14110,11 +15089,17 @@
         <p:spPr>
           <a:xfrm>
             <a:off x="0" y="0"/>
-            <a:ext cx="12191999" cy="6857365"/>
+            <a:ext cx="6892068" cy="6858000"/>
           </a:xfrm>
           <a:prstGeom prst="rect">
             <a:avLst/>
           </a:prstGeom>
+          <a:solidFill>
+            <a:schemeClr val="bg1">
+              <a:lumMod val="95000"/>
+              <a:alpha val="65000"/>
+            </a:schemeClr>
+          </a:solidFill>
           <a:ln>
             <a:noFill/>
           </a:ln>
@@ -14144,56 +15129,81 @@
           </a:p>
         </p:txBody>
       </p:sp>
-      <p:sp>
-        <p:nvSpPr>
-          <p:cNvPr id="2" name="Title 1">
-            <a:extLst>
-              <a:ext uri="{FF2B5EF4-FFF2-40B4-BE49-F238E27FC236}">
-                <a16:creationId xmlns:a16="http://schemas.microsoft.com/office/drawing/2014/main" id="{71B8A4BB-065E-AE9B-5CB7-6BDEB39B7D4A}"/>
-              </a:ext>
-            </a:extLst>
-          </p:cNvPr>
-          <p:cNvSpPr>
-            <a:spLocks noGrp="1"/>
-          </p:cNvSpPr>
-          <p:nvPr>
-            <p:ph type="title"/>
-          </p:nvPr>
-        </p:nvSpPr>
-        <p:spPr>
-          <a:xfrm>
-            <a:off x="645064" y="525982"/>
-            <a:ext cx="4282983" cy="1200361"/>
-          </a:xfrm>
-        </p:spPr>
-        <p:txBody>
-          <a:bodyPr anchor="b">
-            <a:normAutofit/>
-          </a:bodyPr>
-          <a:lstStyle/>
-          <a:p>
-            <a:r>
-              <a:rPr lang="en-US" sz="3600"/>
-              <a:t>How do computers understand words?</a:t>
-            </a:r>
-          </a:p>
-        </p:txBody>
-      </p:sp>
-      <p:sp>
-        <p:nvSpPr>
-          <p:cNvPr id="19" name="Rectangle 18">
-            <a:extLst>
-              <a:ext uri="{FF2B5EF4-FFF2-40B4-BE49-F238E27FC236}">
-                <a16:creationId xmlns:a16="http://schemas.microsoft.com/office/drawing/2014/main" id="{169CC832-2974-4E8D-90ED-3E2941BA7336}"/>
+      <p:pic>
+        <p:nvPicPr>
+          <p:cNvPr id="23" name="Picture 22" descr="A diagram of a person with a diagram&#10;&#10;Description automatically generated with medium confidence">
+            <a:extLst>
+              <a:ext uri="{FF2B5EF4-FFF2-40B4-BE49-F238E27FC236}">
+                <a16:creationId xmlns:a16="http://schemas.microsoft.com/office/drawing/2014/main" id="{6E989867-98A8-33D9-5DE6-43DF66C9D88B}"/>
+              </a:ext>
+            </a:extLst>
+          </p:cNvPr>
+          <p:cNvPicPr>
+            <a:picLocks noChangeAspect="1"/>
+          </p:cNvPicPr>
+          <p:nvPr/>
+        </p:nvPicPr>
+        <p:blipFill>
+          <a:blip r:embed="rId2"/>
+          <a:stretch>
+            <a:fillRect/>
+          </a:stretch>
+        </p:blipFill>
+        <p:spPr>
+          <a:xfrm>
+            <a:off x="2914339" y="3543927"/>
+            <a:ext cx="3123666" cy="1866389"/>
+          </a:xfrm>
+          <a:prstGeom prst="rect">
+            <a:avLst/>
+          </a:prstGeom>
+        </p:spPr>
+      </p:pic>
+      <p:pic>
+        <p:nvPicPr>
+          <p:cNvPr id="27" name="Picture 26" descr="A screenshot of a social media post&#10;&#10;Description automatically generated">
+            <a:extLst>
+              <a:ext uri="{FF2B5EF4-FFF2-40B4-BE49-F238E27FC236}">
+                <a16:creationId xmlns:a16="http://schemas.microsoft.com/office/drawing/2014/main" id="{0E0C8332-385C-9735-A9A6-5FCFBD0D3D82}"/>
+              </a:ext>
+            </a:extLst>
+          </p:cNvPr>
+          <p:cNvPicPr>
+            <a:picLocks noChangeAspect="1"/>
+          </p:cNvPicPr>
+          <p:nvPr/>
+        </p:nvPicPr>
+        <p:blipFill>
+          <a:blip r:embed="rId3"/>
+          <a:stretch>
+            <a:fillRect/>
+          </a:stretch>
+        </p:blipFill>
+        <p:spPr>
+          <a:xfrm>
+            <a:off x="2577508" y="5410316"/>
+            <a:ext cx="3797328" cy="1253117"/>
+          </a:xfrm>
+          <a:prstGeom prst="rect">
+            <a:avLst/>
+          </a:prstGeom>
+        </p:spPr>
+      </p:pic>
+      <p:cxnSp>
+        <p:nvCxnSpPr>
+          <p:cNvPr id="53" name="Straight Connector 52">
+            <a:extLst>
+              <a:ext uri="{FF2B5EF4-FFF2-40B4-BE49-F238E27FC236}">
+                <a16:creationId xmlns:a16="http://schemas.microsoft.com/office/drawing/2014/main" id="{249EDD1B-F94D-B4E6-ACAA-566B9A26FDE3}"/>
               </a:ext>
               <a:ext uri="{C183D7F6-B498-43B3-948B-1728B52AA6E4}">
                 <adec:decorative xmlns:adec="http://schemas.microsoft.com/office/drawing/2017/decorative" val="1"/>
               </a:ext>
             </a:extLst>
           </p:cNvPr>
-          <p:cNvSpPr>
-            <a:spLocks noGrp="1" noRot="1" noChangeAspect="1" noMove="1" noResize="1" noEditPoints="1" noAdjustHandles="1" noChangeArrowheads="1" noChangeShapeType="1" noTextEdit="1"/>
-          </p:cNvSpPr>
+          <p:cNvCxnSpPr>
+            <a:cxnSpLocks noGrp="1" noRot="1" noChangeAspect="1" noMove="1" noResize="1" noEditPoints="1" noAdjustHandles="1" noChangeArrowheads="1" noChangeShapeType="1"/>
+          </p:cNvCxnSpPr>
           <p:nvPr>
             <p:extLst>
               <p:ext uri="{386F3935-93C4-4BCD-93E2-E3B085C9AB24}">
@@ -14201,401 +15211,42 @@
               </p:ext>
             </p:extLst>
           </p:nvPr>
-        </p:nvSpPr>
-        <p:spPr>
-          <a:xfrm flipH="1">
-            <a:off x="616533" y="1944913"/>
-            <a:ext cx="4023360" cy="27432"/>
-          </a:xfrm>
-          <a:prstGeom prst="rect">
+        </p:nvCxnSpPr>
+        <p:spPr>
+          <a:xfrm>
+            <a:off x="7478854" y="871146"/>
+            <a:ext cx="736939" cy="0"/>
+          </a:xfrm>
+          <a:prstGeom prst="line">
             <a:avLst/>
           </a:prstGeom>
-          <a:solidFill>
-            <a:schemeClr val="accent4"/>
-          </a:solidFill>
-          <a:ln>
-            <a:noFill/>
+          <a:ln w="57150">
+            <a:solidFill>
+              <a:schemeClr val="accent4"/>
+            </a:solidFill>
           </a:ln>
         </p:spPr>
         <p:style>
-          <a:lnRef idx="2">
-            <a:schemeClr val="accent1">
-              <a:shade val="50000"/>
-            </a:schemeClr>
+          <a:lnRef idx="1">
+            <a:schemeClr val="accent1"/>
           </a:lnRef>
-          <a:fillRef idx="1">
+          <a:fillRef idx="0">
             <a:schemeClr val="accent1"/>
           </a:fillRef>
           <a:effectRef idx="0">
             <a:schemeClr val="accent1"/>
           </a:effectRef>
           <a:fontRef idx="minor">
-            <a:schemeClr val="lt1"/>
+            <a:schemeClr val="tx1"/>
           </a:fontRef>
         </p:style>
-        <p:txBody>
-          <a:bodyPr rtlCol="0" anchor="ctr"/>
-          <a:lstStyle/>
-          <a:p>
-            <a:pPr algn="ctr"/>
-            <a:endParaRPr lang="en-US"/>
-          </a:p>
-        </p:txBody>
-      </p:sp>
-      <p:sp>
-        <p:nvSpPr>
-          <p:cNvPr id="3" name="Content Placeholder 2">
-            <a:extLst>
-              <a:ext uri="{FF2B5EF4-FFF2-40B4-BE49-F238E27FC236}">
-                <a16:creationId xmlns:a16="http://schemas.microsoft.com/office/drawing/2014/main" id="{26F8D9FA-67E7-47A9-86BF-16CA1C306620}"/>
-              </a:ext>
-            </a:extLst>
-          </p:cNvPr>
-          <p:cNvSpPr>
-            <a:spLocks noGrp="1"/>
-          </p:cNvSpPr>
-          <p:nvPr>
-            <p:ph idx="1"/>
-          </p:nvPr>
-        </p:nvSpPr>
-        <p:spPr>
-          <a:xfrm>
-            <a:off x="645066" y="2031101"/>
-            <a:ext cx="4282984" cy="3511943"/>
-          </a:xfrm>
-        </p:spPr>
-        <p:txBody>
-          <a:bodyPr anchor="ctr">
-            <a:normAutofit/>
-          </a:bodyPr>
-          <a:lstStyle/>
-          <a:p>
-            <a:r>
-              <a:rPr lang="en-US" sz="1800" dirty="0"/>
-              <a:t>Through numbers (and then bits)</a:t>
-            </a:r>
-          </a:p>
-          <a:p>
-            <a:r>
-              <a:rPr lang="en-US" sz="1800" dirty="0"/>
-              <a:t>Need to encode words (or parts of words, sentences, whole documents) into numbers. That process is called </a:t>
-            </a:r>
-            <a:r>
-              <a:rPr lang="en-US" sz="1800" dirty="0">
-                <a:solidFill>
-                  <a:srgbClr val="0070C0"/>
-                </a:solidFill>
-              </a:rPr>
-              <a:t>text vectorization</a:t>
-            </a:r>
-            <a:r>
-              <a:rPr lang="en-US" sz="1800" dirty="0"/>
-              <a:t>, and numerical representations of texts are called </a:t>
-            </a:r>
-            <a:r>
-              <a:rPr lang="en-US" sz="1800" dirty="0">
-                <a:solidFill>
-                  <a:srgbClr val="0070C0"/>
-                </a:solidFill>
-              </a:rPr>
-              <a:t>embeddings</a:t>
-            </a:r>
-          </a:p>
-          <a:p>
-            <a:r>
-              <a:rPr lang="en-US" sz="1800" dirty="0"/>
-              <a:t>Most popular types of embeddings are </a:t>
-            </a:r>
-            <a:r>
-              <a:rPr lang="en-US" sz="1800" dirty="0">
-                <a:solidFill>
-                  <a:srgbClr val="0070C0"/>
-                </a:solidFill>
-              </a:rPr>
-              <a:t>word embeddings</a:t>
-            </a:r>
-          </a:p>
-        </p:txBody>
-      </p:sp>
-      <p:sp>
-        <p:nvSpPr>
-          <p:cNvPr id="21" name="Rectangle 20">
-            <a:extLst>
-              <a:ext uri="{FF2B5EF4-FFF2-40B4-BE49-F238E27FC236}">
-                <a16:creationId xmlns:a16="http://schemas.microsoft.com/office/drawing/2014/main" id="{55222F96-971A-4F90-B841-6BAB416C7AC1}"/>
-              </a:ext>
-              <a:ext uri="{C183D7F6-B498-43B3-948B-1728B52AA6E4}">
-                <adec:decorative xmlns:adec="http://schemas.microsoft.com/office/drawing/2017/decorative" val="1"/>
-              </a:ext>
-            </a:extLst>
-          </p:cNvPr>
-          <p:cNvSpPr>
-            <a:spLocks noGrp="1" noRot="1" noChangeAspect="1" noMove="1" noResize="1" noEditPoints="1" noAdjustHandles="1" noChangeArrowheads="1" noChangeShapeType="1" noTextEdit="1"/>
-          </p:cNvSpPr>
-          <p:nvPr>
-            <p:extLst>
-              <p:ext uri="{386F3935-93C4-4BCD-93E2-E3B085C9AB24}">
-                <p16:designElem xmlns:p16="http://schemas.microsoft.com/office/powerpoint/2015/main" val="1"/>
-              </p:ext>
-            </p:extLst>
-          </p:nvPr>
-        </p:nvSpPr>
-        <p:spPr>
-          <a:xfrm rot="5400000">
-            <a:off x="-225843" y="6053360"/>
-            <a:ext cx="740664" cy="154124"/>
-          </a:xfrm>
-          <a:prstGeom prst="rect">
-            <a:avLst/>
-          </a:prstGeom>
-          <a:solidFill>
-            <a:schemeClr val="accent4"/>
-          </a:solidFill>
-          <a:ln>
-            <a:noFill/>
-          </a:ln>
-        </p:spPr>
-        <p:style>
-          <a:lnRef idx="2">
-            <a:schemeClr val="accent1">
-              <a:shade val="50000"/>
-            </a:schemeClr>
-          </a:lnRef>
-          <a:fillRef idx="1">
-            <a:schemeClr val="accent1"/>
-          </a:fillRef>
-          <a:effectRef idx="0">
-            <a:schemeClr val="accent1"/>
-          </a:effectRef>
-          <a:fontRef idx="minor">
-            <a:schemeClr val="lt1"/>
-          </a:fontRef>
-        </p:style>
-        <p:txBody>
-          <a:bodyPr rtlCol="0" anchor="ctr"/>
-          <a:lstStyle/>
-          <a:p>
-            <a:pPr algn="ctr"/>
-            <a:endParaRPr lang="en-US"/>
-          </a:p>
-        </p:txBody>
-      </p:sp>
-      <p:sp>
-        <p:nvSpPr>
-          <p:cNvPr id="23" name="Rectangle 22">
-            <a:extLst>
-              <a:ext uri="{FF2B5EF4-FFF2-40B4-BE49-F238E27FC236}">
-                <a16:creationId xmlns:a16="http://schemas.microsoft.com/office/drawing/2014/main" id="{08980754-6F4B-43C9-B9BE-127B6BED6586}"/>
-              </a:ext>
-              <a:ext uri="{C183D7F6-B498-43B3-948B-1728B52AA6E4}">
-                <adec:decorative xmlns:adec="http://schemas.microsoft.com/office/drawing/2017/decorative" val="1"/>
-              </a:ext>
-            </a:extLst>
-          </p:cNvPr>
-          <p:cNvSpPr>
-            <a:spLocks noGrp="1" noRot="1" noChangeAspect="1" noMove="1" noResize="1" noEditPoints="1" noAdjustHandles="1" noChangeArrowheads="1" noChangeShapeType="1" noTextEdit="1"/>
-          </p:cNvSpPr>
-          <p:nvPr>
-            <p:extLst>
-              <p:ext uri="{386F3935-93C4-4BCD-93E2-E3B085C9AB24}">
-                <p16:designElem xmlns:p16="http://schemas.microsoft.com/office/powerpoint/2015/main" val="1"/>
-              </p:ext>
-            </p:extLst>
-          </p:nvPr>
-        </p:nvSpPr>
-        <p:spPr>
-          <a:xfrm rot="5400000">
-            <a:off x="5904923" y="215201"/>
-            <a:ext cx="740664" cy="11833491"/>
-          </a:xfrm>
-          <a:prstGeom prst="rect">
-            <a:avLst/>
-          </a:prstGeom>
-          <a:solidFill>
-            <a:schemeClr val="accent4"/>
-          </a:solidFill>
-          <a:ln>
-            <a:noFill/>
-          </a:ln>
-        </p:spPr>
-        <p:style>
-          <a:lnRef idx="2">
-            <a:schemeClr val="accent1">
-              <a:shade val="50000"/>
-            </a:schemeClr>
-          </a:lnRef>
-          <a:fillRef idx="1">
-            <a:schemeClr val="accent1"/>
-          </a:fillRef>
-          <a:effectRef idx="0">
-            <a:schemeClr val="accent1"/>
-          </a:effectRef>
-          <a:fontRef idx="minor">
-            <a:schemeClr val="lt1"/>
-          </a:fontRef>
-        </p:style>
-        <p:txBody>
-          <a:bodyPr rtlCol="0" anchor="ctr"/>
-          <a:lstStyle/>
-          <a:p>
-            <a:pPr algn="ctr"/>
-            <a:endParaRPr lang="en-US"/>
-          </a:p>
-        </p:txBody>
-      </p:sp>
-      <p:sp>
-        <p:nvSpPr>
-          <p:cNvPr id="25" name="Rectangle 24">
-            <a:extLst>
-              <a:ext uri="{FF2B5EF4-FFF2-40B4-BE49-F238E27FC236}">
-                <a16:creationId xmlns:a16="http://schemas.microsoft.com/office/drawing/2014/main" id="{2C1BBA94-3F40-40AA-8BB9-E69E25E537C1}"/>
-              </a:ext>
-              <a:ext uri="{C183D7F6-B498-43B3-948B-1728B52AA6E4}">
-                <adec:decorative xmlns:adec="http://schemas.microsoft.com/office/drawing/2017/decorative" val="1"/>
-              </a:ext>
-            </a:extLst>
-          </p:cNvPr>
-          <p:cNvSpPr>
-            <a:spLocks noGrp="1" noRot="1" noChangeAspect="1" noMove="1" noResize="1" noEditPoints="1" noAdjustHandles="1" noChangeArrowheads="1" noChangeShapeType="1" noTextEdit="1"/>
-          </p:cNvSpPr>
-          <p:nvPr>
-            <p:extLst>
-              <p:ext uri="{386F3935-93C4-4BCD-93E2-E3B085C9AB24}">
-                <p16:designElem xmlns:p16="http://schemas.microsoft.com/office/powerpoint/2015/main" val="1"/>
-              </p:ext>
-            </p:extLst>
-          </p:nvPr>
-        </p:nvSpPr>
-        <p:spPr>
-          <a:xfrm>
-            <a:off x="5696793" y="354959"/>
-            <a:ext cx="6184973" cy="5915212"/>
-          </a:xfrm>
-          <a:prstGeom prst="rect">
-            <a:avLst/>
-          </a:prstGeom>
-          <a:solidFill>
-            <a:schemeClr val="bg1"/>
-          </a:solidFill>
-          <a:ln>
-            <a:noFill/>
-          </a:ln>
-          <a:effectLst>
-            <a:outerShdw blurRad="139700" dist="127000" dir="5400000" algn="t" rotWithShape="0">
-              <a:prstClr val="black">
-                <a:alpha val="15000"/>
-              </a:prstClr>
-            </a:outerShdw>
-          </a:effectLst>
-        </p:spPr>
-        <p:style>
-          <a:lnRef idx="2">
-            <a:schemeClr val="accent1">
-              <a:shade val="50000"/>
-            </a:schemeClr>
-          </a:lnRef>
-          <a:fillRef idx="1">
-            <a:schemeClr val="accent1"/>
-          </a:fillRef>
-          <a:effectRef idx="0">
-            <a:schemeClr val="accent1"/>
-          </a:effectRef>
-          <a:fontRef idx="minor">
-            <a:schemeClr val="lt1"/>
-          </a:fontRef>
-        </p:style>
-        <p:txBody>
-          <a:bodyPr rtlCol="0" anchor="ctr"/>
-          <a:lstStyle/>
-          <a:p>
-            <a:pPr algn="ctr"/>
-            <a:endParaRPr lang="en-US"/>
-          </a:p>
-        </p:txBody>
-      </p:sp>
+      </p:cxnSp>
       <p:pic>
         <p:nvPicPr>
-          <p:cNvPr id="5" name="Picture 4" descr="A cartoon robot reading a book&#10;&#10;Description automatically generated">
-            <a:extLst>
-              <a:ext uri="{FF2B5EF4-FFF2-40B4-BE49-F238E27FC236}">
-                <a16:creationId xmlns:a16="http://schemas.microsoft.com/office/drawing/2014/main" id="{C6B17F70-CB75-60C5-BE6E-E026CB3CE21A}"/>
-              </a:ext>
-            </a:extLst>
-          </p:cNvPr>
-          <p:cNvPicPr>
-            <a:picLocks noChangeAspect="1"/>
-          </p:cNvPicPr>
-          <p:nvPr/>
-        </p:nvPicPr>
-        <p:blipFill rotWithShape="1">
-          <a:blip r:embed="rId2"/>
-          <a:srcRect l="14749" r="13097"/>
-          <a:stretch/>
-        </p:blipFill>
-        <p:spPr>
-          <a:xfrm>
-            <a:off x="6240692" y="650494"/>
-            <a:ext cx="5122109" cy="5324142"/>
-          </a:xfrm>
-          <a:prstGeom prst="rect">
-            <a:avLst/>
-          </a:prstGeom>
-        </p:spPr>
-      </p:pic>
-      <p:sp>
-        <p:nvSpPr>
-          <p:cNvPr id="4" name="TextBox 3">
-            <a:extLst>
-              <a:ext uri="{FF2B5EF4-FFF2-40B4-BE49-F238E27FC236}">
-                <a16:creationId xmlns:a16="http://schemas.microsoft.com/office/drawing/2014/main" id="{381F1101-8754-AAB0-CA97-874C8E4A515D}"/>
-              </a:ext>
-            </a:extLst>
-          </p:cNvPr>
-          <p:cNvSpPr txBox="1"/>
-          <p:nvPr/>
-        </p:nvSpPr>
-        <p:spPr>
-          <a:xfrm>
-            <a:off x="358509" y="5782847"/>
-            <a:ext cx="5338282" cy="646331"/>
-          </a:xfrm>
-          <a:prstGeom prst="rect">
-            <a:avLst/>
-          </a:prstGeom>
-          <a:noFill/>
-        </p:spPr>
-        <p:txBody>
-          <a:bodyPr wrap="square" rtlCol="0">
-            <a:spAutoFit/>
-          </a:bodyPr>
-          <a:lstStyle/>
-          <a:p>
-            <a:r>
-              <a:rPr lang="en-US" sz="1200" dirty="0"/>
-              <a:t>Funny video – how automated systems can struggle to understand human language:</a:t>
-            </a:r>
-          </a:p>
-          <a:p>
-            <a:r>
-              <a:rPr lang="en-US" sz="1200" b="0" i="0" u="sng" strike="noStrike" dirty="0">
-                <a:solidFill>
-                  <a:srgbClr val="202124"/>
-                </a:solidFill>
-                <a:effectLst/>
-                <a:latin typeface="arial" panose="020B0604020202020204" pitchFamily="34" charset="0"/>
-                <a:hlinkClick r:id="rId3"/>
-              </a:rPr>
-              <a:t>Scottish Elevator - Voice Recognition - ELEVEN !</a:t>
-            </a:r>
-          </a:p>
-        </p:txBody>
-      </p:sp>
-      <p:pic>
-        <p:nvPicPr>
-          <p:cNvPr id="6" name="Picture 5" descr="A white snake on a green background&#10;&#10;Description automatically generated">
-            <a:extLst>
-              <a:ext uri="{FF2B5EF4-FFF2-40B4-BE49-F238E27FC236}">
-                <a16:creationId xmlns:a16="http://schemas.microsoft.com/office/drawing/2014/main" id="{A079DF93-FB56-5EA8-A105-D6F1E5D52775}"/>
+          <p:cNvPr id="21" name="Picture 20" descr="A screenshot of a phone&#10;&#10;Description automatically generated">
+            <a:extLst>
+              <a:ext uri="{FF2B5EF4-FFF2-40B4-BE49-F238E27FC236}">
+                <a16:creationId xmlns:a16="http://schemas.microsoft.com/office/drawing/2014/main" id="{C592166B-A982-A20E-C0BE-6EA63C31FB40}"/>
               </a:ext>
             </a:extLst>
           </p:cNvPr>
@@ -14612,7 +15263,145 @@
         </p:blipFill>
         <p:spPr>
           <a:xfrm>
-            <a:off x="11499477" y="7144"/>
+            <a:off x="753970" y="3429000"/>
+            <a:ext cx="2017354" cy="2096245"/>
+          </a:xfrm>
+          <a:prstGeom prst="rect">
+            <a:avLst/>
+          </a:prstGeom>
+        </p:spPr>
+      </p:pic>
+      <p:pic>
+        <p:nvPicPr>
+          <p:cNvPr id="19" name="Picture 18" descr="A screenshot of a phone&#10;&#10;Description automatically generated">
+            <a:extLst>
+              <a:ext uri="{FF2B5EF4-FFF2-40B4-BE49-F238E27FC236}">
+                <a16:creationId xmlns:a16="http://schemas.microsoft.com/office/drawing/2014/main" id="{986A41AA-6EE1-2DCE-DC12-B83E910A23D9}"/>
+              </a:ext>
+            </a:extLst>
+          </p:cNvPr>
+          <p:cNvPicPr>
+            <a:picLocks noChangeAspect="1"/>
+          </p:cNvPicPr>
+          <p:nvPr/>
+        </p:nvPicPr>
+        <p:blipFill>
+          <a:blip r:embed="rId5"/>
+          <a:stretch>
+            <a:fillRect/>
+          </a:stretch>
+        </p:blipFill>
+        <p:spPr>
+          <a:xfrm>
+            <a:off x="508340" y="1805650"/>
+            <a:ext cx="6188244" cy="1253117"/>
+          </a:xfrm>
+          <a:prstGeom prst="rect">
+            <a:avLst/>
+          </a:prstGeom>
+        </p:spPr>
+      </p:pic>
+      <p:sp>
+        <p:nvSpPr>
+          <p:cNvPr id="3" name="Content Placeholder 2">
+            <a:extLst>
+              <a:ext uri="{FF2B5EF4-FFF2-40B4-BE49-F238E27FC236}">
+                <a16:creationId xmlns:a16="http://schemas.microsoft.com/office/drawing/2014/main" id="{5E9195AB-7275-B9C8-D310-1E2AF36BEA04}"/>
+              </a:ext>
+            </a:extLst>
+          </p:cNvPr>
+          <p:cNvSpPr>
+            <a:spLocks noGrp="1"/>
+          </p:cNvSpPr>
+          <p:nvPr>
+            <p:ph idx="1"/>
+          </p:nvPr>
+        </p:nvSpPr>
+        <p:spPr>
+          <a:xfrm>
+            <a:off x="7384131" y="2543364"/>
+            <a:ext cx="4087492" cy="3599019"/>
+          </a:xfrm>
+        </p:spPr>
+        <p:txBody>
+          <a:bodyPr>
+            <a:normAutofit/>
+          </a:bodyPr>
+          <a:lstStyle/>
+          <a:p>
+            <a:r>
+              <a:rPr lang="en-US" sz="2000" dirty="0"/>
+              <a:t>Machine Translation</a:t>
+            </a:r>
+          </a:p>
+          <a:p>
+            <a:endParaRPr lang="en-US" sz="2000" dirty="0"/>
+          </a:p>
+          <a:p>
+            <a:endParaRPr lang="en-US" sz="2000" dirty="0"/>
+          </a:p>
+          <a:p>
+            <a:r>
+              <a:rPr lang="en-US" sz="2000" dirty="0"/>
+              <a:t>Classification</a:t>
+            </a:r>
+          </a:p>
+          <a:p>
+            <a:pPr lvl="1"/>
+            <a:r>
+              <a:rPr lang="en-US" sz="2000" dirty="0"/>
+              <a:t>Spam filtration</a:t>
+            </a:r>
+          </a:p>
+          <a:p>
+            <a:pPr lvl="1"/>
+            <a:r>
+              <a:rPr lang="en-US" sz="2000" dirty="0"/>
+              <a:t>Sentiment analysis</a:t>
+            </a:r>
+          </a:p>
+          <a:p>
+            <a:pPr lvl="1"/>
+            <a:r>
+              <a:rPr lang="en-US" sz="2000" dirty="0"/>
+              <a:t>Spoiler detection</a:t>
+            </a:r>
+          </a:p>
+          <a:p>
+            <a:pPr lvl="1"/>
+            <a:endParaRPr lang="en-US" sz="2000" dirty="0"/>
+          </a:p>
+          <a:p>
+            <a:pPr marL="457200" lvl="1" indent="0">
+              <a:buNone/>
+            </a:pPr>
+            <a:endParaRPr lang="en-US" sz="2000" dirty="0"/>
+          </a:p>
+        </p:txBody>
+      </p:sp>
+      <p:pic>
+        <p:nvPicPr>
+          <p:cNvPr id="4" name="Picture 3" descr="A white snake on a green background&#10;&#10;Description automatically generated">
+            <a:extLst>
+              <a:ext uri="{FF2B5EF4-FFF2-40B4-BE49-F238E27FC236}">
+                <a16:creationId xmlns:a16="http://schemas.microsoft.com/office/drawing/2014/main" id="{CFB31B3C-6D39-514E-3479-1B1C0D0330C0}"/>
+              </a:ext>
+            </a:extLst>
+          </p:cNvPr>
+          <p:cNvPicPr>
+            <a:picLocks noChangeAspect="1"/>
+          </p:cNvPicPr>
+          <p:nvPr/>
+        </p:nvPicPr>
+        <p:blipFill>
+          <a:blip r:embed="rId6"/>
+          <a:stretch>
+            <a:fillRect/>
+          </a:stretch>
+        </p:blipFill>
+        <p:spPr>
+          <a:xfrm>
+            <a:off x="11499477" y="0"/>
             <a:ext cx="692523" cy="692523"/>
           </a:xfrm>
           <a:prstGeom prst="rect">
@@ -14623,7 +15412,7 @@
     </p:spTree>
     <p:extLst>
       <p:ext uri="{BB962C8B-B14F-4D97-AF65-F5344CB8AC3E}">
-        <p14:creationId xmlns:p14="http://schemas.microsoft.com/office/powerpoint/2010/main" val="3283020714"/>
+        <p14:creationId xmlns:p14="http://schemas.microsoft.com/office/powerpoint/2010/main" val="3266510486"/>
       </p:ext>
     </p:extLst>
   </p:cSld>
